--- a/ppt_table_3eg.pptx
+++ b/ppt_table_3eg.pptx
@@ -7,6 +7,7 @@
   <p:sldIdLst>
     <p:sldId id="258" r:id="rId3"/>
     <p:sldId id="259" r:id="rId4"/>
+    <p:sldId id="260" r:id="rId5"/>
   </p:sldIdLst>
   <p:sldSz cx="12192000" cy="6858000"/>
   <p:notesSz cx="6858000" cy="9144000"/>
@@ -2936,33 +2937,92 @@
           </p:nvPr>
         </p:nvGraphicFramePr>
         <p:xfrm>
-          <a:off x="606971" y="690505"/>
-          <a:ext cx="4553608" cy="4473354"/>
+          <a:off x="166618" y="596268"/>
+          <a:ext cx="3993932" cy="6061489"/>
         </p:xfrm>
         <a:graphic>
           <a:graphicData uri="http://schemas.openxmlformats.org/drawingml/2006/table">
             <a:tbl>
               <a:tblPr firstRow="1" bandRow="1">
-                <a:tableStyleId>{0505E3EF-67EA-436B-97B2-0124C06EBD24}</a:tableStyleId>
+                <a:tableStyleId>{2D5ABB26-0587-4C30-8999-92F81FD0307C}</a:tableStyleId>
               </a:tblPr>
               <a:tblGrid>
-                <a:gridCol w="2276804"/>
-                <a:gridCol w="2276804"/>
+                <a:gridCol w="962935"/>
+                <a:gridCol w="3030997"/>
               </a:tblGrid>
-              <a:tr h="508422">
+              <a:tr h="320771">
                 <a:tc>
                   <a:txBody>
                     <a:bodyPr/>
                     <a:lstStyle/>
                     <a:p>
                       <a:r>
-                        <a:rPr lang="en-US" altLang="zh-CN" b="0" dirty="0"/>
+                        <a:rPr lang="en-US" altLang="zh-CN" sz="900" b="0" i="0" dirty="0">
+                          <a:latin typeface="Arial" panose="020B0604020202090204" pitchFamily="34" charset="0"/>
+                          <a:ea typeface="宋体" panose="02010600030101010101" pitchFamily="2" charset="-122"/>
+                          <a:cs typeface="Arial" panose="020B0604020202090204" pitchFamily="34" charset="0"/>
+                        </a:rPr>
                         <a:t>SPC</a:t>
                       </a:r>
-                      <a:endParaRPr lang="zh-CN" altLang="en-US" b="0" dirty="0"/>
+                      <a:endParaRPr lang="zh-CN" altLang="en-US" sz="900" b="0" i="0" dirty="0">
+                        <a:latin typeface="Arial" panose="020B0604020202090204" pitchFamily="34" charset="0"/>
+                        <a:ea typeface="宋体" panose="02010600030101010101" pitchFamily="2" charset="-122"/>
+                        <a:cs typeface="Arial" panose="020B0604020202090204" pitchFamily="34" charset="0"/>
+                      </a:endParaRPr>
                     </a:p>
                   </a:txBody>
-                  <a:tcPr/>
+                  <a:tcPr>
+                    <a:lnL w="6350" cap="flat" cmpd="sng" algn="ctr">
+                      <a:solidFill>
+                        <a:schemeClr val="tx1"/>
+                      </a:solidFill>
+                      <a:prstDash val="solid"/>
+                      <a:round/>
+                      <a:headEnd type="none" w="med" len="med"/>
+                      <a:tailEnd type="none" w="med" len="med"/>
+                    </a:lnL>
+                    <a:lnR w="6350" cap="flat" cmpd="sng" algn="ctr">
+                      <a:solidFill>
+                        <a:schemeClr val="tx1"/>
+                      </a:solidFill>
+                      <a:prstDash val="solid"/>
+                      <a:round/>
+                      <a:headEnd type="none" w="med" len="med"/>
+                      <a:tailEnd type="none" w="med" len="med"/>
+                    </a:lnR>
+                    <a:lnT w="6350" cap="flat" cmpd="sng" algn="ctr">
+                      <a:solidFill>
+                        <a:schemeClr val="tx1"/>
+                      </a:solidFill>
+                      <a:prstDash val="solid"/>
+                      <a:round/>
+                      <a:headEnd type="none" w="med" len="med"/>
+                      <a:tailEnd type="none" w="med" len="med"/>
+                    </a:lnT>
+                    <a:lnB w="6350" cap="flat" cmpd="sng" algn="ctr">
+                      <a:solidFill>
+                        <a:schemeClr val="tx1"/>
+                      </a:solidFill>
+                      <a:prstDash val="solid"/>
+                      <a:round/>
+                      <a:headEnd type="none" w="med" len="med"/>
+                      <a:tailEnd type="none" w="med" len="med"/>
+                    </a:lnB>
+                    <a:lnTlToBr w="12700" cmpd="sng">
+                      <a:noFill/>
+                      <a:prstDash val="solid"/>
+                    </a:lnTlToBr>
+                    <a:lnBlToTr w="12700" cmpd="sng">
+                      <a:noFill/>
+                      <a:prstDash val="solid"/>
+                    </a:lnBlToTr>
+                    <a:solidFill>
+                      <a:schemeClr val="accent5">
+                        <a:lumMod val="60000"/>
+                        <a:lumOff val="40000"/>
+                      </a:schemeClr>
+                    </a:solidFill>
+                  </a:tcPr>
                 </a:tc>
                 <a:tc>
                   <a:txBody>
@@ -2970,29 +3030,141 @@
                     <a:lstStyle/>
                     <a:p>
                       <a:r>
-                        <a:rPr lang="en-US" altLang="zh-CN" b="0" dirty="0"/>
-                        <a:t>E</a:t>
+                        <a:rPr lang="en-US" altLang="zh-CN" sz="900" b="0" i="0" dirty="0">
+                          <a:latin typeface="Arial" panose="020B0604020202090204" pitchFamily="34" charset="0"/>
+                          <a:ea typeface="宋体" panose="02010600030101010101" pitchFamily="2" charset="-122"/>
+                          <a:cs typeface="Arial" panose="020B0604020202090204" pitchFamily="34" charset="0"/>
+                        </a:rPr>
+                        <a:t>A</a:t>
                       </a:r>
-                      <a:endParaRPr lang="en-US" altLang="zh-CN" b="0" dirty="0"/>
+                      <a:endParaRPr lang="en-US" altLang="zh-CN" sz="900" b="0" i="0" dirty="0">
+                        <a:latin typeface="Arial" panose="020B0604020202090204" pitchFamily="34" charset="0"/>
+                        <a:ea typeface="宋体" panose="02010600030101010101" pitchFamily="2" charset="-122"/>
+                        <a:cs typeface="Arial" panose="020B0604020202090204" pitchFamily="34" charset="0"/>
+                      </a:endParaRPr>
                     </a:p>
                   </a:txBody>
-                  <a:tcPr/>
+                  <a:tcPr>
+                    <a:lnL w="6350" cap="flat" cmpd="sng" algn="ctr">
+                      <a:solidFill>
+                        <a:schemeClr val="tx1"/>
+                      </a:solidFill>
+                      <a:prstDash val="solid"/>
+                      <a:round/>
+                      <a:headEnd type="none" w="med" len="med"/>
+                      <a:tailEnd type="none" w="med" len="med"/>
+                    </a:lnL>
+                    <a:lnR w="6350" cap="flat" cmpd="sng" algn="ctr">
+                      <a:solidFill>
+                        <a:schemeClr val="tx1"/>
+                      </a:solidFill>
+                      <a:prstDash val="solid"/>
+                      <a:round/>
+                      <a:headEnd type="none" w="med" len="med"/>
+                      <a:tailEnd type="none" w="med" len="med"/>
+                    </a:lnR>
+                    <a:lnT w="6350" cap="flat" cmpd="sng" algn="ctr">
+                      <a:solidFill>
+                        <a:schemeClr val="tx1"/>
+                      </a:solidFill>
+                      <a:prstDash val="solid"/>
+                      <a:round/>
+                      <a:headEnd type="none" w="med" len="med"/>
+                      <a:tailEnd type="none" w="med" len="med"/>
+                    </a:lnT>
+                    <a:lnB w="6350" cap="flat" cmpd="sng" algn="ctr">
+                      <a:solidFill>
+                        <a:schemeClr val="tx1"/>
+                      </a:solidFill>
+                      <a:prstDash val="solid"/>
+                      <a:round/>
+                      <a:headEnd type="none" w="med" len="med"/>
+                      <a:tailEnd type="none" w="med" len="med"/>
+                    </a:lnB>
+                    <a:lnTlToBr w="12700" cmpd="sng">
+                      <a:noFill/>
+                      <a:prstDash val="solid"/>
+                    </a:lnTlToBr>
+                    <a:lnBlToTr w="12700" cmpd="sng">
+                      <a:noFill/>
+                      <a:prstDash val="solid"/>
+                    </a:lnBlToTr>
+                  </a:tcPr>
                 </a:tc>
               </a:tr>
-              <a:tr h="508422">
+              <a:tr h="320771">
                 <a:tc>
                   <a:txBody>
                     <a:bodyPr/>
                     <a:lstStyle/>
                     <a:p>
                       <a:r>
-                        <a:rPr lang="en-US" altLang="zh-CN" b="0" dirty="0"/>
-                        <a:t>Equipment</a:t>
+                        <a:rPr lang="en-US" altLang="zh-CN" sz="900" b="0" i="0" dirty="0">
+                          <a:latin typeface="Arial" panose="020B0604020202090204" pitchFamily="34" charset="0"/>
+                          <a:ea typeface="宋体" panose="02010600030101010101" pitchFamily="2" charset="-122"/>
+                          <a:cs typeface="Arial" panose="020B0604020202090204" pitchFamily="34" charset="0"/>
+                        </a:rPr>
+                        <a:t>FAI</a:t>
                       </a:r>
-                      <a:endParaRPr lang="zh-CN" altLang="en-US" b="0" dirty="0"/>
+                      <a:endParaRPr lang="zh-CN" altLang="en-US" sz="900" b="0" i="0" dirty="0">
+                        <a:latin typeface="Arial" panose="020B0604020202090204" pitchFamily="34" charset="0"/>
+                        <a:ea typeface="宋体" panose="02010600030101010101" pitchFamily="2" charset="-122"/>
+                        <a:cs typeface="Arial" panose="020B0604020202090204" pitchFamily="34" charset="0"/>
+                      </a:endParaRPr>
                     </a:p>
                   </a:txBody>
-                  <a:tcPr/>
+                  <a:tcPr>
+                    <a:lnL w="6350" cap="flat" cmpd="sng" algn="ctr">
+                      <a:solidFill>
+                        <a:schemeClr val="tx1"/>
+                      </a:solidFill>
+                      <a:prstDash val="solid"/>
+                      <a:round/>
+                      <a:headEnd type="none" w="med" len="med"/>
+                      <a:tailEnd type="none" w="med" len="med"/>
+                    </a:lnL>
+                    <a:lnR w="6350" cap="flat" cmpd="sng" algn="ctr">
+                      <a:solidFill>
+                        <a:schemeClr val="tx1"/>
+                      </a:solidFill>
+                      <a:prstDash val="solid"/>
+                      <a:round/>
+                      <a:headEnd type="none" w="med" len="med"/>
+                      <a:tailEnd type="none" w="med" len="med"/>
+                    </a:lnR>
+                    <a:lnT w="6350" cap="flat" cmpd="sng" algn="ctr">
+                      <a:solidFill>
+                        <a:schemeClr val="tx1"/>
+                      </a:solidFill>
+                      <a:prstDash val="solid"/>
+                      <a:round/>
+                      <a:headEnd type="none" w="med" len="med"/>
+                      <a:tailEnd type="none" w="med" len="med"/>
+                    </a:lnT>
+                    <a:lnB w="6350" cap="flat" cmpd="sng" algn="ctr">
+                      <a:solidFill>
+                        <a:schemeClr val="tx1"/>
+                      </a:solidFill>
+                      <a:prstDash val="solid"/>
+                      <a:round/>
+                      <a:headEnd type="none" w="med" len="med"/>
+                      <a:tailEnd type="none" w="med" len="med"/>
+                    </a:lnB>
+                    <a:lnTlToBr w="12700" cmpd="sng">
+                      <a:noFill/>
+                      <a:prstDash val="solid"/>
+                    </a:lnTlToBr>
+                    <a:lnBlToTr w="12700" cmpd="sng">
+                      <a:noFill/>
+                      <a:prstDash val="solid"/>
+                    </a:lnBlToTr>
+                    <a:solidFill>
+                      <a:schemeClr val="accent5">
+                        <a:lumMod val="60000"/>
+                        <a:lumOff val="40000"/>
+                      </a:schemeClr>
+                    </a:solidFill>
+                  </a:tcPr>
                 </a:tc>
                 <a:tc>
                   <a:txBody>
@@ -3000,29 +3172,141 @@
                     <a:lstStyle/>
                     <a:p>
                       <a:r>
-                        <a:rPr lang="en-US" altLang="zh-CN" b="0" dirty="0"/>
-                        <a:t>CMM</a:t>
+                        <a:rPr lang="en-US" altLang="zh-CN" sz="900" b="0" i="0" dirty="0">
+                          <a:latin typeface="Arial" panose="020B0604020202090204" pitchFamily="34" charset="0"/>
+                          <a:ea typeface="宋体" panose="02010600030101010101" pitchFamily="2" charset="-122"/>
+                          <a:cs typeface="Arial" panose="020B0604020202090204" pitchFamily="34" charset="0"/>
+                        </a:rPr>
+                        <a:t>1</a:t>
                       </a:r>
-                      <a:endParaRPr lang="zh-CN" altLang="en-US" b="0" dirty="0"/>
+                      <a:endParaRPr lang="en-US" altLang="zh-CN" sz="900" b="0" i="0" dirty="0">
+                        <a:latin typeface="Arial" panose="020B0604020202090204" pitchFamily="34" charset="0"/>
+                        <a:ea typeface="宋体" panose="02010600030101010101" pitchFamily="2" charset="-122"/>
+                        <a:cs typeface="Arial" panose="020B0604020202090204" pitchFamily="34" charset="0"/>
+                      </a:endParaRPr>
                     </a:p>
                   </a:txBody>
-                  <a:tcPr/>
+                  <a:tcPr>
+                    <a:lnL w="6350" cap="flat" cmpd="sng" algn="ctr">
+                      <a:solidFill>
+                        <a:schemeClr val="tx1"/>
+                      </a:solidFill>
+                      <a:prstDash val="solid"/>
+                      <a:round/>
+                      <a:headEnd type="none" w="med" len="med"/>
+                      <a:tailEnd type="none" w="med" len="med"/>
+                    </a:lnL>
+                    <a:lnR w="6350" cap="flat" cmpd="sng" algn="ctr">
+                      <a:solidFill>
+                        <a:schemeClr val="tx1"/>
+                      </a:solidFill>
+                      <a:prstDash val="solid"/>
+                      <a:round/>
+                      <a:headEnd type="none" w="med" len="med"/>
+                      <a:tailEnd type="none" w="med" len="med"/>
+                    </a:lnR>
+                    <a:lnT w="6350" cap="flat" cmpd="sng" algn="ctr">
+                      <a:solidFill>
+                        <a:schemeClr val="tx1"/>
+                      </a:solidFill>
+                      <a:prstDash val="solid"/>
+                      <a:round/>
+                      <a:headEnd type="none" w="med" len="med"/>
+                      <a:tailEnd type="none" w="med" len="med"/>
+                    </a:lnT>
+                    <a:lnB w="6350" cap="flat" cmpd="sng" algn="ctr">
+                      <a:solidFill>
+                        <a:schemeClr val="tx1"/>
+                      </a:solidFill>
+                      <a:prstDash val="solid"/>
+                      <a:round/>
+                      <a:headEnd type="none" w="med" len="med"/>
+                      <a:tailEnd type="none" w="med" len="med"/>
+                    </a:lnB>
+                    <a:lnTlToBr w="12700" cmpd="sng">
+                      <a:noFill/>
+                      <a:prstDash val="solid"/>
+                    </a:lnTlToBr>
+                    <a:lnBlToTr w="12700" cmpd="sng">
+                      <a:noFill/>
+                      <a:prstDash val="solid"/>
+                    </a:lnBlToTr>
+                  </a:tcPr>
                 </a:tc>
               </a:tr>
-              <a:tr h="508422">
+              <a:tr h="531904">
                 <a:tc>
                   <a:txBody>
                     <a:bodyPr/>
                     <a:lstStyle/>
                     <a:p>
                       <a:r>
-                        <a:rPr lang="en-US" altLang="zh-CN" dirty="0"/>
-                        <a:t>Positioning</a:t>
+                        <a:rPr lang="en-US" altLang="zh-CN" sz="900" b="0" i="0" dirty="0">
+                          <a:latin typeface="Arial" panose="020B0604020202090204" pitchFamily="34" charset="0"/>
+                          <a:ea typeface="宋体" panose="02010600030101010101" pitchFamily="2" charset="-122"/>
+                          <a:cs typeface="Arial" panose="020B0604020202090204" pitchFamily="34" charset="0"/>
+                        </a:rPr>
+                        <a:t>Description</a:t>
                       </a:r>
-                      <a:endParaRPr lang="zh-CN" altLang="en-US" dirty="0"/>
+                      <a:endParaRPr lang="zh-CN" altLang="en-US" sz="900" b="0" i="0" dirty="0">
+                        <a:latin typeface="Arial" panose="020B0604020202090204" pitchFamily="34" charset="0"/>
+                        <a:ea typeface="宋体" panose="02010600030101010101" pitchFamily="2" charset="-122"/>
+                        <a:cs typeface="Arial" panose="020B0604020202090204" pitchFamily="34" charset="0"/>
+                      </a:endParaRPr>
                     </a:p>
                   </a:txBody>
-                  <a:tcPr/>
+                  <a:tcPr>
+                    <a:lnL w="6350" cap="flat" cmpd="sng" algn="ctr">
+                      <a:solidFill>
+                        <a:schemeClr val="tx1"/>
+                      </a:solidFill>
+                      <a:prstDash val="solid"/>
+                      <a:round/>
+                      <a:headEnd type="none" w="med" len="med"/>
+                      <a:tailEnd type="none" w="med" len="med"/>
+                    </a:lnL>
+                    <a:lnR w="6350" cap="flat" cmpd="sng" algn="ctr">
+                      <a:solidFill>
+                        <a:schemeClr val="tx1"/>
+                      </a:solidFill>
+                      <a:prstDash val="solid"/>
+                      <a:round/>
+                      <a:headEnd type="none" w="med" len="med"/>
+                      <a:tailEnd type="none" w="med" len="med"/>
+                    </a:lnR>
+                    <a:lnT w="6350" cap="flat" cmpd="sng" algn="ctr">
+                      <a:solidFill>
+                        <a:schemeClr val="tx1"/>
+                      </a:solidFill>
+                      <a:prstDash val="solid"/>
+                      <a:round/>
+                      <a:headEnd type="none" w="med" len="med"/>
+                      <a:tailEnd type="none" w="med" len="med"/>
+                    </a:lnT>
+                    <a:lnB w="6350" cap="flat" cmpd="sng" algn="ctr">
+                      <a:solidFill>
+                        <a:schemeClr val="tx1"/>
+                      </a:solidFill>
+                      <a:prstDash val="solid"/>
+                      <a:round/>
+                      <a:headEnd type="none" w="med" len="med"/>
+                      <a:tailEnd type="none" w="med" len="med"/>
+                    </a:lnB>
+                    <a:lnTlToBr w="12700" cmpd="sng">
+                      <a:noFill/>
+                      <a:prstDash val="solid"/>
+                    </a:lnTlToBr>
+                    <a:lnBlToTr w="12700" cmpd="sng">
+                      <a:noFill/>
+                      <a:prstDash val="solid"/>
+                    </a:lnBlToTr>
+                    <a:solidFill>
+                      <a:schemeClr val="accent5">
+                        <a:lumMod val="60000"/>
+                        <a:lumOff val="40000"/>
+                      </a:schemeClr>
+                    </a:solidFill>
+                  </a:tcPr>
                 </a:tc>
                 <a:tc>
                   <a:txBody>
@@ -3030,29 +3314,141 @@
                     <a:lstStyle/>
                     <a:p>
                       <a:r>
-                        <a:rPr lang="en-US" altLang="zh-CN" dirty="0"/>
-                        <a:t>4X points support</a:t>
+                        <a:rPr lang="en-US" altLang="zh-CN" sz="900" b="0" i="0" dirty="0">
+                          <a:latin typeface="Arial" panose="020B0604020202090204" pitchFamily="34" charset="0"/>
+                          <a:ea typeface="宋体" panose="02010600030101010101" pitchFamily="2" charset="-122"/>
+                          <a:cs typeface="Arial" panose="020B0604020202090204" pitchFamily="34" charset="0"/>
+                        </a:rPr>
+                        <a:t>Datum A Flatness</a:t>
                       </a:r>
-                      <a:endParaRPr lang="zh-CN" altLang="en-US" dirty="0"/>
+                      <a:endParaRPr lang="en-US" altLang="zh-CN" sz="900" b="0" i="0" dirty="0">
+                        <a:latin typeface="Arial" panose="020B0604020202090204" pitchFamily="34" charset="0"/>
+                        <a:ea typeface="宋体" panose="02010600030101010101" pitchFamily="2" charset="-122"/>
+                        <a:cs typeface="Arial" panose="020B0604020202090204" pitchFamily="34" charset="0"/>
+                      </a:endParaRPr>
                     </a:p>
                   </a:txBody>
-                  <a:tcPr/>
+                  <a:tcPr>
+                    <a:lnL w="6350" cap="flat" cmpd="sng" algn="ctr">
+                      <a:solidFill>
+                        <a:schemeClr val="tx1"/>
+                      </a:solidFill>
+                      <a:prstDash val="solid"/>
+                      <a:round/>
+                      <a:headEnd type="none" w="med" len="med"/>
+                      <a:tailEnd type="none" w="med" len="med"/>
+                    </a:lnL>
+                    <a:lnR w="6350" cap="flat" cmpd="sng" algn="ctr">
+                      <a:solidFill>
+                        <a:schemeClr val="tx1"/>
+                      </a:solidFill>
+                      <a:prstDash val="solid"/>
+                      <a:round/>
+                      <a:headEnd type="none" w="med" len="med"/>
+                      <a:tailEnd type="none" w="med" len="med"/>
+                    </a:lnR>
+                    <a:lnT w="6350" cap="flat" cmpd="sng" algn="ctr">
+                      <a:solidFill>
+                        <a:schemeClr val="tx1"/>
+                      </a:solidFill>
+                      <a:prstDash val="solid"/>
+                      <a:round/>
+                      <a:headEnd type="none" w="med" len="med"/>
+                      <a:tailEnd type="none" w="med" len="med"/>
+                    </a:lnT>
+                    <a:lnB w="6350" cap="flat" cmpd="sng" algn="ctr">
+                      <a:solidFill>
+                        <a:schemeClr val="tx1"/>
+                      </a:solidFill>
+                      <a:prstDash val="solid"/>
+                      <a:round/>
+                      <a:headEnd type="none" w="med" len="med"/>
+                      <a:tailEnd type="none" w="med" len="med"/>
+                    </a:lnB>
+                    <a:lnTlToBr w="12700" cmpd="sng">
+                      <a:noFill/>
+                      <a:prstDash val="solid"/>
+                    </a:lnTlToBr>
+                    <a:lnBlToTr w="12700" cmpd="sng">
+                      <a:noFill/>
+                      <a:prstDash val="solid"/>
+                    </a:lnBlToTr>
+                  </a:tcPr>
                 </a:tc>
               </a:tr>
-              <a:tr h="508422">
+              <a:tr h="320771">
                 <a:tc>
                   <a:txBody>
                     <a:bodyPr/>
                     <a:lstStyle/>
                     <a:p>
                       <a:r>
-                        <a:rPr lang="en-US" altLang="zh-CN" dirty="0" err="1"/>
-                        <a:t>Dutam</a:t>
+                        <a:rPr lang="en-US" altLang="zh-CN" sz="900" b="0" i="0" dirty="0">
+                          <a:latin typeface="Arial" panose="020B0604020202090204" pitchFamily="34" charset="0"/>
+                          <a:ea typeface="宋体" panose="02010600030101010101" pitchFamily="2" charset="-122"/>
+                          <a:cs typeface="Arial" panose="020B0604020202090204" pitchFamily="34" charset="0"/>
+                        </a:rPr>
+                        <a:t>Nominal</a:t>
                       </a:r>
-                      <a:endParaRPr lang="zh-CN" altLang="en-US" dirty="0"/>
+                      <a:endParaRPr lang="zh-CN" altLang="en-US" sz="900" b="0" i="0" dirty="0">
+                        <a:latin typeface="Arial" panose="020B0604020202090204" pitchFamily="34" charset="0"/>
+                        <a:ea typeface="宋体" panose="02010600030101010101" pitchFamily="2" charset="-122"/>
+                        <a:cs typeface="Arial" panose="020B0604020202090204" pitchFamily="34" charset="0"/>
+                      </a:endParaRPr>
                     </a:p>
                   </a:txBody>
-                  <a:tcPr/>
+                  <a:tcPr>
+                    <a:lnL w="6350" cap="flat" cmpd="sng" algn="ctr">
+                      <a:solidFill>
+                        <a:schemeClr val="tx1"/>
+                      </a:solidFill>
+                      <a:prstDash val="solid"/>
+                      <a:round/>
+                      <a:headEnd type="none" w="med" len="med"/>
+                      <a:tailEnd type="none" w="med" len="med"/>
+                    </a:lnL>
+                    <a:lnR w="6350" cap="flat" cmpd="sng" algn="ctr">
+                      <a:solidFill>
+                        <a:schemeClr val="tx1"/>
+                      </a:solidFill>
+                      <a:prstDash val="solid"/>
+                      <a:round/>
+                      <a:headEnd type="none" w="med" len="med"/>
+                      <a:tailEnd type="none" w="med" len="med"/>
+                    </a:lnR>
+                    <a:lnT w="6350" cap="flat" cmpd="sng" algn="ctr">
+                      <a:solidFill>
+                        <a:schemeClr val="tx1"/>
+                      </a:solidFill>
+                      <a:prstDash val="solid"/>
+                      <a:round/>
+                      <a:headEnd type="none" w="med" len="med"/>
+                      <a:tailEnd type="none" w="med" len="med"/>
+                    </a:lnT>
+                    <a:lnB w="6350" cap="flat" cmpd="sng" algn="ctr">
+                      <a:solidFill>
+                        <a:schemeClr val="tx1"/>
+                      </a:solidFill>
+                      <a:prstDash val="solid"/>
+                      <a:round/>
+                      <a:headEnd type="none" w="med" len="med"/>
+                      <a:tailEnd type="none" w="med" len="med"/>
+                    </a:lnB>
+                    <a:lnTlToBr w="12700" cmpd="sng">
+                      <a:noFill/>
+                      <a:prstDash val="solid"/>
+                    </a:lnTlToBr>
+                    <a:lnBlToTr w="12700" cmpd="sng">
+                      <a:noFill/>
+                      <a:prstDash val="solid"/>
+                    </a:lnBlToTr>
+                    <a:solidFill>
+                      <a:schemeClr val="accent5">
+                        <a:lumMod val="60000"/>
+                        <a:lumOff val="40000"/>
+                      </a:schemeClr>
+                    </a:solidFill>
+                  </a:tcPr>
                 </a:tc>
                 <a:tc>
                   <a:txBody>
@@ -3060,29 +3456,141 @@
                     <a:lstStyle/>
                     <a:p>
                       <a:r>
-                        <a:rPr lang="en-US" altLang="zh-CN" dirty="0"/>
-                        <a:t>A+B+C</a:t>
+                        <a:rPr lang="en-US" altLang="zh-CN" sz="900" b="0" i="0" dirty="0">
+                          <a:latin typeface="Arial" panose="020B0604020202090204" pitchFamily="34" charset="0"/>
+                          <a:ea typeface="宋体" panose="02010600030101010101" pitchFamily="2" charset="-122"/>
+                          <a:cs typeface="Arial" panose="020B0604020202090204" pitchFamily="34" charset="0"/>
+                        </a:rPr>
+                        <a:t>0.00</a:t>
                       </a:r>
-                      <a:endParaRPr lang="zh-CN" altLang="en-US" dirty="0"/>
+                      <a:endParaRPr lang="zh-CN" altLang="en-US" sz="900" b="0" i="0" dirty="0">
+                        <a:latin typeface="Arial" panose="020B0604020202090204" pitchFamily="34" charset="0"/>
+                        <a:ea typeface="宋体" panose="02010600030101010101" pitchFamily="2" charset="-122"/>
+                        <a:cs typeface="Arial" panose="020B0604020202090204" pitchFamily="34" charset="0"/>
+                      </a:endParaRPr>
                     </a:p>
                   </a:txBody>
-                  <a:tcPr/>
+                  <a:tcPr>
+                    <a:lnL w="6350" cap="flat" cmpd="sng" algn="ctr">
+                      <a:solidFill>
+                        <a:schemeClr val="tx1"/>
+                      </a:solidFill>
+                      <a:prstDash val="solid"/>
+                      <a:round/>
+                      <a:headEnd type="none" w="med" len="med"/>
+                      <a:tailEnd type="none" w="med" len="med"/>
+                    </a:lnL>
+                    <a:lnR w="6350" cap="flat" cmpd="sng" algn="ctr">
+                      <a:solidFill>
+                        <a:schemeClr val="tx1"/>
+                      </a:solidFill>
+                      <a:prstDash val="solid"/>
+                      <a:round/>
+                      <a:headEnd type="none" w="med" len="med"/>
+                      <a:tailEnd type="none" w="med" len="med"/>
+                    </a:lnR>
+                    <a:lnT w="6350" cap="flat" cmpd="sng" algn="ctr">
+                      <a:solidFill>
+                        <a:schemeClr val="tx1"/>
+                      </a:solidFill>
+                      <a:prstDash val="solid"/>
+                      <a:round/>
+                      <a:headEnd type="none" w="med" len="med"/>
+                      <a:tailEnd type="none" w="med" len="med"/>
+                    </a:lnT>
+                    <a:lnB w="6350" cap="flat" cmpd="sng" algn="ctr">
+                      <a:solidFill>
+                        <a:schemeClr val="tx1"/>
+                      </a:solidFill>
+                      <a:prstDash val="solid"/>
+                      <a:round/>
+                      <a:headEnd type="none" w="med" len="med"/>
+                      <a:tailEnd type="none" w="med" len="med"/>
+                    </a:lnB>
+                    <a:lnTlToBr w="12700" cmpd="sng">
+                      <a:noFill/>
+                      <a:prstDash val="solid"/>
+                    </a:lnTlToBr>
+                    <a:lnBlToTr w="12700" cmpd="sng">
+                      <a:noFill/>
+                      <a:prstDash val="solid"/>
+                    </a:lnBlToTr>
+                  </a:tcPr>
                 </a:tc>
               </a:tr>
-              <a:tr h="508422">
+              <a:tr h="320771">
                 <a:tc>
                   <a:txBody>
                     <a:bodyPr/>
                     <a:lstStyle/>
                     <a:p>
                       <a:r>
-                        <a:rPr lang="en-US" altLang="zh-CN" dirty="0"/>
-                        <a:t>Nominal</a:t>
+                        <a:rPr lang="en-US" altLang="zh-CN" sz="900" b="0" i="0" dirty="0">
+                          <a:latin typeface="Arial" panose="020B0604020202090204" pitchFamily="34" charset="0"/>
+                          <a:ea typeface="宋体" panose="02010600030101010101" pitchFamily="2" charset="-122"/>
+                          <a:cs typeface="Arial" panose="020B0604020202090204" pitchFamily="34" charset="0"/>
+                        </a:rPr>
+                        <a:t>Tol+</a:t>
                       </a:r>
-                      <a:endParaRPr lang="zh-CN" altLang="en-US" dirty="0"/>
+                      <a:endParaRPr lang="zh-CN" altLang="en-US" sz="900" b="0" i="0" dirty="0">
+                        <a:latin typeface="Arial" panose="020B0604020202090204" pitchFamily="34" charset="0"/>
+                        <a:ea typeface="宋体" panose="02010600030101010101" pitchFamily="2" charset="-122"/>
+                        <a:cs typeface="Arial" panose="020B0604020202090204" pitchFamily="34" charset="0"/>
+                      </a:endParaRPr>
                     </a:p>
                   </a:txBody>
-                  <a:tcPr/>
+                  <a:tcPr>
+                    <a:lnL w="6350" cap="flat" cmpd="sng" algn="ctr">
+                      <a:solidFill>
+                        <a:schemeClr val="tx1"/>
+                      </a:solidFill>
+                      <a:prstDash val="solid"/>
+                      <a:round/>
+                      <a:headEnd type="none" w="med" len="med"/>
+                      <a:tailEnd type="none" w="med" len="med"/>
+                    </a:lnL>
+                    <a:lnR w="6350" cap="flat" cmpd="sng" algn="ctr">
+                      <a:solidFill>
+                        <a:schemeClr val="tx1"/>
+                      </a:solidFill>
+                      <a:prstDash val="solid"/>
+                      <a:round/>
+                      <a:headEnd type="none" w="med" len="med"/>
+                      <a:tailEnd type="none" w="med" len="med"/>
+                    </a:lnR>
+                    <a:lnT w="6350" cap="flat" cmpd="sng" algn="ctr">
+                      <a:solidFill>
+                        <a:schemeClr val="tx1"/>
+                      </a:solidFill>
+                      <a:prstDash val="solid"/>
+                      <a:round/>
+                      <a:headEnd type="none" w="med" len="med"/>
+                      <a:tailEnd type="none" w="med" len="med"/>
+                    </a:lnT>
+                    <a:lnB w="6350" cap="flat" cmpd="sng" algn="ctr">
+                      <a:solidFill>
+                        <a:schemeClr val="tx1"/>
+                      </a:solidFill>
+                      <a:prstDash val="solid"/>
+                      <a:round/>
+                      <a:headEnd type="none" w="med" len="med"/>
+                      <a:tailEnd type="none" w="med" len="med"/>
+                    </a:lnB>
+                    <a:lnTlToBr w="12700" cmpd="sng">
+                      <a:noFill/>
+                      <a:prstDash val="solid"/>
+                    </a:lnTlToBr>
+                    <a:lnBlToTr w="12700" cmpd="sng">
+                      <a:noFill/>
+                      <a:prstDash val="solid"/>
+                    </a:lnBlToTr>
+                    <a:solidFill>
+                      <a:schemeClr val="accent5">
+                        <a:lumMod val="60000"/>
+                        <a:lumOff val="40000"/>
+                      </a:schemeClr>
+                    </a:solidFill>
+                  </a:tcPr>
                 </a:tc>
                 <a:tc>
                   <a:txBody>
@@ -3090,29 +3598,141 @@
                     <a:lstStyle/>
                     <a:p>
                       <a:r>
-                        <a:rPr lang="en-US" altLang="zh-CN" dirty="0"/>
-                        <a:t>1.000</a:t>
+                        <a:rPr lang="en-US" altLang="zh-CN" sz="900" b="0" i="0" dirty="0">
+                          <a:latin typeface="Arial" panose="020B0604020202090204" pitchFamily="34" charset="0"/>
+                          <a:ea typeface="宋体" panose="02010600030101010101" pitchFamily="2" charset="-122"/>
+                          <a:cs typeface="Arial" panose="020B0604020202090204" pitchFamily="34" charset="0"/>
+                        </a:rPr>
+                        <a:t>+0.80</a:t>
                       </a:r>
-                      <a:endParaRPr lang="zh-CN" altLang="en-US" dirty="0"/>
+                      <a:endParaRPr lang="zh-CN" altLang="en-US" sz="900" b="0" i="0" dirty="0">
+                        <a:latin typeface="Arial" panose="020B0604020202090204" pitchFamily="34" charset="0"/>
+                        <a:ea typeface="宋体" panose="02010600030101010101" pitchFamily="2" charset="-122"/>
+                        <a:cs typeface="Arial" panose="020B0604020202090204" pitchFamily="34" charset="0"/>
+                      </a:endParaRPr>
                     </a:p>
                   </a:txBody>
-                  <a:tcPr/>
+                  <a:tcPr>
+                    <a:lnL w="6350" cap="flat" cmpd="sng" algn="ctr">
+                      <a:solidFill>
+                        <a:schemeClr val="tx1"/>
+                      </a:solidFill>
+                      <a:prstDash val="solid"/>
+                      <a:round/>
+                      <a:headEnd type="none" w="med" len="med"/>
+                      <a:tailEnd type="none" w="med" len="med"/>
+                    </a:lnL>
+                    <a:lnR w="6350" cap="flat" cmpd="sng" algn="ctr">
+                      <a:solidFill>
+                        <a:schemeClr val="tx1"/>
+                      </a:solidFill>
+                      <a:prstDash val="solid"/>
+                      <a:round/>
+                      <a:headEnd type="none" w="med" len="med"/>
+                      <a:tailEnd type="none" w="med" len="med"/>
+                    </a:lnR>
+                    <a:lnT w="6350" cap="flat" cmpd="sng" algn="ctr">
+                      <a:solidFill>
+                        <a:schemeClr val="tx1"/>
+                      </a:solidFill>
+                      <a:prstDash val="solid"/>
+                      <a:round/>
+                      <a:headEnd type="none" w="med" len="med"/>
+                      <a:tailEnd type="none" w="med" len="med"/>
+                    </a:lnT>
+                    <a:lnB w="6350" cap="flat" cmpd="sng" algn="ctr">
+                      <a:solidFill>
+                        <a:schemeClr val="tx1"/>
+                      </a:solidFill>
+                      <a:prstDash val="solid"/>
+                      <a:round/>
+                      <a:headEnd type="none" w="med" len="med"/>
+                      <a:tailEnd type="none" w="med" len="med"/>
+                    </a:lnB>
+                    <a:lnTlToBr w="12700" cmpd="sng">
+                      <a:noFill/>
+                      <a:prstDash val="solid"/>
+                    </a:lnTlToBr>
+                    <a:lnBlToTr w="12700" cmpd="sng">
+                      <a:noFill/>
+                      <a:prstDash val="solid"/>
+                    </a:lnBlToTr>
+                  </a:tcPr>
                 </a:tc>
               </a:tr>
-              <a:tr h="508422">
+              <a:tr h="320771">
                 <a:tc>
                   <a:txBody>
                     <a:bodyPr/>
                     <a:lstStyle/>
                     <a:p>
                       <a:r>
-                        <a:rPr lang="en-US" altLang="zh-CN" dirty="0"/>
-                        <a:t>Tol+</a:t>
+                        <a:rPr lang="en-US" altLang="zh-CN" sz="900" b="0" i="0" dirty="0">
+                          <a:latin typeface="Arial" panose="020B0604020202090204" pitchFamily="34" charset="0"/>
+                          <a:ea typeface="宋体" panose="02010600030101010101" pitchFamily="2" charset="-122"/>
+                          <a:cs typeface="Arial" panose="020B0604020202090204" pitchFamily="34" charset="0"/>
+                        </a:rPr>
+                        <a:t>Tol-</a:t>
                       </a:r>
-                      <a:endParaRPr lang="zh-CN" altLang="en-US" dirty="0"/>
+                      <a:endParaRPr lang="zh-CN" altLang="en-US" sz="900" b="0" i="0" dirty="0">
+                        <a:latin typeface="Arial" panose="020B0604020202090204" pitchFamily="34" charset="0"/>
+                        <a:ea typeface="宋体" panose="02010600030101010101" pitchFamily="2" charset="-122"/>
+                        <a:cs typeface="Arial" panose="020B0604020202090204" pitchFamily="34" charset="0"/>
+                      </a:endParaRPr>
                     </a:p>
                   </a:txBody>
-                  <a:tcPr/>
+                  <a:tcPr>
+                    <a:lnL w="6350" cap="flat" cmpd="sng" algn="ctr">
+                      <a:solidFill>
+                        <a:schemeClr val="tx1"/>
+                      </a:solidFill>
+                      <a:prstDash val="solid"/>
+                      <a:round/>
+                      <a:headEnd type="none" w="med" len="med"/>
+                      <a:tailEnd type="none" w="med" len="med"/>
+                    </a:lnL>
+                    <a:lnR w="6350" cap="flat" cmpd="sng" algn="ctr">
+                      <a:solidFill>
+                        <a:schemeClr val="tx1"/>
+                      </a:solidFill>
+                      <a:prstDash val="solid"/>
+                      <a:round/>
+                      <a:headEnd type="none" w="med" len="med"/>
+                      <a:tailEnd type="none" w="med" len="med"/>
+                    </a:lnR>
+                    <a:lnT w="6350" cap="flat" cmpd="sng" algn="ctr">
+                      <a:solidFill>
+                        <a:schemeClr val="tx1"/>
+                      </a:solidFill>
+                      <a:prstDash val="solid"/>
+                      <a:round/>
+                      <a:headEnd type="none" w="med" len="med"/>
+                      <a:tailEnd type="none" w="med" len="med"/>
+                    </a:lnT>
+                    <a:lnB w="6350" cap="flat" cmpd="sng" algn="ctr">
+                      <a:solidFill>
+                        <a:schemeClr val="tx1"/>
+                      </a:solidFill>
+                      <a:prstDash val="solid"/>
+                      <a:round/>
+                      <a:headEnd type="none" w="med" len="med"/>
+                      <a:tailEnd type="none" w="med" len="med"/>
+                    </a:lnB>
+                    <a:lnTlToBr w="12700" cmpd="sng">
+                      <a:noFill/>
+                      <a:prstDash val="solid"/>
+                    </a:lnTlToBr>
+                    <a:lnBlToTr w="12700" cmpd="sng">
+                      <a:noFill/>
+                      <a:prstDash val="solid"/>
+                    </a:lnBlToTr>
+                    <a:solidFill>
+                      <a:schemeClr val="accent5">
+                        <a:lumMod val="60000"/>
+                        <a:lumOff val="40000"/>
+                      </a:schemeClr>
+                    </a:solidFill>
+                  </a:tcPr>
                 </a:tc>
                 <a:tc>
                   <a:txBody>
@@ -3120,29 +3740,141 @@
                     <a:lstStyle/>
                     <a:p>
                       <a:r>
-                        <a:rPr lang="en-US" altLang="zh-CN" dirty="0"/>
-                        <a:t>0.001</a:t>
+                        <a:rPr lang="en-US" altLang="zh-CN" sz="900" b="0" i="0" dirty="0">
+                          <a:latin typeface="Arial" panose="020B0604020202090204" pitchFamily="34" charset="0"/>
+                          <a:ea typeface="宋体" panose="02010600030101010101" pitchFamily="2" charset="-122"/>
+                          <a:cs typeface="Arial" panose="020B0604020202090204" pitchFamily="34" charset="0"/>
+                        </a:rPr>
+                        <a:t>-0.00</a:t>
                       </a:r>
-                      <a:endParaRPr lang="zh-CN" altLang="en-US" dirty="0"/>
+                      <a:endParaRPr lang="en-US" altLang="zh-CN" sz="900" b="0" i="0" dirty="0">
+                        <a:latin typeface="Arial" panose="020B0604020202090204" pitchFamily="34" charset="0"/>
+                        <a:ea typeface="宋体" panose="02010600030101010101" pitchFamily="2" charset="-122"/>
+                        <a:cs typeface="Arial" panose="020B0604020202090204" pitchFamily="34" charset="0"/>
+                      </a:endParaRPr>
                     </a:p>
                   </a:txBody>
-                  <a:tcPr/>
+                  <a:tcPr>
+                    <a:lnL w="6350" cap="flat" cmpd="sng" algn="ctr">
+                      <a:solidFill>
+                        <a:schemeClr val="tx1"/>
+                      </a:solidFill>
+                      <a:prstDash val="solid"/>
+                      <a:round/>
+                      <a:headEnd type="none" w="med" len="med"/>
+                      <a:tailEnd type="none" w="med" len="med"/>
+                    </a:lnL>
+                    <a:lnR w="6350" cap="flat" cmpd="sng" algn="ctr">
+                      <a:solidFill>
+                        <a:schemeClr val="tx1"/>
+                      </a:solidFill>
+                      <a:prstDash val="solid"/>
+                      <a:round/>
+                      <a:headEnd type="none" w="med" len="med"/>
+                      <a:tailEnd type="none" w="med" len="med"/>
+                    </a:lnR>
+                    <a:lnT w="6350" cap="flat" cmpd="sng" algn="ctr">
+                      <a:solidFill>
+                        <a:schemeClr val="tx1"/>
+                      </a:solidFill>
+                      <a:prstDash val="solid"/>
+                      <a:round/>
+                      <a:headEnd type="none" w="med" len="med"/>
+                      <a:tailEnd type="none" w="med" len="med"/>
+                    </a:lnT>
+                    <a:lnB w="6350" cap="flat" cmpd="sng" algn="ctr">
+                      <a:solidFill>
+                        <a:schemeClr val="tx1"/>
+                      </a:solidFill>
+                      <a:prstDash val="solid"/>
+                      <a:round/>
+                      <a:headEnd type="none" w="med" len="med"/>
+                      <a:tailEnd type="none" w="med" len="med"/>
+                    </a:lnB>
+                    <a:lnTlToBr w="12700" cmpd="sng">
+                      <a:noFill/>
+                      <a:prstDash val="solid"/>
+                    </a:lnTlToBr>
+                    <a:lnBlToTr w="12700" cmpd="sng">
+                      <a:noFill/>
+                      <a:prstDash val="solid"/>
+                    </a:lnBlToTr>
+                  </a:tcPr>
                 </a:tc>
               </a:tr>
-              <a:tr h="508422">
+              <a:tr h="320771">
                 <a:tc>
                   <a:txBody>
                     <a:bodyPr/>
                     <a:lstStyle/>
                     <a:p>
                       <a:r>
-                        <a:rPr lang="en-US" altLang="zh-CN" dirty="0"/>
-                        <a:t>Tol-</a:t>
+                        <a:rPr lang="en-US" altLang="zh-CN" sz="900" b="0" i="0" dirty="0">
+                          <a:latin typeface="Arial" panose="020B0604020202090204" pitchFamily="34" charset="0"/>
+                          <a:ea typeface="宋体" panose="02010600030101010101" pitchFamily="2" charset="-122"/>
+                          <a:cs typeface="Arial" panose="020B0604020202090204" pitchFamily="34" charset="0"/>
+                        </a:rPr>
+                        <a:t>Equipment</a:t>
                       </a:r>
-                      <a:endParaRPr lang="zh-CN" altLang="en-US" dirty="0"/>
+                      <a:endParaRPr lang="zh-CN" altLang="en-US" sz="900" b="0" i="0" dirty="0">
+                        <a:latin typeface="Arial" panose="020B0604020202090204" pitchFamily="34" charset="0"/>
+                        <a:ea typeface="宋体" panose="02010600030101010101" pitchFamily="2" charset="-122"/>
+                        <a:cs typeface="Arial" panose="020B0604020202090204" pitchFamily="34" charset="0"/>
+                      </a:endParaRPr>
                     </a:p>
                   </a:txBody>
-                  <a:tcPr/>
+                  <a:tcPr>
+                    <a:lnL w="6350" cap="flat" cmpd="sng" algn="ctr">
+                      <a:solidFill>
+                        <a:schemeClr val="tx1"/>
+                      </a:solidFill>
+                      <a:prstDash val="solid"/>
+                      <a:round/>
+                      <a:headEnd type="none" w="med" len="med"/>
+                      <a:tailEnd type="none" w="med" len="med"/>
+                    </a:lnL>
+                    <a:lnR w="6350" cap="flat" cmpd="sng" algn="ctr">
+                      <a:solidFill>
+                        <a:schemeClr val="tx1"/>
+                      </a:solidFill>
+                      <a:prstDash val="solid"/>
+                      <a:round/>
+                      <a:headEnd type="none" w="med" len="med"/>
+                      <a:tailEnd type="none" w="med" len="med"/>
+                    </a:lnR>
+                    <a:lnT w="6350" cap="flat" cmpd="sng" algn="ctr">
+                      <a:solidFill>
+                        <a:schemeClr val="tx1"/>
+                      </a:solidFill>
+                      <a:prstDash val="solid"/>
+                      <a:round/>
+                      <a:headEnd type="none" w="med" len="med"/>
+                      <a:tailEnd type="none" w="med" len="med"/>
+                    </a:lnT>
+                    <a:lnB w="6350" cap="flat" cmpd="sng" algn="ctr">
+                      <a:solidFill>
+                        <a:schemeClr val="tx1"/>
+                      </a:solidFill>
+                      <a:prstDash val="solid"/>
+                      <a:round/>
+                      <a:headEnd type="none" w="med" len="med"/>
+                      <a:tailEnd type="none" w="med" len="med"/>
+                    </a:lnB>
+                    <a:lnTlToBr w="12700" cmpd="sng">
+                      <a:noFill/>
+                      <a:prstDash val="solid"/>
+                    </a:lnTlToBr>
+                    <a:lnBlToTr w="12700" cmpd="sng">
+                      <a:noFill/>
+                      <a:prstDash val="solid"/>
+                    </a:lnBlToTr>
+                    <a:solidFill>
+                      <a:schemeClr val="accent5">
+                        <a:lumMod val="60000"/>
+                        <a:lumOff val="40000"/>
+                      </a:schemeClr>
+                    </a:solidFill>
+                  </a:tcPr>
                 </a:tc>
                 <a:tc>
                   <a:txBody>
@@ -3150,45 +3882,1216 @@
                     <a:lstStyle/>
                     <a:p>
                       <a:r>
-                        <a:rPr lang="en-US" altLang="zh-CN" dirty="0"/>
-                        <a:t>-0.001</a:t>
+                        <a:rPr lang="en-US" altLang="zh-CN" sz="900" b="0" i="0" dirty="0">
+                          <a:latin typeface="Arial" panose="020B0604020202090204" pitchFamily="34" charset="0"/>
+                          <a:ea typeface="宋体" panose="02010600030101010101" pitchFamily="2" charset="-122"/>
+                          <a:cs typeface="Arial" panose="020B0604020202090204" pitchFamily="34" charset="0"/>
+                        </a:rPr>
+                        <a:t>OMM</a:t>
                       </a:r>
-                      <a:endParaRPr lang="zh-CN" altLang="en-US" dirty="0"/>
+                      <a:endParaRPr lang="zh-CN" altLang="en-US" sz="900" b="0" i="0" dirty="0">
+                        <a:latin typeface="Arial" panose="020B0604020202090204" pitchFamily="34" charset="0"/>
+                        <a:ea typeface="宋体" panose="02010600030101010101" pitchFamily="2" charset="-122"/>
+                        <a:cs typeface="Arial" panose="020B0604020202090204" pitchFamily="34" charset="0"/>
+                      </a:endParaRPr>
                     </a:p>
                   </a:txBody>
-                  <a:tcPr/>
+                  <a:tcPr>
+                    <a:lnL w="6350" cap="flat" cmpd="sng" algn="ctr">
+                      <a:solidFill>
+                        <a:schemeClr val="tx1"/>
+                      </a:solidFill>
+                      <a:prstDash val="solid"/>
+                      <a:round/>
+                      <a:headEnd type="none" w="med" len="med"/>
+                      <a:tailEnd type="none" w="med" len="med"/>
+                    </a:lnL>
+                    <a:lnR w="6350" cap="flat" cmpd="sng" algn="ctr">
+                      <a:solidFill>
+                        <a:schemeClr val="tx1"/>
+                      </a:solidFill>
+                      <a:prstDash val="solid"/>
+                      <a:round/>
+                      <a:headEnd type="none" w="med" len="med"/>
+                      <a:tailEnd type="none" w="med" len="med"/>
+                    </a:lnR>
+                    <a:lnT w="6350" cap="flat" cmpd="sng" algn="ctr">
+                      <a:solidFill>
+                        <a:schemeClr val="tx1"/>
+                      </a:solidFill>
+                      <a:prstDash val="solid"/>
+                      <a:round/>
+                      <a:headEnd type="none" w="med" len="med"/>
+                      <a:tailEnd type="none" w="med" len="med"/>
+                    </a:lnT>
+                    <a:lnB w="6350" cap="flat" cmpd="sng" algn="ctr">
+                      <a:solidFill>
+                        <a:schemeClr val="tx1"/>
+                      </a:solidFill>
+                      <a:prstDash val="solid"/>
+                      <a:round/>
+                      <a:headEnd type="none" w="med" len="med"/>
+                      <a:tailEnd type="none" w="med" len="med"/>
+                    </a:lnB>
+                    <a:lnTlToBr w="12700" cmpd="sng">
+                      <a:noFill/>
+                      <a:prstDash val="solid"/>
+                    </a:lnTlToBr>
+                    <a:lnBlToTr w="12700" cmpd="sng">
+                      <a:noFill/>
+                      <a:prstDash val="solid"/>
+                    </a:lnBlToTr>
+                  </a:tcPr>
                 </a:tc>
               </a:tr>
-              <a:tr h="862495">
-                <a:tc gridSpan="2">
+              <a:tr h="365231">
+                <a:tc>
                   <a:txBody>
                     <a:bodyPr/>
                     <a:lstStyle/>
                     <a:p>
                       <a:r>
-                        <a:rPr lang="en-US" altLang="zh-CN" dirty="0"/>
-                        <a:t>Method:</a:t>
+                        <a:rPr lang="en-US" altLang="zh-CN" sz="900" b="0" i="0" dirty="0">
+                          <a:latin typeface="Arial" panose="020B0604020202090204" pitchFamily="34" charset="0"/>
+                          <a:ea typeface="宋体" panose="02010600030101010101" pitchFamily="2" charset="-122"/>
+                          <a:cs typeface="Arial" panose="020B0604020202090204" pitchFamily="34" charset="0"/>
+                        </a:rPr>
+                        <a:t>Fixture Positioning</a:t>
                       </a:r>
-                      <a:endParaRPr lang="en-US" altLang="zh-CN" dirty="0"/>
+                      <a:endParaRPr lang="zh-CN" altLang="en-US" sz="900" b="0" i="0" dirty="0">
+                        <a:latin typeface="Arial" panose="020B0604020202090204" pitchFamily="34" charset="0"/>
+                        <a:ea typeface="宋体" panose="02010600030101010101" pitchFamily="2" charset="-122"/>
+                        <a:cs typeface="Arial" panose="020B0604020202090204" pitchFamily="34" charset="0"/>
+                      </a:endParaRPr>
+                    </a:p>
+                  </a:txBody>
+                  <a:tcPr>
+                    <a:lnL w="6350" cap="flat" cmpd="sng" algn="ctr">
+                      <a:solidFill>
+                        <a:schemeClr val="tx1"/>
+                      </a:solidFill>
+                      <a:prstDash val="solid"/>
+                      <a:round/>
+                      <a:headEnd type="none" w="med" len="med"/>
+                      <a:tailEnd type="none" w="med" len="med"/>
+                    </a:lnL>
+                    <a:lnR w="6350" cap="flat" cmpd="sng" algn="ctr">
+                      <a:solidFill>
+                        <a:schemeClr val="tx1"/>
+                      </a:solidFill>
+                      <a:prstDash val="solid"/>
+                      <a:round/>
+                      <a:headEnd type="none" w="med" len="med"/>
+                      <a:tailEnd type="none" w="med" len="med"/>
+                    </a:lnR>
+                    <a:lnT w="6350" cap="flat" cmpd="sng" algn="ctr">
+                      <a:solidFill>
+                        <a:schemeClr val="tx1"/>
+                      </a:solidFill>
+                      <a:prstDash val="solid"/>
+                      <a:round/>
+                      <a:headEnd type="none" w="med" len="med"/>
+                      <a:tailEnd type="none" w="med" len="med"/>
+                    </a:lnT>
+                    <a:lnB w="6350" cap="flat" cmpd="sng" algn="ctr">
+                      <a:solidFill>
+                        <a:schemeClr val="tx1"/>
+                      </a:solidFill>
+                      <a:prstDash val="solid"/>
+                      <a:round/>
+                      <a:headEnd type="none" w="med" len="med"/>
+                      <a:tailEnd type="none" w="med" len="med"/>
+                    </a:lnB>
+                    <a:lnTlToBr w="12700" cmpd="sng">
+                      <a:noFill/>
+                      <a:prstDash val="solid"/>
+                    </a:lnTlToBr>
+                    <a:lnBlToTr w="12700" cmpd="sng">
+                      <a:noFill/>
+                      <a:prstDash val="solid"/>
+                    </a:lnBlToTr>
+                    <a:solidFill>
+                      <a:schemeClr val="accent5">
+                        <a:lumMod val="60000"/>
+                        <a:lumOff val="40000"/>
+                      </a:schemeClr>
+                    </a:solidFill>
+                  </a:tcPr>
+                </a:tc>
+                <a:tc>
+                  <a:txBody>
+                    <a:bodyPr/>
+                    <a:lstStyle/>
+                    <a:p>
+                      <a:r>
+                        <a:rPr lang="en-US" altLang="zh-CN" sz="900" b="0" i="0" dirty="0">
+                          <a:latin typeface="Arial" panose="020B0604020202090204" pitchFamily="34" charset="0"/>
+                          <a:ea typeface="宋体" panose="02010600030101010101" pitchFamily="2" charset="-122"/>
+                          <a:cs typeface="Arial" panose="020B0604020202090204" pitchFamily="34" charset="0"/>
+                        </a:rPr>
+                        <a:t>4x points support</a:t>
+                      </a:r>
+                      <a:endParaRPr lang="zh-CN" altLang="en-US" sz="900" b="0" i="0" dirty="0">
+                        <a:latin typeface="Arial" panose="020B0604020202090204" pitchFamily="34" charset="0"/>
+                        <a:ea typeface="宋体" panose="02010600030101010101" pitchFamily="2" charset="-122"/>
+                        <a:cs typeface="Arial" panose="020B0604020202090204" pitchFamily="34" charset="0"/>
+                      </a:endParaRPr>
+                    </a:p>
+                  </a:txBody>
+                  <a:tcPr>
+                    <a:lnL w="6350" cap="flat" cmpd="sng" algn="ctr">
+                      <a:solidFill>
+                        <a:schemeClr val="tx1"/>
+                      </a:solidFill>
+                      <a:prstDash val="solid"/>
+                      <a:round/>
+                      <a:headEnd type="none" w="med" len="med"/>
+                      <a:tailEnd type="none" w="med" len="med"/>
+                    </a:lnL>
+                    <a:lnR w="6350" cap="flat" cmpd="sng" algn="ctr">
+                      <a:solidFill>
+                        <a:schemeClr val="tx1"/>
+                      </a:solidFill>
+                      <a:prstDash val="solid"/>
+                      <a:round/>
+                      <a:headEnd type="none" w="med" len="med"/>
+                      <a:tailEnd type="none" w="med" len="med"/>
+                    </a:lnR>
+                    <a:lnT w="6350" cap="flat" cmpd="sng" algn="ctr">
+                      <a:solidFill>
+                        <a:schemeClr val="tx1"/>
+                      </a:solidFill>
+                      <a:prstDash val="solid"/>
+                      <a:round/>
+                      <a:headEnd type="none" w="med" len="med"/>
+                      <a:tailEnd type="none" w="med" len="med"/>
+                    </a:lnT>
+                    <a:lnB w="6350" cap="flat" cmpd="sng" algn="ctr">
+                      <a:solidFill>
+                        <a:schemeClr val="tx1"/>
+                      </a:solidFill>
+                      <a:prstDash val="solid"/>
+                      <a:round/>
+                      <a:headEnd type="none" w="med" len="med"/>
+                      <a:tailEnd type="none" w="med" len="med"/>
+                    </a:lnB>
+                    <a:lnTlToBr w="12700" cmpd="sng">
+                      <a:noFill/>
+                      <a:prstDash val="solid"/>
+                    </a:lnTlToBr>
+                    <a:lnBlToTr w="12700" cmpd="sng">
+                      <a:noFill/>
+                      <a:prstDash val="solid"/>
+                    </a:lnBlToTr>
+                  </a:tcPr>
+                </a:tc>
+              </a:tr>
+              <a:tr h="365231">
+                <a:tc>
+                  <a:txBody>
+                    <a:bodyPr/>
+                    <a:lstStyle/>
+                    <a:p>
+                      <a:r>
+                        <a:rPr lang="en-US" altLang="zh-CN" sz="900" b="0" i="0" dirty="0">
+                          <a:latin typeface="Arial" panose="020B0604020202090204" pitchFamily="34" charset="0"/>
+                          <a:ea typeface="宋体" panose="02010600030101010101" pitchFamily="2" charset="-122"/>
+                          <a:cs typeface="Arial" panose="020B0604020202090204" pitchFamily="34" charset="0"/>
+                        </a:rPr>
+                        <a:t>Reference Datums</a:t>
+                      </a:r>
+                      <a:endParaRPr lang="zh-CN" altLang="en-US" sz="900" b="0" i="0" dirty="0">
+                        <a:latin typeface="Arial" panose="020B0604020202090204" pitchFamily="34" charset="0"/>
+                        <a:ea typeface="宋体" panose="02010600030101010101" pitchFamily="2" charset="-122"/>
+                        <a:cs typeface="Arial" panose="020B0604020202090204" pitchFamily="34" charset="0"/>
+                      </a:endParaRPr>
+                    </a:p>
+                  </a:txBody>
+                  <a:tcPr>
+                    <a:lnL w="6350" cap="flat" cmpd="sng" algn="ctr">
+                      <a:solidFill>
+                        <a:schemeClr val="tx1"/>
+                      </a:solidFill>
+                      <a:prstDash val="solid"/>
+                      <a:round/>
+                      <a:headEnd type="none" w="med" len="med"/>
+                      <a:tailEnd type="none" w="med" len="med"/>
+                    </a:lnL>
+                    <a:lnR w="6350" cap="flat" cmpd="sng" algn="ctr">
+                      <a:solidFill>
+                        <a:schemeClr val="tx1"/>
+                      </a:solidFill>
+                      <a:prstDash val="solid"/>
+                      <a:round/>
+                      <a:headEnd type="none" w="med" len="med"/>
+                      <a:tailEnd type="none" w="med" len="med"/>
+                    </a:lnR>
+                    <a:lnT w="6350" cap="flat" cmpd="sng" algn="ctr">
+                      <a:solidFill>
+                        <a:schemeClr val="tx1"/>
+                      </a:solidFill>
+                      <a:prstDash val="solid"/>
+                      <a:round/>
+                      <a:headEnd type="none" w="med" len="med"/>
+                      <a:tailEnd type="none" w="med" len="med"/>
+                    </a:lnT>
+                    <a:lnB w="6350" cap="flat" cmpd="sng" algn="ctr">
+                      <a:solidFill>
+                        <a:schemeClr val="tx1"/>
+                      </a:solidFill>
+                      <a:prstDash val="solid"/>
+                      <a:round/>
+                      <a:headEnd type="none" w="med" len="med"/>
+                      <a:tailEnd type="none" w="med" len="med"/>
+                    </a:lnB>
+                    <a:lnTlToBr w="12700" cmpd="sng">
+                      <a:noFill/>
+                      <a:prstDash val="solid"/>
+                    </a:lnTlToBr>
+                    <a:lnBlToTr w="12700" cmpd="sng">
+                      <a:noFill/>
+                      <a:prstDash val="solid"/>
+                    </a:lnBlToTr>
+                    <a:solidFill>
+                      <a:schemeClr val="accent5">
+                        <a:lumMod val="60000"/>
+                        <a:lumOff val="40000"/>
+                      </a:schemeClr>
+                    </a:solidFill>
+                  </a:tcPr>
+                </a:tc>
+                <a:tc>
+                  <a:txBody>
+                    <a:bodyPr/>
+                    <a:lstStyle/>
+                    <a:p>
+                      <a:r>
+                        <a:rPr lang="en-US" altLang="zh-CN" sz="900" b="0" i="0" dirty="0">
+                          <a:latin typeface="Arial" panose="020B0604020202090204" pitchFamily="34" charset="0"/>
+                          <a:ea typeface="宋体" panose="02010600030101010101" pitchFamily="2" charset="-122"/>
+                          <a:cs typeface="Arial" panose="020B0604020202090204" pitchFamily="34" charset="0"/>
+                        </a:rPr>
+                        <a:t>A+B+C</a:t>
+                      </a:r>
+                      <a:endParaRPr lang="zh-CN" altLang="en-US" sz="900" b="0" i="0" dirty="0">
+                        <a:latin typeface="Arial" panose="020B0604020202090204" pitchFamily="34" charset="0"/>
+                        <a:ea typeface="宋体" panose="02010600030101010101" pitchFamily="2" charset="-122"/>
+                        <a:cs typeface="Arial" panose="020B0604020202090204" pitchFamily="34" charset="0"/>
+                      </a:endParaRPr>
+                    </a:p>
+                  </a:txBody>
+                  <a:tcPr>
+                    <a:lnL w="6350" cap="flat" cmpd="sng" algn="ctr">
+                      <a:solidFill>
+                        <a:schemeClr val="tx1"/>
+                      </a:solidFill>
+                      <a:prstDash val="solid"/>
+                      <a:round/>
+                      <a:headEnd type="none" w="med" len="med"/>
+                      <a:tailEnd type="none" w="med" len="med"/>
+                    </a:lnL>
+                    <a:lnR w="6350" cap="flat" cmpd="sng" algn="ctr">
+                      <a:solidFill>
+                        <a:schemeClr val="tx1"/>
+                      </a:solidFill>
+                      <a:prstDash val="solid"/>
+                      <a:round/>
+                      <a:headEnd type="none" w="med" len="med"/>
+                      <a:tailEnd type="none" w="med" len="med"/>
+                    </a:lnR>
+                    <a:lnT w="6350" cap="flat" cmpd="sng" algn="ctr">
+                      <a:solidFill>
+                        <a:schemeClr val="tx1"/>
+                      </a:solidFill>
+                      <a:prstDash val="solid"/>
+                      <a:round/>
+                      <a:headEnd type="none" w="med" len="med"/>
+                      <a:tailEnd type="none" w="med" len="med"/>
+                    </a:lnT>
+                    <a:lnB w="6350" cap="flat" cmpd="sng" algn="ctr">
+                      <a:solidFill>
+                        <a:schemeClr val="tx1"/>
+                      </a:solidFill>
+                      <a:prstDash val="solid"/>
+                      <a:round/>
+                      <a:headEnd type="none" w="med" len="med"/>
+                      <a:tailEnd type="none" w="med" len="med"/>
+                    </a:lnB>
+                    <a:lnTlToBr w="12700" cmpd="sng">
+                      <a:noFill/>
+                      <a:prstDash val="solid"/>
+                    </a:lnTlToBr>
+                    <a:lnBlToTr w="12700" cmpd="sng">
+                      <a:noFill/>
+                      <a:prstDash val="solid"/>
+                    </a:lnBlToTr>
+                  </a:tcPr>
+                </a:tc>
+              </a:tr>
+              <a:tr h="365231">
+                <a:tc>
+                  <a:txBody>
+                    <a:bodyPr/>
+                    <a:lstStyle/>
+                    <a:p>
+                      <a:r>
+                        <a:rPr lang="en-US" altLang="zh-CN" sz="900" b="0" i="0" dirty="0">
+                          <a:latin typeface="Arial" panose="020B0604020202090204" pitchFamily="34" charset="0"/>
+                          <a:ea typeface="宋体" panose="02010600030101010101" pitchFamily="2" charset="-122"/>
+                          <a:cs typeface="Arial" panose="020B0604020202090204" pitchFamily="34" charset="0"/>
+                        </a:rPr>
+                        <a:t>Reporting Output</a:t>
+                      </a:r>
+                      <a:endParaRPr lang="zh-CN" altLang="en-US" sz="900" b="0" i="0" dirty="0">
+                        <a:latin typeface="Arial" panose="020B0604020202090204" pitchFamily="34" charset="0"/>
+                        <a:ea typeface="宋体" panose="02010600030101010101" pitchFamily="2" charset="-122"/>
+                        <a:cs typeface="Arial" panose="020B0604020202090204" pitchFamily="34" charset="0"/>
+                      </a:endParaRPr>
+                    </a:p>
+                  </a:txBody>
+                  <a:tcPr>
+                    <a:lnL w="6350" cap="flat" cmpd="sng" algn="ctr">
+                      <a:solidFill>
+                        <a:schemeClr val="tx1"/>
+                      </a:solidFill>
+                      <a:prstDash val="solid"/>
+                      <a:round/>
+                      <a:headEnd type="none" w="med" len="med"/>
+                      <a:tailEnd type="none" w="med" len="med"/>
+                    </a:lnL>
+                    <a:lnR w="6350" cap="flat" cmpd="sng" algn="ctr">
+                      <a:solidFill>
+                        <a:schemeClr val="tx1"/>
+                      </a:solidFill>
+                      <a:prstDash val="solid"/>
+                      <a:round/>
+                      <a:headEnd type="none" w="med" len="med"/>
+                      <a:tailEnd type="none" w="med" len="med"/>
+                    </a:lnR>
+                    <a:lnT w="6350" cap="flat" cmpd="sng" algn="ctr">
+                      <a:solidFill>
+                        <a:schemeClr val="tx1"/>
+                      </a:solidFill>
+                      <a:prstDash val="solid"/>
+                      <a:round/>
+                      <a:headEnd type="none" w="med" len="med"/>
+                      <a:tailEnd type="none" w="med" len="med"/>
+                    </a:lnT>
+                    <a:lnB w="6350" cap="flat" cmpd="sng" algn="ctr">
+                      <a:solidFill>
+                        <a:schemeClr val="tx1"/>
+                      </a:solidFill>
+                      <a:prstDash val="solid"/>
+                      <a:round/>
+                      <a:headEnd type="none" w="med" len="med"/>
+                      <a:tailEnd type="none" w="med" len="med"/>
+                    </a:lnB>
+                    <a:lnTlToBr w="12700" cmpd="sng">
+                      <a:noFill/>
+                      <a:prstDash val="solid"/>
+                    </a:lnTlToBr>
+                    <a:lnBlToTr w="12700" cmpd="sng">
+                      <a:noFill/>
+                      <a:prstDash val="solid"/>
+                    </a:lnBlToTr>
+                    <a:solidFill>
+                      <a:schemeClr val="accent5">
+                        <a:lumMod val="60000"/>
+                        <a:lumOff val="40000"/>
+                      </a:schemeClr>
+                    </a:solidFill>
+                  </a:tcPr>
+                </a:tc>
+                <a:tc>
+                  <a:txBody>
+                    <a:bodyPr/>
+                    <a:lstStyle/>
+                    <a:p>
+                      <a:r>
+                        <a:rPr lang="en-US" altLang="zh-CN" sz="900" b="0" i="0" dirty="0">
+                          <a:latin typeface="Arial" panose="020B0604020202090204" pitchFamily="34" charset="0"/>
+                          <a:ea typeface="宋体" panose="02010600030101010101" pitchFamily="2" charset="-122"/>
+                          <a:cs typeface="Arial" panose="020B0604020202090204" pitchFamily="34" charset="0"/>
+                        </a:rPr>
+                        <a:t>1x SPC</a:t>
+                      </a:r>
+                      <a:endParaRPr lang="en-US" altLang="zh-CN" sz="900" b="0" i="0" dirty="0">
+                        <a:latin typeface="Arial" panose="020B0604020202090204" pitchFamily="34" charset="0"/>
+                        <a:ea typeface="宋体" panose="02010600030101010101" pitchFamily="2" charset="-122"/>
+                        <a:cs typeface="Arial" panose="020B0604020202090204" pitchFamily="34" charset="0"/>
+                      </a:endParaRPr>
                     </a:p>
                     <a:p>
                       <a:r>
-                        <a:rPr lang="en-US" altLang="zh-CN" dirty="0"/>
-                        <a:t>xxxxxxxxxxxxxxxxxxxxxxxxxxxxxxxxxxxxxxxxxxxxxxxxxxxxxxxxxxxxxxxxxxxxxxxxxxxxxxxxx</a:t>
+                        <a:rPr lang="en-US" altLang="zh-CN" sz="900" b="0" i="0" dirty="0">
+                          <a:latin typeface="Arial" panose="020B0604020202090204" pitchFamily="34" charset="0"/>
+                          <a:ea typeface="宋体" panose="02010600030101010101" pitchFamily="2" charset="-122"/>
+                          <a:cs typeface="Arial" panose="020B0604020202090204" pitchFamily="34" charset="0"/>
+                        </a:rPr>
+                        <a:t>36x raw data</a:t>
                       </a:r>
-                      <a:endParaRPr lang="zh-CN" altLang="en-US" dirty="0"/>
+                      <a:endParaRPr lang="zh-CN" altLang="en-US" sz="900" b="0" i="0" dirty="0">
+                        <a:latin typeface="Arial" panose="020B0604020202090204" pitchFamily="34" charset="0"/>
+                        <a:ea typeface="宋体" panose="02010600030101010101" pitchFamily="2" charset="-122"/>
+                        <a:cs typeface="Arial" panose="020B0604020202090204" pitchFamily="34" charset="0"/>
+                      </a:endParaRPr>
                     </a:p>
                   </a:txBody>
-                  <a:tcPr/>
+                  <a:tcPr>
+                    <a:lnL w="6350" cap="flat" cmpd="sng" algn="ctr">
+                      <a:solidFill>
+                        <a:schemeClr val="tx1"/>
+                      </a:solidFill>
+                      <a:prstDash val="solid"/>
+                      <a:round/>
+                      <a:headEnd type="none" w="med" len="med"/>
+                      <a:tailEnd type="none" w="med" len="med"/>
+                    </a:lnL>
+                    <a:lnR w="6350" cap="flat" cmpd="sng" algn="ctr">
+                      <a:solidFill>
+                        <a:schemeClr val="tx1"/>
+                      </a:solidFill>
+                      <a:prstDash val="solid"/>
+                      <a:round/>
+                      <a:headEnd type="none" w="med" len="med"/>
+                      <a:tailEnd type="none" w="med" len="med"/>
+                    </a:lnR>
+                    <a:lnT w="6350" cap="flat" cmpd="sng" algn="ctr">
+                      <a:solidFill>
+                        <a:schemeClr val="tx1"/>
+                      </a:solidFill>
+                      <a:prstDash val="solid"/>
+                      <a:round/>
+                      <a:headEnd type="none" w="med" len="med"/>
+                      <a:tailEnd type="none" w="med" len="med"/>
+                    </a:lnT>
+                    <a:lnB w="6350" cap="flat" cmpd="sng" algn="ctr">
+                      <a:solidFill>
+                        <a:schemeClr val="tx1"/>
+                      </a:solidFill>
+                      <a:prstDash val="solid"/>
+                      <a:round/>
+                      <a:headEnd type="none" w="med" len="med"/>
+                      <a:tailEnd type="none" w="med" len="med"/>
+                    </a:lnB>
+                    <a:lnTlToBr w="12700" cmpd="sng">
+                      <a:noFill/>
+                      <a:prstDash val="solid"/>
+                    </a:lnTlToBr>
+                    <a:lnBlToTr w="12700" cmpd="sng">
+                      <a:noFill/>
+                      <a:prstDash val="solid"/>
+                    </a:lnBlToTr>
+                  </a:tcPr>
                 </a:tc>
-                <a:tc hMerge="1">
-                  <a:tcPr/>
+              </a:tr>
+              <a:tr h="1083007">
+                <a:tc>
+                  <a:txBody>
+                    <a:bodyPr/>
+                    <a:lstStyle/>
+                    <a:p>
+                      <a:r>
+                        <a:rPr lang="en-US" altLang="zh-CN" sz="900" b="0" i="0" dirty="0">
+                          <a:latin typeface="Arial" panose="020B0604020202090204" pitchFamily="34" charset="0"/>
+                          <a:ea typeface="宋体" panose="02010600030101010101" pitchFamily="2" charset="-122"/>
+                          <a:cs typeface="Arial" panose="020B0604020202090204" pitchFamily="34" charset="0"/>
+                        </a:rPr>
+                        <a:t>Measurement Procedure</a:t>
+                      </a:r>
+                      <a:endParaRPr lang="zh-CN" altLang="en-US" sz="900" b="0" i="0" dirty="0">
+                        <a:latin typeface="Arial" panose="020B0604020202090204" pitchFamily="34" charset="0"/>
+                        <a:ea typeface="宋体" panose="02010600030101010101" pitchFamily="2" charset="-122"/>
+                        <a:cs typeface="Arial" panose="020B0604020202090204" pitchFamily="34" charset="0"/>
+                      </a:endParaRPr>
+                    </a:p>
+                  </a:txBody>
+                  <a:tcPr>
+                    <a:lnL w="6350" cap="flat" cmpd="sng" algn="ctr">
+                      <a:solidFill>
+                        <a:schemeClr val="tx1"/>
+                      </a:solidFill>
+                      <a:prstDash val="solid"/>
+                      <a:round/>
+                      <a:headEnd type="none" w="med" len="med"/>
+                      <a:tailEnd type="none" w="med" len="med"/>
+                    </a:lnL>
+                    <a:lnR w="6350" cap="flat" cmpd="sng" algn="ctr">
+                      <a:solidFill>
+                        <a:schemeClr val="tx1"/>
+                      </a:solidFill>
+                      <a:prstDash val="solid"/>
+                      <a:round/>
+                      <a:headEnd type="none" w="med" len="med"/>
+                      <a:tailEnd type="none" w="med" len="med"/>
+                    </a:lnR>
+                    <a:lnT w="6350" cap="flat" cmpd="sng" algn="ctr">
+                      <a:solidFill>
+                        <a:schemeClr val="tx1"/>
+                      </a:solidFill>
+                      <a:prstDash val="solid"/>
+                      <a:round/>
+                      <a:headEnd type="none" w="med" len="med"/>
+                      <a:tailEnd type="none" w="med" len="med"/>
+                    </a:lnT>
+                    <a:lnB w="6350" cap="flat" cmpd="sng" algn="ctr">
+                      <a:solidFill>
+                        <a:schemeClr val="tx1"/>
+                      </a:solidFill>
+                      <a:prstDash val="solid"/>
+                      <a:round/>
+                      <a:headEnd type="none" w="med" len="med"/>
+                      <a:tailEnd type="none" w="med" len="med"/>
+                    </a:lnB>
+                    <a:lnTlToBr w="12700" cmpd="sng">
+                      <a:noFill/>
+                      <a:prstDash val="solid"/>
+                    </a:lnTlToBr>
+                    <a:lnBlToTr w="12700" cmpd="sng">
+                      <a:noFill/>
+                      <a:prstDash val="solid"/>
+                    </a:lnBlToTr>
+                    <a:solidFill>
+                      <a:schemeClr val="accent5">
+                        <a:lumMod val="60000"/>
+                        <a:lumOff val="40000"/>
+                      </a:schemeClr>
+                    </a:solidFill>
+                  </a:tcPr>
+                </a:tc>
+                <a:tc>
+                  <a:txBody>
+                    <a:bodyPr/>
+                    <a:lstStyle/>
+                    <a:p>
+                      <a:r>
+                        <a:rPr lang="en-US" altLang="zh-CN" sz="900" b="0" i="0" dirty="0">
+                          <a:latin typeface="Arial" panose="020B0604020202090204" pitchFamily="34" charset="0"/>
+                          <a:ea typeface="宋体" panose="02010600030101010101" pitchFamily="2" charset="-122"/>
+                          <a:cs typeface="Arial" panose="020B0604020202090204" pitchFamily="34" charset="0"/>
+                        </a:rPr>
+                        <a:t>1. Create datum A/B/C</a:t>
+                      </a:r>
+                      <a:endParaRPr lang="en-US" altLang="zh-CN" sz="900" b="0" i="0" dirty="0">
+                        <a:latin typeface="Arial" panose="020B0604020202090204" pitchFamily="34" charset="0"/>
+                        <a:ea typeface="宋体" panose="02010600030101010101" pitchFamily="2" charset="-122"/>
+                        <a:cs typeface="Arial" panose="020B0604020202090204" pitchFamily="34" charset="0"/>
+                      </a:endParaRPr>
+                    </a:p>
+                    <a:p>
+                      <a:r>
+                        <a:rPr lang="en-US" altLang="zh-CN" sz="900" b="0" i="0" dirty="0">
+                          <a:latin typeface="Arial" panose="020B0604020202090204" pitchFamily="34" charset="0"/>
+                          <a:ea typeface="宋体" panose="02010600030101010101" pitchFamily="2" charset="-122"/>
+                          <a:cs typeface="Arial" panose="020B0604020202090204" pitchFamily="34" charset="0"/>
+                        </a:rPr>
+                        <a:t>2. Measure Point P1~P9, P14, P17~P23, P27, P31~P39, P44, P47~P53, P56</a:t>
+                      </a:r>
+                      <a:endParaRPr lang="en-US" altLang="zh-CN" sz="900" b="0" i="0" dirty="0">
+                        <a:latin typeface="Arial" panose="020B0604020202090204" pitchFamily="34" charset="0"/>
+                        <a:ea typeface="宋体" panose="02010600030101010101" pitchFamily="2" charset="-122"/>
+                        <a:cs typeface="Arial" panose="020B0604020202090204" pitchFamily="34" charset="0"/>
+                      </a:endParaRPr>
+                    </a:p>
+                  </a:txBody>
+                  <a:tcPr>
+                    <a:lnL w="6350" cap="flat" cmpd="sng" algn="ctr">
+                      <a:solidFill>
+                        <a:schemeClr val="tx1"/>
+                      </a:solidFill>
+                      <a:prstDash val="solid"/>
+                      <a:round/>
+                      <a:headEnd type="none" w="med" len="med"/>
+                      <a:tailEnd type="none" w="med" len="med"/>
+                    </a:lnL>
+                    <a:lnR w="6350" cap="flat" cmpd="sng" algn="ctr">
+                      <a:solidFill>
+                        <a:schemeClr val="tx1"/>
+                      </a:solidFill>
+                      <a:prstDash val="solid"/>
+                      <a:round/>
+                      <a:headEnd type="none" w="med" len="med"/>
+                      <a:tailEnd type="none" w="med" len="med"/>
+                    </a:lnR>
+                    <a:lnT w="6350" cap="flat" cmpd="sng" algn="ctr">
+                      <a:solidFill>
+                        <a:schemeClr val="tx1"/>
+                      </a:solidFill>
+                      <a:prstDash val="solid"/>
+                      <a:round/>
+                      <a:headEnd type="none" w="med" len="med"/>
+                      <a:tailEnd type="none" w="med" len="med"/>
+                    </a:lnT>
+                    <a:lnB w="6350" cap="flat" cmpd="sng" algn="ctr">
+                      <a:solidFill>
+                        <a:schemeClr val="tx1"/>
+                      </a:solidFill>
+                      <a:prstDash val="solid"/>
+                      <a:round/>
+                      <a:headEnd type="none" w="med" len="med"/>
+                      <a:tailEnd type="none" w="med" len="med"/>
+                    </a:lnB>
+                    <a:lnTlToBr w="12700" cmpd="sng">
+                      <a:noFill/>
+                      <a:prstDash val="solid"/>
+                    </a:lnTlToBr>
+                    <a:lnBlToTr w="12700" cmpd="sng">
+                      <a:noFill/>
+                      <a:prstDash val="solid"/>
+                    </a:lnBlToTr>
+                  </a:tcPr>
+                </a:tc>
+              </a:tr>
+              <a:tr h="1103901">
+                <a:tc>
+                  <a:txBody>
+                    <a:bodyPr/>
+                    <a:lstStyle/>
+                    <a:p>
+                      <a:r>
+                        <a:rPr lang="en-US" altLang="zh-CN" sz="900" b="0" i="0" dirty="0">
+                          <a:latin typeface="Arial" panose="020B0604020202090204" pitchFamily="34" charset="0"/>
+                          <a:ea typeface="宋体" panose="02010600030101010101" pitchFamily="2" charset="-122"/>
+                          <a:cs typeface="Arial" panose="020B0604020202090204" pitchFamily="34" charset="0"/>
+                        </a:rPr>
+                        <a:t>Calculation Method</a:t>
+                      </a:r>
+                      <a:endParaRPr lang="zh-CN" altLang="en-US" sz="900" b="0" i="0" dirty="0">
+                        <a:latin typeface="Arial" panose="020B0604020202090204" pitchFamily="34" charset="0"/>
+                        <a:ea typeface="宋体" panose="02010600030101010101" pitchFamily="2" charset="-122"/>
+                        <a:cs typeface="Arial" panose="020B0604020202090204" pitchFamily="34" charset="0"/>
+                      </a:endParaRPr>
+                    </a:p>
+                  </a:txBody>
+                  <a:tcPr>
+                    <a:lnL w="6350" cap="flat" cmpd="sng" algn="ctr">
+                      <a:solidFill>
+                        <a:schemeClr val="tx1"/>
+                      </a:solidFill>
+                      <a:prstDash val="solid"/>
+                      <a:round/>
+                      <a:headEnd type="none" w="med" len="med"/>
+                      <a:tailEnd type="none" w="med" len="med"/>
+                    </a:lnL>
+                    <a:lnR w="6350" cap="flat" cmpd="sng" algn="ctr">
+                      <a:solidFill>
+                        <a:schemeClr val="tx1"/>
+                      </a:solidFill>
+                      <a:prstDash val="solid"/>
+                      <a:round/>
+                      <a:headEnd type="none" w="med" len="med"/>
+                      <a:tailEnd type="none" w="med" len="med"/>
+                    </a:lnR>
+                    <a:lnT w="6350" cap="flat" cmpd="sng" algn="ctr">
+                      <a:solidFill>
+                        <a:schemeClr val="tx1"/>
+                      </a:solidFill>
+                      <a:prstDash val="solid"/>
+                      <a:round/>
+                      <a:headEnd type="none" w="med" len="med"/>
+                      <a:tailEnd type="none" w="med" len="med"/>
+                    </a:lnT>
+                    <a:lnB w="6350" cap="flat" cmpd="sng" algn="ctr">
+                      <a:solidFill>
+                        <a:schemeClr val="tx1"/>
+                      </a:solidFill>
+                      <a:prstDash val="solid"/>
+                      <a:round/>
+                      <a:headEnd type="none" w="med" len="med"/>
+                      <a:tailEnd type="none" w="med" len="med"/>
+                    </a:lnB>
+                    <a:lnTlToBr w="12700" cmpd="sng">
+                      <a:noFill/>
+                      <a:prstDash val="solid"/>
+                    </a:lnTlToBr>
+                    <a:lnBlToTr w="12700" cmpd="sng">
+                      <a:noFill/>
+                      <a:prstDash val="solid"/>
+                    </a:lnBlToTr>
+                    <a:solidFill>
+                      <a:schemeClr val="accent5">
+                        <a:lumMod val="60000"/>
+                        <a:lumOff val="40000"/>
+                      </a:schemeClr>
+                    </a:solidFill>
+                  </a:tcPr>
+                </a:tc>
+                <a:tc>
+                  <a:txBody>
+                    <a:bodyPr/>
+                    <a:lstStyle/>
+                    <a:p>
+                      <a:r>
+                        <a:rPr lang="en-US" altLang="zh-CN" sz="900" b="0" i="0" dirty="0">
+                          <a:latin typeface="Arial" panose="020B0604020202090204" pitchFamily="34" charset="0"/>
+                          <a:ea typeface="宋体" panose="02010600030101010101" pitchFamily="2" charset="-122"/>
+                          <a:cs typeface="Arial" panose="020B0604020202090204" pitchFamily="34" charset="0"/>
+                        </a:rPr>
+                        <a:t>1. Point P1~P9, P14, P17~P23, P27, P31~P39, P44, P47~P53, P56 create plane PL1</a:t>
+                      </a:r>
+                      <a:endParaRPr lang="en-US" altLang="zh-CN" sz="900" b="0" i="0" dirty="0">
+                        <a:latin typeface="Arial" panose="020B0604020202090204" pitchFamily="34" charset="0"/>
+                        <a:ea typeface="宋体" panose="02010600030101010101" pitchFamily="2" charset="-122"/>
+                        <a:cs typeface="Arial" panose="020B0604020202090204" pitchFamily="34" charset="0"/>
+                      </a:endParaRPr>
+                    </a:p>
+                    <a:p>
+                      <a:r>
+                        <a:rPr lang="en-US" altLang="zh-CN" sz="900" b="0" i="0" dirty="0">
+                          <a:latin typeface="Arial" panose="020B0604020202090204" pitchFamily="34" charset="0"/>
+                          <a:ea typeface="宋体" panose="02010600030101010101" pitchFamily="2" charset="-122"/>
+                          <a:cs typeface="Arial" panose="020B0604020202090204" pitchFamily="34" charset="0"/>
+                        </a:rPr>
+                        <a:t>2. Calculate Flatness of PL1</a:t>
+                      </a:r>
+                      <a:endParaRPr lang="en-US" altLang="zh-CN" sz="900" b="0" i="0" dirty="0">
+                        <a:latin typeface="Arial" panose="020B0604020202090204" pitchFamily="34" charset="0"/>
+                        <a:ea typeface="宋体" panose="02010600030101010101" pitchFamily="2" charset="-122"/>
+                        <a:cs typeface="Arial" panose="020B0604020202090204" pitchFamily="34" charset="0"/>
+                      </a:endParaRPr>
+                    </a:p>
+                  </a:txBody>
+                  <a:tcPr>
+                    <a:lnL w="6350" cap="flat" cmpd="sng" algn="ctr">
+                      <a:solidFill>
+                        <a:schemeClr val="tx1"/>
+                      </a:solidFill>
+                      <a:prstDash val="solid"/>
+                      <a:round/>
+                      <a:headEnd type="none" w="med" len="med"/>
+                      <a:tailEnd type="none" w="med" len="med"/>
+                    </a:lnL>
+                    <a:lnR w="6350" cap="flat" cmpd="sng" algn="ctr">
+                      <a:solidFill>
+                        <a:schemeClr val="tx1"/>
+                      </a:solidFill>
+                      <a:prstDash val="solid"/>
+                      <a:round/>
+                      <a:headEnd type="none" w="med" len="med"/>
+                      <a:tailEnd type="none" w="med" len="med"/>
+                    </a:lnR>
+                    <a:lnT w="6350" cap="flat" cmpd="sng" algn="ctr">
+                      <a:solidFill>
+                        <a:schemeClr val="tx1"/>
+                      </a:solidFill>
+                      <a:prstDash val="solid"/>
+                      <a:round/>
+                      <a:headEnd type="none" w="med" len="med"/>
+                      <a:tailEnd type="none" w="med" len="med"/>
+                    </a:lnT>
+                    <a:lnB w="6350" cap="flat" cmpd="sng" algn="ctr">
+                      <a:solidFill>
+                        <a:schemeClr val="tx1"/>
+                      </a:solidFill>
+                      <a:prstDash val="solid"/>
+                      <a:round/>
+                      <a:headEnd type="none" w="med" len="med"/>
+                      <a:tailEnd type="none" w="med" len="med"/>
+                    </a:lnB>
+                    <a:lnTlToBr w="12700" cmpd="sng">
+                      <a:noFill/>
+                      <a:prstDash val="solid"/>
+                    </a:lnTlToBr>
+                    <a:lnBlToTr w="12700" cmpd="sng">
+                      <a:noFill/>
+                      <a:prstDash val="solid"/>
+                    </a:lnBlToTr>
+                  </a:tcPr>
                 </a:tc>
               </a:tr>
             </a:tbl>
           </a:graphicData>
         </a:graphic>
       </p:graphicFrame>
+      <p:pic>
+        <p:nvPicPr>
+          <p:cNvPr id="3" name="Picture 4"/>
+          <p:cNvPicPr>
+            <a:picLocks noChangeAspect="1" noChangeArrowheads="1"/>
+          </p:cNvPicPr>
+          <p:nvPr/>
+        </p:nvPicPr>
+        <p:blipFill>
+          <a:blip r:embed="rId2">
+            <a:extLst>
+              <a:ext uri="{28A0092B-C50C-407E-A947-70E740481C1C}">
+                <a14:useLocalDpi xmlns:a14="http://schemas.microsoft.com/office/drawing/2010/main" val="0"/>
+              </a:ext>
+            </a:extLst>
+          </a:blip>
+          <a:srcRect/>
+          <a:stretch>
+            <a:fillRect/>
+          </a:stretch>
+        </p:blipFill>
+        <p:spPr bwMode="auto">
+          <a:xfrm>
+            <a:off x="4881814" y="1068666"/>
+            <a:ext cx="1576652" cy="1748304"/>
+          </a:xfrm>
+          <a:prstGeom prst="rect">
+            <a:avLst/>
+          </a:prstGeom>
+          <a:noFill/>
+          <a:ln w="15875">
+            <a:solidFill>
+              <a:srgbClr val="2D05D9"/>
+            </a:solidFill>
+            <a:prstDash val="sysDash"/>
+            <a:miter lim="800000"/>
+            <a:headEnd/>
+            <a:tailEnd/>
+          </a:ln>
+          <a:effectLst/>
+          <a:extLst>
+            <a:ext uri="{909E8E84-426E-40DD-AFC4-6F175D3DCCD1}">
+              <a14:hiddenFill xmlns:a14="http://schemas.microsoft.com/office/drawing/2010/main">
+                <a:solidFill>
+                  <a:schemeClr val="accent1"/>
+                </a:solidFill>
+              </a14:hiddenFill>
+            </a:ext>
+            <a:ext uri="{AF507438-7753-43E0-B8FC-AC1667EBCBE1}">
+              <a14:hiddenEffects xmlns:a14="http://schemas.microsoft.com/office/drawing/2010/main">
+                <a:effectLst>
+                  <a:outerShdw dist="35921" dir="2700000" algn="ctr" rotWithShape="0">
+                    <a:schemeClr val="bg2"/>
+                  </a:outerShdw>
+                </a:effectLst>
+              </a14:hiddenEffects>
+            </a:ext>
+          </a:extLst>
+        </p:spPr>
+      </p:pic>
+      <p:pic>
+        <p:nvPicPr>
+          <p:cNvPr id="5" name="Picture 3"/>
+          <p:cNvPicPr>
+            <a:picLocks noChangeAspect="1" noChangeArrowheads="1"/>
+          </p:cNvPicPr>
+          <p:nvPr/>
+        </p:nvPicPr>
+        <p:blipFill>
+          <a:blip r:embed="rId3">
+            <a:extLst>
+              <a:ext uri="{28A0092B-C50C-407E-A947-70E740481C1C}">
+                <a14:useLocalDpi xmlns:a14="http://schemas.microsoft.com/office/drawing/2010/main" val="0"/>
+              </a:ext>
+            </a:extLst>
+          </a:blip>
+          <a:srcRect/>
+          <a:stretch>
+            <a:fillRect/>
+          </a:stretch>
+        </p:blipFill>
+        <p:spPr bwMode="auto">
+          <a:xfrm>
+            <a:off x="8361558" y="1124553"/>
+            <a:ext cx="2597878" cy="1769804"/>
+          </a:xfrm>
+          <a:prstGeom prst="rect">
+            <a:avLst/>
+          </a:prstGeom>
+          <a:noFill/>
+          <a:ln>
+            <a:noFill/>
+          </a:ln>
+          <a:effectLst/>
+          <a:extLst>
+            <a:ext uri="{909E8E84-426E-40DD-AFC4-6F175D3DCCD1}">
+              <a14:hiddenFill xmlns:a14="http://schemas.microsoft.com/office/drawing/2010/main">
+                <a:solidFill>
+                  <a:schemeClr val="accent1"/>
+                </a:solidFill>
+              </a14:hiddenFill>
+            </a:ext>
+            <a:ext uri="{91240B29-F687-4F45-9708-019B960494DF}">
+              <a14:hiddenLine xmlns:a14="http://schemas.microsoft.com/office/drawing/2010/main" w="9525">
+                <a:solidFill>
+                  <a:schemeClr val="tx1"/>
+                </a:solidFill>
+                <a:miter lim="800000"/>
+                <a:headEnd/>
+                <a:tailEnd/>
+              </a14:hiddenLine>
+            </a:ext>
+            <a:ext uri="{AF507438-7753-43E0-B8FC-AC1667EBCBE1}">
+              <a14:hiddenEffects xmlns:a14="http://schemas.microsoft.com/office/drawing/2010/main">
+                <a:effectLst>
+                  <a:outerShdw dist="35921" dir="2700000" algn="ctr" rotWithShape="0">
+                    <a:schemeClr val="bg2"/>
+                  </a:outerShdw>
+                </a:effectLst>
+              </a14:hiddenEffects>
+            </a:ext>
+          </a:extLst>
+        </p:spPr>
+      </p:pic>
+      <p:pic>
+        <p:nvPicPr>
+          <p:cNvPr id="6" name="图片 5"/>
+          <p:cNvPicPr>
+            <a:picLocks noChangeAspect="1"/>
+          </p:cNvPicPr>
+          <p:nvPr/>
+        </p:nvPicPr>
+        <p:blipFill>
+          <a:blip r:embed="rId4"/>
+          <a:stretch>
+            <a:fillRect/>
+          </a:stretch>
+        </p:blipFill>
+        <p:spPr>
+          <a:xfrm>
+            <a:off x="4778841" y="3451797"/>
+            <a:ext cx="2544597" cy="3110583"/>
+          </a:xfrm>
+          <a:prstGeom prst="rect">
+            <a:avLst/>
+          </a:prstGeom>
+        </p:spPr>
+      </p:pic>
+      <p:sp>
+        <p:nvSpPr>
+          <p:cNvPr id="7" name="文本框 6"/>
+          <p:cNvSpPr txBox="1"/>
+          <p:nvPr/>
+        </p:nvSpPr>
+        <p:spPr>
+          <a:xfrm>
+            <a:off x="93918" y="105559"/>
+            <a:ext cx="6096000" cy="369332"/>
+          </a:xfrm>
+          <a:prstGeom prst="rect">
+            <a:avLst/>
+          </a:prstGeom>
+          <a:noFill/>
+        </p:spPr>
+        <p:txBody>
+          <a:bodyPr wrap="square">
+            <a:spAutoFit/>
+          </a:bodyPr>
+          <a:lstStyle/>
+          <a:p>
+            <a:r>
+              <a:rPr lang="zh-CN" altLang="en-US" dirty="0">
+                <a:solidFill>
+                  <a:srgbClr val="0070C0"/>
+                </a:solidFill>
+                <a:latin typeface="Arial" panose="020B0604020202090204" pitchFamily="34" charset="0"/>
+                <a:cs typeface="Arial" panose="020B0604020202090204" pitchFamily="34" charset="0"/>
+              </a:rPr>
+              <a:t>J5</a:t>
+            </a:r>
+            <a:r>
+              <a:rPr lang="en-US" altLang="zh-CN" dirty="0">
+                <a:solidFill>
+                  <a:srgbClr val="0070C0"/>
+                </a:solidFill>
+                <a:latin typeface="Arial" panose="020B0604020202090204" pitchFamily="34" charset="0"/>
+                <a:cs typeface="Arial" panose="020B0604020202090204" pitchFamily="34" charset="0"/>
+              </a:rPr>
+              <a:t>0</a:t>
+            </a:r>
+            <a:r>
+              <a:rPr lang="zh-CN" altLang="en-US" dirty="0">
+                <a:solidFill>
+                  <a:srgbClr val="0070C0"/>
+                </a:solidFill>
+                <a:latin typeface="Arial" panose="020B0604020202090204" pitchFamily="34" charset="0"/>
+                <a:cs typeface="Arial" panose="020B0604020202090204" pitchFamily="34" charset="0"/>
+              </a:rPr>
+              <a:t>7</a:t>
+            </a:r>
+            <a:r>
+              <a:rPr lang="zh-CN" altLang="en-US" dirty="0">
+                <a:latin typeface="Arial" panose="020B0604020202090204" pitchFamily="34" charset="0"/>
+                <a:cs typeface="Arial" panose="020B0604020202090204" pitchFamily="34" charset="0"/>
+              </a:rPr>
+              <a:t> </a:t>
+            </a:r>
+            <a:r>
+              <a:rPr lang="en-US" altLang="zh-CN" dirty="0">
+                <a:latin typeface="Arial" panose="020B0604020202090204" pitchFamily="34" charset="0"/>
+                <a:cs typeface="Arial" panose="020B0604020202090204" pitchFamily="34" charset="0"/>
+              </a:rPr>
+              <a:t>MTD </a:t>
+            </a:r>
+            <a:r>
+              <a:rPr lang="zh-CN" altLang="en-US" dirty="0">
+                <a:latin typeface="Arial" panose="020B0604020202090204" pitchFamily="34" charset="0"/>
+                <a:cs typeface="Arial" panose="020B0604020202090204" pitchFamily="34" charset="0"/>
+              </a:rPr>
+              <a:t>|</a:t>
+            </a:r>
+            <a:r>
+              <a:rPr lang="en-US" altLang="zh-CN" dirty="0">
+                <a:latin typeface="Arial" panose="020B0604020202090204" pitchFamily="34" charset="0"/>
+                <a:cs typeface="Arial" panose="020B0604020202090204" pitchFamily="34" charset="0"/>
+              </a:rPr>
+              <a:t> Details For SPCs</a:t>
+            </a:r>
+            <a:endParaRPr lang="zh-CN" altLang="en-US" dirty="0">
+              <a:latin typeface="Arial" panose="020B0604020202090204" pitchFamily="34" charset="0"/>
+              <a:cs typeface="Arial" panose="020B0604020202090204" pitchFamily="34" charset="0"/>
+            </a:endParaRPr>
+          </a:p>
+        </p:txBody>
+      </p:sp>
+      <p:sp>
+        <p:nvSpPr>
+          <p:cNvPr id="8" name="文本框 7"/>
+          <p:cNvSpPr txBox="1"/>
+          <p:nvPr/>
+        </p:nvSpPr>
+        <p:spPr>
+          <a:xfrm>
+            <a:off x="8361558" y="754184"/>
+            <a:ext cx="1238081" cy="246221"/>
+          </a:xfrm>
+          <a:prstGeom prst="rect">
+            <a:avLst/>
+          </a:prstGeom>
+          <a:noFill/>
+        </p:spPr>
+        <p:txBody>
+          <a:bodyPr wrap="square" rtlCol="0">
+            <a:spAutoFit/>
+          </a:bodyPr>
+          <a:lstStyle/>
+          <a:p>
+            <a:r>
+              <a:rPr kumimoji="1" lang="en-US" altLang="zh-CN" sz="1000" dirty="0">
+                <a:latin typeface="Arial" panose="020B0604020202090204" pitchFamily="34" charset="0"/>
+                <a:cs typeface="Arial" panose="020B0604020202090204" pitchFamily="34" charset="0"/>
+              </a:rPr>
+              <a:t>Fixture</a:t>
+            </a:r>
+            <a:endParaRPr kumimoji="1" lang="zh-CN" altLang="en-US" sz="1000" dirty="0">
+              <a:latin typeface="Arial" panose="020B0604020202090204" pitchFamily="34" charset="0"/>
+              <a:cs typeface="Arial" panose="020B0604020202090204" pitchFamily="34" charset="0"/>
+            </a:endParaRPr>
+          </a:p>
+        </p:txBody>
+      </p:sp>
+      <p:sp>
+        <p:nvSpPr>
+          <p:cNvPr id="9" name="文本框 8"/>
+          <p:cNvSpPr txBox="1"/>
+          <p:nvPr/>
+        </p:nvSpPr>
+        <p:spPr>
+          <a:xfrm>
+            <a:off x="4778841" y="698994"/>
+            <a:ext cx="1238081" cy="246221"/>
+          </a:xfrm>
+          <a:prstGeom prst="rect">
+            <a:avLst/>
+          </a:prstGeom>
+          <a:noFill/>
+        </p:spPr>
+        <p:txBody>
+          <a:bodyPr wrap="square" rtlCol="0">
+            <a:spAutoFit/>
+          </a:bodyPr>
+          <a:lstStyle/>
+          <a:p>
+            <a:r>
+              <a:rPr kumimoji="1" lang="en-US" altLang="zh-CN" sz="1000" dirty="0">
+                <a:latin typeface="Arial" panose="020B0604020202090204" pitchFamily="34" charset="0"/>
+                <a:cs typeface="Arial" panose="020B0604020202090204" pitchFamily="34" charset="0"/>
+              </a:rPr>
+              <a:t>Drawing Callout</a:t>
+            </a:r>
+            <a:endParaRPr kumimoji="1" lang="zh-CN" altLang="en-US" sz="1000" dirty="0">
+              <a:latin typeface="Arial" panose="020B0604020202090204" pitchFamily="34" charset="0"/>
+              <a:cs typeface="Arial" panose="020B0604020202090204" pitchFamily="34" charset="0"/>
+            </a:endParaRPr>
+          </a:p>
+        </p:txBody>
+      </p:sp>
+      <p:sp>
+        <p:nvSpPr>
+          <p:cNvPr id="10" name="文本框 9"/>
+          <p:cNvSpPr txBox="1"/>
+          <p:nvPr/>
+        </p:nvSpPr>
+        <p:spPr>
+          <a:xfrm>
+            <a:off x="4778841" y="3082126"/>
+            <a:ext cx="2016171" cy="246221"/>
+          </a:xfrm>
+          <a:prstGeom prst="rect">
+            <a:avLst/>
+          </a:prstGeom>
+          <a:noFill/>
+        </p:spPr>
+        <p:txBody>
+          <a:bodyPr wrap="square" rtlCol="0">
+            <a:spAutoFit/>
+          </a:bodyPr>
+          <a:lstStyle/>
+          <a:p>
+            <a:r>
+              <a:rPr kumimoji="1" lang="en-US" altLang="zh-CN" sz="1000" dirty="0">
+                <a:latin typeface="Arial" panose="020B0604020202090204" pitchFamily="34" charset="0"/>
+                <a:cs typeface="Arial" panose="020B0604020202090204" pitchFamily="34" charset="0"/>
+              </a:rPr>
+              <a:t>Measurement Description </a:t>
+            </a:r>
+            <a:endParaRPr kumimoji="1" lang="zh-CN" altLang="en-US" sz="1000" dirty="0">
+              <a:latin typeface="Arial" panose="020B0604020202090204" pitchFamily="34" charset="0"/>
+              <a:cs typeface="Arial" panose="020B0604020202090204" pitchFamily="34" charset="0"/>
+            </a:endParaRPr>
+          </a:p>
+        </p:txBody>
+      </p:sp>
+      <p:sp>
+        <p:nvSpPr>
+          <p:cNvPr id="11" name="矩形 10"/>
+          <p:cNvSpPr/>
+          <p:nvPr/>
+        </p:nvSpPr>
+        <p:spPr>
+          <a:xfrm>
+            <a:off x="4160550" y="598342"/>
+            <a:ext cx="7866693" cy="6057831"/>
+          </a:xfrm>
+          <a:prstGeom prst="rect">
+            <a:avLst/>
+          </a:prstGeom>
+          <a:noFill/>
+          <a:ln w="6350">
+            <a:solidFill>
+              <a:schemeClr val="tx1"/>
+            </a:solidFill>
+          </a:ln>
+        </p:spPr>
+        <p:style>
+          <a:lnRef idx="2">
+            <a:schemeClr val="accent1">
+              <a:shade val="50000"/>
+            </a:schemeClr>
+          </a:lnRef>
+          <a:fillRef idx="1">
+            <a:schemeClr val="accent1"/>
+          </a:fillRef>
+          <a:effectRef idx="0">
+            <a:schemeClr val="accent1"/>
+          </a:effectRef>
+          <a:fontRef idx="minor">
+            <a:schemeClr val="lt1"/>
+          </a:fontRef>
+        </p:style>
+        <p:txBody>
+          <a:bodyPr rtlCol="0" anchor="ctr"/>
+          <a:lstStyle/>
+          <a:p>
+            <a:pPr algn="ctr"/>
+            <a:endParaRPr kumimoji="1" lang="zh-CN" altLang="en-US"/>
+          </a:p>
+        </p:txBody>
+      </p:sp>
     </p:spTree>
   </p:cSld>
   <p:clrMapOvr>
@@ -3228,33 +5131,92 @@
           </p:nvPr>
         </p:nvGraphicFramePr>
         <p:xfrm>
-          <a:off x="606971" y="690505"/>
-          <a:ext cx="4553608" cy="4473354"/>
+          <a:off x="166618" y="596268"/>
+          <a:ext cx="3993932" cy="6059796"/>
         </p:xfrm>
         <a:graphic>
           <a:graphicData uri="http://schemas.openxmlformats.org/drawingml/2006/table">
             <a:tbl>
               <a:tblPr firstRow="1" bandRow="1">
-                <a:tableStyleId>{0505E3EF-67EA-436B-97B2-0124C06EBD24}</a:tableStyleId>
+                <a:tableStyleId>{2D5ABB26-0587-4C30-8999-92F81FD0307C}</a:tableStyleId>
               </a:tblPr>
               <a:tblGrid>
-                <a:gridCol w="2276804"/>
-                <a:gridCol w="2276804"/>
+                <a:gridCol w="962935"/>
+                <a:gridCol w="3030997"/>
               </a:tblGrid>
-              <a:tr h="508422">
+              <a:tr h="320662">
                 <a:tc>
                   <a:txBody>
                     <a:bodyPr/>
                     <a:lstStyle/>
                     <a:p>
                       <a:r>
-                        <a:rPr lang="en-US" altLang="zh-CN" b="0" dirty="0"/>
+                        <a:rPr lang="en-US" altLang="zh-CN" sz="900" b="0" i="0" dirty="0">
+                          <a:latin typeface="Arial" panose="020B0604020202090204" pitchFamily="34" charset="0"/>
+                          <a:ea typeface="宋体" panose="02010600030101010101" pitchFamily="2" charset="-122"/>
+                          <a:cs typeface="Arial" panose="020B0604020202090204" pitchFamily="34" charset="0"/>
+                        </a:rPr>
                         <a:t>SPC</a:t>
                       </a:r>
-                      <a:endParaRPr lang="zh-CN" altLang="en-US" b="0" dirty="0"/>
+                      <a:endParaRPr lang="zh-CN" altLang="en-US" sz="900" b="0" i="0" dirty="0">
+                        <a:latin typeface="Arial" panose="020B0604020202090204" pitchFamily="34" charset="0"/>
+                        <a:ea typeface="宋体" panose="02010600030101010101" pitchFamily="2" charset="-122"/>
+                        <a:cs typeface="Arial" panose="020B0604020202090204" pitchFamily="34" charset="0"/>
+                      </a:endParaRPr>
                     </a:p>
                   </a:txBody>
-                  <a:tcPr/>
+                  <a:tcPr>
+                    <a:lnL w="6350" cap="flat" cmpd="sng" algn="ctr">
+                      <a:solidFill>
+                        <a:schemeClr val="tx1"/>
+                      </a:solidFill>
+                      <a:prstDash val="solid"/>
+                      <a:round/>
+                      <a:headEnd type="none" w="med" len="med"/>
+                      <a:tailEnd type="none" w="med" len="med"/>
+                    </a:lnL>
+                    <a:lnR w="6350" cap="flat" cmpd="sng" algn="ctr">
+                      <a:solidFill>
+                        <a:schemeClr val="tx1"/>
+                      </a:solidFill>
+                      <a:prstDash val="solid"/>
+                      <a:round/>
+                      <a:headEnd type="none" w="med" len="med"/>
+                      <a:tailEnd type="none" w="med" len="med"/>
+                    </a:lnR>
+                    <a:lnT w="6350" cap="flat" cmpd="sng" algn="ctr">
+                      <a:solidFill>
+                        <a:schemeClr val="tx1"/>
+                      </a:solidFill>
+                      <a:prstDash val="solid"/>
+                      <a:round/>
+                      <a:headEnd type="none" w="med" len="med"/>
+                      <a:tailEnd type="none" w="med" len="med"/>
+                    </a:lnT>
+                    <a:lnB w="6350" cap="flat" cmpd="sng" algn="ctr">
+                      <a:solidFill>
+                        <a:schemeClr val="tx1"/>
+                      </a:solidFill>
+                      <a:prstDash val="solid"/>
+                      <a:round/>
+                      <a:headEnd type="none" w="med" len="med"/>
+                      <a:tailEnd type="none" w="med" len="med"/>
+                    </a:lnB>
+                    <a:lnTlToBr w="12700" cmpd="sng">
+                      <a:noFill/>
+                      <a:prstDash val="solid"/>
+                    </a:lnTlToBr>
+                    <a:lnBlToTr w="12700" cmpd="sng">
+                      <a:noFill/>
+                      <a:prstDash val="solid"/>
+                    </a:lnBlToTr>
+                    <a:solidFill>
+                      <a:schemeClr val="accent5">
+                        <a:lumMod val="60000"/>
+                        <a:lumOff val="40000"/>
+                      </a:schemeClr>
+                    </a:solidFill>
+                  </a:tcPr>
                 </a:tc>
                 <a:tc>
                   <a:txBody>
@@ -3262,29 +5224,141 @@
                     <a:lstStyle/>
                     <a:p>
                       <a:r>
-                        <a:rPr lang="en-US" altLang="zh-CN" b="0" dirty="0"/>
-                        <a:t>F</a:t>
+                        <a:rPr lang="en-US" altLang="zh-CN" sz="900" b="0" i="0" dirty="0">
+                          <a:latin typeface="Arial" panose="020B0604020202090204" pitchFamily="34" charset="0"/>
+                          <a:ea typeface="宋体" panose="02010600030101010101" pitchFamily="2" charset="-122"/>
+                          <a:cs typeface="Arial" panose="020B0604020202090204" pitchFamily="34" charset="0"/>
+                        </a:rPr>
+                        <a:t>EW</a:t>
                       </a:r>
-                      <a:endParaRPr lang="en-US" altLang="zh-CN" b="0" dirty="0"/>
+                      <a:endParaRPr lang="en-US" altLang="zh-CN" sz="900" b="0" i="0" dirty="0">
+                        <a:latin typeface="Arial" panose="020B0604020202090204" pitchFamily="34" charset="0"/>
+                        <a:ea typeface="宋体" panose="02010600030101010101" pitchFamily="2" charset="-122"/>
+                        <a:cs typeface="Arial" panose="020B0604020202090204" pitchFamily="34" charset="0"/>
+                      </a:endParaRPr>
                     </a:p>
                   </a:txBody>
-                  <a:tcPr/>
+                  <a:tcPr>
+                    <a:lnL w="6350" cap="flat" cmpd="sng" algn="ctr">
+                      <a:solidFill>
+                        <a:schemeClr val="tx1"/>
+                      </a:solidFill>
+                      <a:prstDash val="solid"/>
+                      <a:round/>
+                      <a:headEnd type="none" w="med" len="med"/>
+                      <a:tailEnd type="none" w="med" len="med"/>
+                    </a:lnL>
+                    <a:lnR w="6350" cap="flat" cmpd="sng" algn="ctr">
+                      <a:solidFill>
+                        <a:schemeClr val="tx1"/>
+                      </a:solidFill>
+                      <a:prstDash val="solid"/>
+                      <a:round/>
+                      <a:headEnd type="none" w="med" len="med"/>
+                      <a:tailEnd type="none" w="med" len="med"/>
+                    </a:lnR>
+                    <a:lnT w="6350" cap="flat" cmpd="sng" algn="ctr">
+                      <a:solidFill>
+                        <a:schemeClr val="tx1"/>
+                      </a:solidFill>
+                      <a:prstDash val="solid"/>
+                      <a:round/>
+                      <a:headEnd type="none" w="med" len="med"/>
+                      <a:tailEnd type="none" w="med" len="med"/>
+                    </a:lnT>
+                    <a:lnB w="6350" cap="flat" cmpd="sng" algn="ctr">
+                      <a:solidFill>
+                        <a:schemeClr val="tx1"/>
+                      </a:solidFill>
+                      <a:prstDash val="solid"/>
+                      <a:round/>
+                      <a:headEnd type="none" w="med" len="med"/>
+                      <a:tailEnd type="none" w="med" len="med"/>
+                    </a:lnB>
+                    <a:lnTlToBr w="12700" cmpd="sng">
+                      <a:noFill/>
+                      <a:prstDash val="solid"/>
+                    </a:lnTlToBr>
+                    <a:lnBlToTr w="12700" cmpd="sng">
+                      <a:noFill/>
+                      <a:prstDash val="solid"/>
+                    </a:lnBlToTr>
+                  </a:tcPr>
                 </a:tc>
               </a:tr>
-              <a:tr h="508422">
+              <a:tr h="320662">
                 <a:tc>
                   <a:txBody>
                     <a:bodyPr/>
                     <a:lstStyle/>
                     <a:p>
                       <a:r>
-                        <a:rPr lang="en-US" altLang="zh-CN" b="0" dirty="0"/>
-                        <a:t>Equipment</a:t>
+                        <a:rPr lang="en-US" altLang="zh-CN" sz="900" b="0" i="0" dirty="0">
+                          <a:latin typeface="Arial" panose="020B0604020202090204" pitchFamily="34" charset="0"/>
+                          <a:ea typeface="宋体" panose="02010600030101010101" pitchFamily="2" charset="-122"/>
+                          <a:cs typeface="Arial" panose="020B0604020202090204" pitchFamily="34" charset="0"/>
+                        </a:rPr>
+                        <a:t>FAI</a:t>
                       </a:r>
-                      <a:endParaRPr lang="zh-CN" altLang="en-US" b="0" dirty="0"/>
+                      <a:endParaRPr lang="zh-CN" altLang="en-US" sz="900" b="0" i="0" dirty="0">
+                        <a:latin typeface="Arial" panose="020B0604020202090204" pitchFamily="34" charset="0"/>
+                        <a:ea typeface="宋体" panose="02010600030101010101" pitchFamily="2" charset="-122"/>
+                        <a:cs typeface="Arial" panose="020B0604020202090204" pitchFamily="34" charset="0"/>
+                      </a:endParaRPr>
                     </a:p>
                   </a:txBody>
-                  <a:tcPr/>
+                  <a:tcPr>
+                    <a:lnL w="6350" cap="flat" cmpd="sng" algn="ctr">
+                      <a:solidFill>
+                        <a:schemeClr val="tx1"/>
+                      </a:solidFill>
+                      <a:prstDash val="solid"/>
+                      <a:round/>
+                      <a:headEnd type="none" w="med" len="med"/>
+                      <a:tailEnd type="none" w="med" len="med"/>
+                    </a:lnL>
+                    <a:lnR w="6350" cap="flat" cmpd="sng" algn="ctr">
+                      <a:solidFill>
+                        <a:schemeClr val="tx1"/>
+                      </a:solidFill>
+                      <a:prstDash val="solid"/>
+                      <a:round/>
+                      <a:headEnd type="none" w="med" len="med"/>
+                      <a:tailEnd type="none" w="med" len="med"/>
+                    </a:lnR>
+                    <a:lnT w="6350" cap="flat" cmpd="sng" algn="ctr">
+                      <a:solidFill>
+                        <a:schemeClr val="tx1"/>
+                      </a:solidFill>
+                      <a:prstDash val="solid"/>
+                      <a:round/>
+                      <a:headEnd type="none" w="med" len="med"/>
+                      <a:tailEnd type="none" w="med" len="med"/>
+                    </a:lnT>
+                    <a:lnB w="6350" cap="flat" cmpd="sng" algn="ctr">
+                      <a:solidFill>
+                        <a:schemeClr val="tx1"/>
+                      </a:solidFill>
+                      <a:prstDash val="solid"/>
+                      <a:round/>
+                      <a:headEnd type="none" w="med" len="med"/>
+                      <a:tailEnd type="none" w="med" len="med"/>
+                    </a:lnB>
+                    <a:lnTlToBr w="12700" cmpd="sng">
+                      <a:noFill/>
+                      <a:prstDash val="solid"/>
+                    </a:lnTlToBr>
+                    <a:lnBlToTr w="12700" cmpd="sng">
+                      <a:noFill/>
+                      <a:prstDash val="solid"/>
+                    </a:lnBlToTr>
+                    <a:solidFill>
+                      <a:schemeClr val="accent5">
+                        <a:lumMod val="60000"/>
+                        <a:lumOff val="40000"/>
+                      </a:schemeClr>
+                    </a:solidFill>
+                  </a:tcPr>
                 </a:tc>
                 <a:tc>
                   <a:txBody>
@@ -3292,29 +5366,141 @@
                     <a:lstStyle/>
                     <a:p>
                       <a:r>
-                        <a:rPr lang="en-US" altLang="zh-CN" b="0" dirty="0"/>
-                        <a:t>OMM</a:t>
+                        <a:rPr lang="en-US" altLang="zh-CN" sz="900" b="0" i="0" dirty="0">
+                          <a:latin typeface="Arial" panose="020B0604020202090204" pitchFamily="34" charset="0"/>
+                          <a:ea typeface="宋体" panose="02010600030101010101" pitchFamily="2" charset="-122"/>
+                          <a:cs typeface="Arial" panose="020B0604020202090204" pitchFamily="34" charset="0"/>
+                        </a:rPr>
+                        <a:t>93</a:t>
                       </a:r>
-                      <a:endParaRPr lang="zh-CN" altLang="en-US" b="0" dirty="0"/>
+                      <a:endParaRPr lang="en-US" altLang="zh-CN" sz="900" b="0" i="0" dirty="0">
+                        <a:latin typeface="Arial" panose="020B0604020202090204" pitchFamily="34" charset="0"/>
+                        <a:ea typeface="宋体" panose="02010600030101010101" pitchFamily="2" charset="-122"/>
+                        <a:cs typeface="Arial" panose="020B0604020202090204" pitchFamily="34" charset="0"/>
+                      </a:endParaRPr>
                     </a:p>
                   </a:txBody>
-                  <a:tcPr/>
+                  <a:tcPr>
+                    <a:lnL w="6350" cap="flat" cmpd="sng" algn="ctr">
+                      <a:solidFill>
+                        <a:schemeClr val="tx1"/>
+                      </a:solidFill>
+                      <a:prstDash val="solid"/>
+                      <a:round/>
+                      <a:headEnd type="none" w="med" len="med"/>
+                      <a:tailEnd type="none" w="med" len="med"/>
+                    </a:lnL>
+                    <a:lnR w="6350" cap="flat" cmpd="sng" algn="ctr">
+                      <a:solidFill>
+                        <a:schemeClr val="tx1"/>
+                      </a:solidFill>
+                      <a:prstDash val="solid"/>
+                      <a:round/>
+                      <a:headEnd type="none" w="med" len="med"/>
+                      <a:tailEnd type="none" w="med" len="med"/>
+                    </a:lnR>
+                    <a:lnT w="6350" cap="flat" cmpd="sng" algn="ctr">
+                      <a:solidFill>
+                        <a:schemeClr val="tx1"/>
+                      </a:solidFill>
+                      <a:prstDash val="solid"/>
+                      <a:round/>
+                      <a:headEnd type="none" w="med" len="med"/>
+                      <a:tailEnd type="none" w="med" len="med"/>
+                    </a:lnT>
+                    <a:lnB w="6350" cap="flat" cmpd="sng" algn="ctr">
+                      <a:solidFill>
+                        <a:schemeClr val="tx1"/>
+                      </a:solidFill>
+                      <a:prstDash val="solid"/>
+                      <a:round/>
+                      <a:headEnd type="none" w="med" len="med"/>
+                      <a:tailEnd type="none" w="med" len="med"/>
+                    </a:lnB>
+                    <a:lnTlToBr w="12700" cmpd="sng">
+                      <a:noFill/>
+                      <a:prstDash val="solid"/>
+                    </a:lnTlToBr>
+                    <a:lnBlToTr w="12700" cmpd="sng">
+                      <a:noFill/>
+                      <a:prstDash val="solid"/>
+                    </a:lnBlToTr>
+                  </a:tcPr>
                 </a:tc>
               </a:tr>
-              <a:tr h="508422">
+              <a:tr h="531722">
                 <a:tc>
                   <a:txBody>
                     <a:bodyPr/>
                     <a:lstStyle/>
                     <a:p>
                       <a:r>
-                        <a:rPr lang="en-US" altLang="zh-CN" dirty="0"/>
-                        <a:t>Positioning</a:t>
+                        <a:rPr lang="en-US" altLang="zh-CN" sz="900" b="0" i="0" dirty="0">
+                          <a:latin typeface="Arial" panose="020B0604020202090204" pitchFamily="34" charset="0"/>
+                          <a:ea typeface="宋体" panose="02010600030101010101" pitchFamily="2" charset="-122"/>
+                          <a:cs typeface="Arial" panose="020B0604020202090204" pitchFamily="34" charset="0"/>
+                        </a:rPr>
+                        <a:t>Description</a:t>
                       </a:r>
-                      <a:endParaRPr lang="zh-CN" altLang="en-US" dirty="0"/>
+                      <a:endParaRPr lang="zh-CN" altLang="en-US" sz="900" b="0" i="0" dirty="0">
+                        <a:latin typeface="Arial" panose="020B0604020202090204" pitchFamily="34" charset="0"/>
+                        <a:ea typeface="宋体" panose="02010600030101010101" pitchFamily="2" charset="-122"/>
+                        <a:cs typeface="Arial" panose="020B0604020202090204" pitchFamily="34" charset="0"/>
+                      </a:endParaRPr>
                     </a:p>
                   </a:txBody>
-                  <a:tcPr/>
+                  <a:tcPr>
+                    <a:lnL w="6350" cap="flat" cmpd="sng" algn="ctr">
+                      <a:solidFill>
+                        <a:schemeClr val="tx1"/>
+                      </a:solidFill>
+                      <a:prstDash val="solid"/>
+                      <a:round/>
+                      <a:headEnd type="none" w="med" len="med"/>
+                      <a:tailEnd type="none" w="med" len="med"/>
+                    </a:lnL>
+                    <a:lnR w="6350" cap="flat" cmpd="sng" algn="ctr">
+                      <a:solidFill>
+                        <a:schemeClr val="tx1"/>
+                      </a:solidFill>
+                      <a:prstDash val="solid"/>
+                      <a:round/>
+                      <a:headEnd type="none" w="med" len="med"/>
+                      <a:tailEnd type="none" w="med" len="med"/>
+                    </a:lnR>
+                    <a:lnT w="6350" cap="flat" cmpd="sng" algn="ctr">
+                      <a:solidFill>
+                        <a:schemeClr val="tx1"/>
+                      </a:solidFill>
+                      <a:prstDash val="solid"/>
+                      <a:round/>
+                      <a:headEnd type="none" w="med" len="med"/>
+                      <a:tailEnd type="none" w="med" len="med"/>
+                    </a:lnT>
+                    <a:lnB w="6350" cap="flat" cmpd="sng" algn="ctr">
+                      <a:solidFill>
+                        <a:schemeClr val="tx1"/>
+                      </a:solidFill>
+                      <a:prstDash val="solid"/>
+                      <a:round/>
+                      <a:headEnd type="none" w="med" len="med"/>
+                      <a:tailEnd type="none" w="med" len="med"/>
+                    </a:lnB>
+                    <a:lnTlToBr w="12700" cmpd="sng">
+                      <a:noFill/>
+                      <a:prstDash val="solid"/>
+                    </a:lnTlToBr>
+                    <a:lnBlToTr w="12700" cmpd="sng">
+                      <a:noFill/>
+                      <a:prstDash val="solid"/>
+                    </a:lnBlToTr>
+                    <a:solidFill>
+                      <a:schemeClr val="accent5">
+                        <a:lumMod val="60000"/>
+                        <a:lumOff val="40000"/>
+                      </a:schemeClr>
+                    </a:solidFill>
+                  </a:tcPr>
                 </a:tc>
                 <a:tc>
                   <a:txBody>
@@ -3322,29 +5508,141 @@
                     <a:lstStyle/>
                     <a:p>
                       <a:r>
-                        <a:rPr lang="en-US" altLang="zh-CN" dirty="0"/>
-                        <a:t>Free</a:t>
+                        <a:rPr lang="en-US" altLang="zh-CN" sz="900" b="0" i="0" dirty="0">
+                          <a:latin typeface="Arial" panose="020B0604020202090204" pitchFamily="34" charset="0"/>
+                          <a:ea typeface="宋体" panose="02010600030101010101" pitchFamily="2" charset="-122"/>
+                          <a:cs typeface="Arial" panose="020B0604020202090204" pitchFamily="34" charset="0"/>
+                        </a:rPr>
+                        <a:t>HSG inner width</a:t>
                       </a:r>
-                      <a:endParaRPr lang="zh-CN" altLang="en-US" dirty="0"/>
+                      <a:endParaRPr lang="en-US" altLang="zh-CN" sz="900" b="0" i="0" dirty="0">
+                        <a:latin typeface="Arial" panose="020B0604020202090204" pitchFamily="34" charset="0"/>
+                        <a:ea typeface="宋体" panose="02010600030101010101" pitchFamily="2" charset="-122"/>
+                        <a:cs typeface="Arial" panose="020B0604020202090204" pitchFamily="34" charset="0"/>
+                      </a:endParaRPr>
                     </a:p>
                   </a:txBody>
-                  <a:tcPr/>
+                  <a:tcPr>
+                    <a:lnL w="6350" cap="flat" cmpd="sng" algn="ctr">
+                      <a:solidFill>
+                        <a:schemeClr val="tx1"/>
+                      </a:solidFill>
+                      <a:prstDash val="solid"/>
+                      <a:round/>
+                      <a:headEnd type="none" w="med" len="med"/>
+                      <a:tailEnd type="none" w="med" len="med"/>
+                    </a:lnL>
+                    <a:lnR w="6350" cap="flat" cmpd="sng" algn="ctr">
+                      <a:solidFill>
+                        <a:schemeClr val="tx1"/>
+                      </a:solidFill>
+                      <a:prstDash val="solid"/>
+                      <a:round/>
+                      <a:headEnd type="none" w="med" len="med"/>
+                      <a:tailEnd type="none" w="med" len="med"/>
+                    </a:lnR>
+                    <a:lnT w="6350" cap="flat" cmpd="sng" algn="ctr">
+                      <a:solidFill>
+                        <a:schemeClr val="tx1"/>
+                      </a:solidFill>
+                      <a:prstDash val="solid"/>
+                      <a:round/>
+                      <a:headEnd type="none" w="med" len="med"/>
+                      <a:tailEnd type="none" w="med" len="med"/>
+                    </a:lnT>
+                    <a:lnB w="6350" cap="flat" cmpd="sng" algn="ctr">
+                      <a:solidFill>
+                        <a:schemeClr val="tx1"/>
+                      </a:solidFill>
+                      <a:prstDash val="solid"/>
+                      <a:round/>
+                      <a:headEnd type="none" w="med" len="med"/>
+                      <a:tailEnd type="none" w="med" len="med"/>
+                    </a:lnB>
+                    <a:lnTlToBr w="12700" cmpd="sng">
+                      <a:noFill/>
+                      <a:prstDash val="solid"/>
+                    </a:lnTlToBr>
+                    <a:lnBlToTr w="12700" cmpd="sng">
+                      <a:noFill/>
+                      <a:prstDash val="solid"/>
+                    </a:lnBlToTr>
+                  </a:tcPr>
                 </a:tc>
               </a:tr>
-              <a:tr h="508422">
+              <a:tr h="320662">
                 <a:tc>
                   <a:txBody>
                     <a:bodyPr/>
                     <a:lstStyle/>
                     <a:p>
                       <a:r>
-                        <a:rPr lang="en-US" altLang="zh-CN" dirty="0" err="1"/>
-                        <a:t>Dutam</a:t>
+                        <a:rPr lang="en-US" altLang="zh-CN" sz="900" b="0" i="0" dirty="0">
+                          <a:latin typeface="Arial" panose="020B0604020202090204" pitchFamily="34" charset="0"/>
+                          <a:ea typeface="宋体" panose="02010600030101010101" pitchFamily="2" charset="-122"/>
+                          <a:cs typeface="Arial" panose="020B0604020202090204" pitchFamily="34" charset="0"/>
+                        </a:rPr>
+                        <a:t>Nominal</a:t>
                       </a:r>
-                      <a:endParaRPr lang="zh-CN" altLang="en-US" dirty="0"/>
+                      <a:endParaRPr lang="zh-CN" altLang="en-US" sz="900" b="0" i="0" dirty="0">
+                        <a:latin typeface="Arial" panose="020B0604020202090204" pitchFamily="34" charset="0"/>
+                        <a:ea typeface="宋体" panose="02010600030101010101" pitchFamily="2" charset="-122"/>
+                        <a:cs typeface="Arial" panose="020B0604020202090204" pitchFamily="34" charset="0"/>
+                      </a:endParaRPr>
                     </a:p>
                   </a:txBody>
-                  <a:tcPr/>
+                  <a:tcPr>
+                    <a:lnL w="6350" cap="flat" cmpd="sng" algn="ctr">
+                      <a:solidFill>
+                        <a:schemeClr val="tx1"/>
+                      </a:solidFill>
+                      <a:prstDash val="solid"/>
+                      <a:round/>
+                      <a:headEnd type="none" w="med" len="med"/>
+                      <a:tailEnd type="none" w="med" len="med"/>
+                    </a:lnL>
+                    <a:lnR w="6350" cap="flat" cmpd="sng" algn="ctr">
+                      <a:solidFill>
+                        <a:schemeClr val="tx1"/>
+                      </a:solidFill>
+                      <a:prstDash val="solid"/>
+                      <a:round/>
+                      <a:headEnd type="none" w="med" len="med"/>
+                      <a:tailEnd type="none" w="med" len="med"/>
+                    </a:lnR>
+                    <a:lnT w="6350" cap="flat" cmpd="sng" algn="ctr">
+                      <a:solidFill>
+                        <a:schemeClr val="tx1"/>
+                      </a:solidFill>
+                      <a:prstDash val="solid"/>
+                      <a:round/>
+                      <a:headEnd type="none" w="med" len="med"/>
+                      <a:tailEnd type="none" w="med" len="med"/>
+                    </a:lnT>
+                    <a:lnB w="6350" cap="flat" cmpd="sng" algn="ctr">
+                      <a:solidFill>
+                        <a:schemeClr val="tx1"/>
+                      </a:solidFill>
+                      <a:prstDash val="solid"/>
+                      <a:round/>
+                      <a:headEnd type="none" w="med" len="med"/>
+                      <a:tailEnd type="none" w="med" len="med"/>
+                    </a:lnB>
+                    <a:lnTlToBr w="12700" cmpd="sng">
+                      <a:noFill/>
+                      <a:prstDash val="solid"/>
+                    </a:lnTlToBr>
+                    <a:lnBlToTr w="12700" cmpd="sng">
+                      <a:noFill/>
+                      <a:prstDash val="solid"/>
+                    </a:lnBlToTr>
+                    <a:solidFill>
+                      <a:schemeClr val="accent5">
+                        <a:lumMod val="60000"/>
+                        <a:lumOff val="40000"/>
+                      </a:schemeClr>
+                    </a:solidFill>
+                  </a:tcPr>
                 </a:tc>
                 <a:tc>
                   <a:txBody>
@@ -3352,29 +5650,141 @@
                     <a:lstStyle/>
                     <a:p>
                       <a:r>
-                        <a:rPr lang="en-US" altLang="zh-CN" dirty="0"/>
-                        <a:t>A+B</a:t>
+                        <a:rPr lang="en-US" altLang="zh-CN" sz="900" b="0" i="0" dirty="0">
+                          <a:latin typeface="Arial" panose="020B0604020202090204" pitchFamily="34" charset="0"/>
+                          <a:ea typeface="宋体" panose="02010600030101010101" pitchFamily="2" charset="-122"/>
+                          <a:cs typeface="Arial" panose="020B0604020202090204" pitchFamily="34" charset="0"/>
+                        </a:rPr>
+                        <a:t>176.618</a:t>
                       </a:r>
-                      <a:endParaRPr lang="zh-CN" altLang="en-US" dirty="0"/>
+                      <a:endParaRPr lang="zh-CN" altLang="en-US" sz="900" b="0" i="0" dirty="0">
+                        <a:latin typeface="Arial" panose="020B0604020202090204" pitchFamily="34" charset="0"/>
+                        <a:ea typeface="宋体" panose="02010600030101010101" pitchFamily="2" charset="-122"/>
+                        <a:cs typeface="Arial" panose="020B0604020202090204" pitchFamily="34" charset="0"/>
+                      </a:endParaRPr>
                     </a:p>
                   </a:txBody>
-                  <a:tcPr/>
+                  <a:tcPr>
+                    <a:lnL w="6350" cap="flat" cmpd="sng" algn="ctr">
+                      <a:solidFill>
+                        <a:schemeClr val="tx1"/>
+                      </a:solidFill>
+                      <a:prstDash val="solid"/>
+                      <a:round/>
+                      <a:headEnd type="none" w="med" len="med"/>
+                      <a:tailEnd type="none" w="med" len="med"/>
+                    </a:lnL>
+                    <a:lnR w="6350" cap="flat" cmpd="sng" algn="ctr">
+                      <a:solidFill>
+                        <a:schemeClr val="tx1"/>
+                      </a:solidFill>
+                      <a:prstDash val="solid"/>
+                      <a:round/>
+                      <a:headEnd type="none" w="med" len="med"/>
+                      <a:tailEnd type="none" w="med" len="med"/>
+                    </a:lnR>
+                    <a:lnT w="6350" cap="flat" cmpd="sng" algn="ctr">
+                      <a:solidFill>
+                        <a:schemeClr val="tx1"/>
+                      </a:solidFill>
+                      <a:prstDash val="solid"/>
+                      <a:round/>
+                      <a:headEnd type="none" w="med" len="med"/>
+                      <a:tailEnd type="none" w="med" len="med"/>
+                    </a:lnT>
+                    <a:lnB w="6350" cap="flat" cmpd="sng" algn="ctr">
+                      <a:solidFill>
+                        <a:schemeClr val="tx1"/>
+                      </a:solidFill>
+                      <a:prstDash val="solid"/>
+                      <a:round/>
+                      <a:headEnd type="none" w="med" len="med"/>
+                      <a:tailEnd type="none" w="med" len="med"/>
+                    </a:lnB>
+                    <a:lnTlToBr w="12700" cmpd="sng">
+                      <a:noFill/>
+                      <a:prstDash val="solid"/>
+                    </a:lnTlToBr>
+                    <a:lnBlToTr w="12700" cmpd="sng">
+                      <a:noFill/>
+                      <a:prstDash val="solid"/>
+                    </a:lnBlToTr>
+                  </a:tcPr>
                 </a:tc>
               </a:tr>
-              <a:tr h="508422">
+              <a:tr h="320662">
                 <a:tc>
                   <a:txBody>
                     <a:bodyPr/>
                     <a:lstStyle/>
                     <a:p>
                       <a:r>
-                        <a:rPr lang="en-US" altLang="zh-CN" dirty="0"/>
-                        <a:t>Nominal</a:t>
+                        <a:rPr lang="en-US" altLang="zh-CN" sz="900" b="0" i="0" dirty="0">
+                          <a:latin typeface="Arial" panose="020B0604020202090204" pitchFamily="34" charset="0"/>
+                          <a:ea typeface="宋体" panose="02010600030101010101" pitchFamily="2" charset="-122"/>
+                          <a:cs typeface="Arial" panose="020B0604020202090204" pitchFamily="34" charset="0"/>
+                        </a:rPr>
+                        <a:t>Tol+</a:t>
                       </a:r>
-                      <a:endParaRPr lang="zh-CN" altLang="en-US" dirty="0"/>
+                      <a:endParaRPr lang="zh-CN" altLang="en-US" sz="900" b="0" i="0" dirty="0">
+                        <a:latin typeface="Arial" panose="020B0604020202090204" pitchFamily="34" charset="0"/>
+                        <a:ea typeface="宋体" panose="02010600030101010101" pitchFamily="2" charset="-122"/>
+                        <a:cs typeface="Arial" panose="020B0604020202090204" pitchFamily="34" charset="0"/>
+                      </a:endParaRPr>
                     </a:p>
                   </a:txBody>
-                  <a:tcPr/>
+                  <a:tcPr>
+                    <a:lnL w="6350" cap="flat" cmpd="sng" algn="ctr">
+                      <a:solidFill>
+                        <a:schemeClr val="tx1"/>
+                      </a:solidFill>
+                      <a:prstDash val="solid"/>
+                      <a:round/>
+                      <a:headEnd type="none" w="med" len="med"/>
+                      <a:tailEnd type="none" w="med" len="med"/>
+                    </a:lnL>
+                    <a:lnR w="6350" cap="flat" cmpd="sng" algn="ctr">
+                      <a:solidFill>
+                        <a:schemeClr val="tx1"/>
+                      </a:solidFill>
+                      <a:prstDash val="solid"/>
+                      <a:round/>
+                      <a:headEnd type="none" w="med" len="med"/>
+                      <a:tailEnd type="none" w="med" len="med"/>
+                    </a:lnR>
+                    <a:lnT w="6350" cap="flat" cmpd="sng" algn="ctr">
+                      <a:solidFill>
+                        <a:schemeClr val="tx1"/>
+                      </a:solidFill>
+                      <a:prstDash val="solid"/>
+                      <a:round/>
+                      <a:headEnd type="none" w="med" len="med"/>
+                      <a:tailEnd type="none" w="med" len="med"/>
+                    </a:lnT>
+                    <a:lnB w="6350" cap="flat" cmpd="sng" algn="ctr">
+                      <a:solidFill>
+                        <a:schemeClr val="tx1"/>
+                      </a:solidFill>
+                      <a:prstDash val="solid"/>
+                      <a:round/>
+                      <a:headEnd type="none" w="med" len="med"/>
+                      <a:tailEnd type="none" w="med" len="med"/>
+                    </a:lnB>
+                    <a:lnTlToBr w="12700" cmpd="sng">
+                      <a:noFill/>
+                      <a:prstDash val="solid"/>
+                    </a:lnTlToBr>
+                    <a:lnBlToTr w="12700" cmpd="sng">
+                      <a:noFill/>
+                      <a:prstDash val="solid"/>
+                    </a:lnBlToTr>
+                    <a:solidFill>
+                      <a:schemeClr val="accent5">
+                        <a:lumMod val="60000"/>
+                        <a:lumOff val="40000"/>
+                      </a:schemeClr>
+                    </a:solidFill>
+                  </a:tcPr>
                 </a:tc>
                 <a:tc>
                   <a:txBody>
@@ -3382,29 +5792,141 @@
                     <a:lstStyle/>
                     <a:p>
                       <a:r>
-                        <a:rPr lang="en-US" altLang="zh-CN" dirty="0"/>
-                        <a:t>2.000</a:t>
+                        <a:rPr lang="en-US" altLang="zh-CN" sz="900" b="0" i="0" dirty="0">
+                          <a:latin typeface="Arial" panose="020B0604020202090204" pitchFamily="34" charset="0"/>
+                          <a:ea typeface="宋体" panose="02010600030101010101" pitchFamily="2" charset="-122"/>
+                          <a:cs typeface="Arial" panose="020B0604020202090204" pitchFamily="34" charset="0"/>
+                        </a:rPr>
+                        <a:t>+0.15</a:t>
                       </a:r>
-                      <a:endParaRPr lang="zh-CN" altLang="en-US" dirty="0"/>
+                      <a:endParaRPr lang="zh-CN" altLang="en-US" sz="900" b="0" i="0" dirty="0">
+                        <a:latin typeface="Arial" panose="020B0604020202090204" pitchFamily="34" charset="0"/>
+                        <a:ea typeface="宋体" panose="02010600030101010101" pitchFamily="2" charset="-122"/>
+                        <a:cs typeface="Arial" panose="020B0604020202090204" pitchFamily="34" charset="0"/>
+                      </a:endParaRPr>
                     </a:p>
                   </a:txBody>
-                  <a:tcPr/>
+                  <a:tcPr>
+                    <a:lnL w="6350" cap="flat" cmpd="sng" algn="ctr">
+                      <a:solidFill>
+                        <a:schemeClr val="tx1"/>
+                      </a:solidFill>
+                      <a:prstDash val="solid"/>
+                      <a:round/>
+                      <a:headEnd type="none" w="med" len="med"/>
+                      <a:tailEnd type="none" w="med" len="med"/>
+                    </a:lnL>
+                    <a:lnR w="6350" cap="flat" cmpd="sng" algn="ctr">
+                      <a:solidFill>
+                        <a:schemeClr val="tx1"/>
+                      </a:solidFill>
+                      <a:prstDash val="solid"/>
+                      <a:round/>
+                      <a:headEnd type="none" w="med" len="med"/>
+                      <a:tailEnd type="none" w="med" len="med"/>
+                    </a:lnR>
+                    <a:lnT w="6350" cap="flat" cmpd="sng" algn="ctr">
+                      <a:solidFill>
+                        <a:schemeClr val="tx1"/>
+                      </a:solidFill>
+                      <a:prstDash val="solid"/>
+                      <a:round/>
+                      <a:headEnd type="none" w="med" len="med"/>
+                      <a:tailEnd type="none" w="med" len="med"/>
+                    </a:lnT>
+                    <a:lnB w="6350" cap="flat" cmpd="sng" algn="ctr">
+                      <a:solidFill>
+                        <a:schemeClr val="tx1"/>
+                      </a:solidFill>
+                      <a:prstDash val="solid"/>
+                      <a:round/>
+                      <a:headEnd type="none" w="med" len="med"/>
+                      <a:tailEnd type="none" w="med" len="med"/>
+                    </a:lnB>
+                    <a:lnTlToBr w="12700" cmpd="sng">
+                      <a:noFill/>
+                      <a:prstDash val="solid"/>
+                    </a:lnTlToBr>
+                    <a:lnBlToTr w="12700" cmpd="sng">
+                      <a:noFill/>
+                      <a:prstDash val="solid"/>
+                    </a:lnBlToTr>
+                  </a:tcPr>
                 </a:tc>
               </a:tr>
-              <a:tr h="508422">
+              <a:tr h="320662">
                 <a:tc>
                   <a:txBody>
                     <a:bodyPr/>
                     <a:lstStyle/>
                     <a:p>
                       <a:r>
-                        <a:rPr lang="en-US" altLang="zh-CN" dirty="0"/>
-                        <a:t>Tol+</a:t>
+                        <a:rPr lang="en-US" altLang="zh-CN" sz="900" b="0" i="0" dirty="0">
+                          <a:latin typeface="Arial" panose="020B0604020202090204" pitchFamily="34" charset="0"/>
+                          <a:ea typeface="宋体" panose="02010600030101010101" pitchFamily="2" charset="-122"/>
+                          <a:cs typeface="Arial" panose="020B0604020202090204" pitchFamily="34" charset="0"/>
+                        </a:rPr>
+                        <a:t>Tol-</a:t>
                       </a:r>
-                      <a:endParaRPr lang="zh-CN" altLang="en-US" dirty="0"/>
+                      <a:endParaRPr lang="zh-CN" altLang="en-US" sz="900" b="0" i="0" dirty="0">
+                        <a:latin typeface="Arial" panose="020B0604020202090204" pitchFamily="34" charset="0"/>
+                        <a:ea typeface="宋体" panose="02010600030101010101" pitchFamily="2" charset="-122"/>
+                        <a:cs typeface="Arial" panose="020B0604020202090204" pitchFamily="34" charset="0"/>
+                      </a:endParaRPr>
                     </a:p>
                   </a:txBody>
-                  <a:tcPr/>
+                  <a:tcPr>
+                    <a:lnL w="6350" cap="flat" cmpd="sng" algn="ctr">
+                      <a:solidFill>
+                        <a:schemeClr val="tx1"/>
+                      </a:solidFill>
+                      <a:prstDash val="solid"/>
+                      <a:round/>
+                      <a:headEnd type="none" w="med" len="med"/>
+                      <a:tailEnd type="none" w="med" len="med"/>
+                    </a:lnL>
+                    <a:lnR w="6350" cap="flat" cmpd="sng" algn="ctr">
+                      <a:solidFill>
+                        <a:schemeClr val="tx1"/>
+                      </a:solidFill>
+                      <a:prstDash val="solid"/>
+                      <a:round/>
+                      <a:headEnd type="none" w="med" len="med"/>
+                      <a:tailEnd type="none" w="med" len="med"/>
+                    </a:lnR>
+                    <a:lnT w="6350" cap="flat" cmpd="sng" algn="ctr">
+                      <a:solidFill>
+                        <a:schemeClr val="tx1"/>
+                      </a:solidFill>
+                      <a:prstDash val="solid"/>
+                      <a:round/>
+                      <a:headEnd type="none" w="med" len="med"/>
+                      <a:tailEnd type="none" w="med" len="med"/>
+                    </a:lnT>
+                    <a:lnB w="6350" cap="flat" cmpd="sng" algn="ctr">
+                      <a:solidFill>
+                        <a:schemeClr val="tx1"/>
+                      </a:solidFill>
+                      <a:prstDash val="solid"/>
+                      <a:round/>
+                      <a:headEnd type="none" w="med" len="med"/>
+                      <a:tailEnd type="none" w="med" len="med"/>
+                    </a:lnB>
+                    <a:lnTlToBr w="12700" cmpd="sng">
+                      <a:noFill/>
+                      <a:prstDash val="solid"/>
+                    </a:lnTlToBr>
+                    <a:lnBlToTr w="12700" cmpd="sng">
+                      <a:noFill/>
+                      <a:prstDash val="solid"/>
+                    </a:lnBlToTr>
+                    <a:solidFill>
+                      <a:schemeClr val="accent5">
+                        <a:lumMod val="60000"/>
+                        <a:lumOff val="40000"/>
+                      </a:schemeClr>
+                    </a:solidFill>
+                  </a:tcPr>
                 </a:tc>
                 <a:tc>
                   <a:txBody>
@@ -3412,29 +5934,141 @@
                     <a:lstStyle/>
                     <a:p>
                       <a:r>
-                        <a:rPr lang="en-US" altLang="zh-CN" dirty="0"/>
-                        <a:t>0.002</a:t>
+                        <a:rPr lang="en-US" altLang="zh-CN" sz="900" b="0" i="0" dirty="0">
+                          <a:latin typeface="Arial" panose="020B0604020202090204" pitchFamily="34" charset="0"/>
+                          <a:ea typeface="宋体" panose="02010600030101010101" pitchFamily="2" charset="-122"/>
+                          <a:cs typeface="Arial" panose="020B0604020202090204" pitchFamily="34" charset="0"/>
+                        </a:rPr>
+                        <a:t>-0.05</a:t>
                       </a:r>
-                      <a:endParaRPr lang="zh-CN" altLang="en-US" dirty="0"/>
+                      <a:endParaRPr lang="en-US" altLang="zh-CN" sz="900" b="0" i="0" dirty="0">
+                        <a:latin typeface="Arial" panose="020B0604020202090204" pitchFamily="34" charset="0"/>
+                        <a:ea typeface="宋体" panose="02010600030101010101" pitchFamily="2" charset="-122"/>
+                        <a:cs typeface="Arial" panose="020B0604020202090204" pitchFamily="34" charset="0"/>
+                      </a:endParaRPr>
                     </a:p>
                   </a:txBody>
-                  <a:tcPr/>
+                  <a:tcPr>
+                    <a:lnL w="6350" cap="flat" cmpd="sng" algn="ctr">
+                      <a:solidFill>
+                        <a:schemeClr val="tx1"/>
+                      </a:solidFill>
+                      <a:prstDash val="solid"/>
+                      <a:round/>
+                      <a:headEnd type="none" w="med" len="med"/>
+                      <a:tailEnd type="none" w="med" len="med"/>
+                    </a:lnL>
+                    <a:lnR w="6350" cap="flat" cmpd="sng" algn="ctr">
+                      <a:solidFill>
+                        <a:schemeClr val="tx1"/>
+                      </a:solidFill>
+                      <a:prstDash val="solid"/>
+                      <a:round/>
+                      <a:headEnd type="none" w="med" len="med"/>
+                      <a:tailEnd type="none" w="med" len="med"/>
+                    </a:lnR>
+                    <a:lnT w="6350" cap="flat" cmpd="sng" algn="ctr">
+                      <a:solidFill>
+                        <a:schemeClr val="tx1"/>
+                      </a:solidFill>
+                      <a:prstDash val="solid"/>
+                      <a:round/>
+                      <a:headEnd type="none" w="med" len="med"/>
+                      <a:tailEnd type="none" w="med" len="med"/>
+                    </a:lnT>
+                    <a:lnB w="6350" cap="flat" cmpd="sng" algn="ctr">
+                      <a:solidFill>
+                        <a:schemeClr val="tx1"/>
+                      </a:solidFill>
+                      <a:prstDash val="solid"/>
+                      <a:round/>
+                      <a:headEnd type="none" w="med" len="med"/>
+                      <a:tailEnd type="none" w="med" len="med"/>
+                    </a:lnB>
+                    <a:lnTlToBr w="12700" cmpd="sng">
+                      <a:noFill/>
+                      <a:prstDash val="solid"/>
+                    </a:lnTlToBr>
+                    <a:lnBlToTr w="12700" cmpd="sng">
+                      <a:noFill/>
+                      <a:prstDash val="solid"/>
+                    </a:lnBlToTr>
+                  </a:tcPr>
                 </a:tc>
               </a:tr>
-              <a:tr h="508422">
+              <a:tr h="320662">
                 <a:tc>
                   <a:txBody>
                     <a:bodyPr/>
                     <a:lstStyle/>
                     <a:p>
                       <a:r>
-                        <a:rPr lang="en-US" altLang="zh-CN" dirty="0"/>
-                        <a:t>Tol-</a:t>
+                        <a:rPr lang="en-US" altLang="zh-CN" sz="900" b="0" i="0" dirty="0">
+                          <a:latin typeface="Arial" panose="020B0604020202090204" pitchFamily="34" charset="0"/>
+                          <a:ea typeface="宋体" panose="02010600030101010101" pitchFamily="2" charset="-122"/>
+                          <a:cs typeface="Arial" panose="020B0604020202090204" pitchFamily="34" charset="0"/>
+                        </a:rPr>
+                        <a:t>Equipment</a:t>
                       </a:r>
-                      <a:endParaRPr lang="zh-CN" altLang="en-US" dirty="0"/>
+                      <a:endParaRPr lang="zh-CN" altLang="en-US" sz="900" b="0" i="0" dirty="0">
+                        <a:latin typeface="Arial" panose="020B0604020202090204" pitchFamily="34" charset="0"/>
+                        <a:ea typeface="宋体" panose="02010600030101010101" pitchFamily="2" charset="-122"/>
+                        <a:cs typeface="Arial" panose="020B0604020202090204" pitchFamily="34" charset="0"/>
+                      </a:endParaRPr>
                     </a:p>
                   </a:txBody>
-                  <a:tcPr/>
+                  <a:tcPr>
+                    <a:lnL w="6350" cap="flat" cmpd="sng" algn="ctr">
+                      <a:solidFill>
+                        <a:schemeClr val="tx1"/>
+                      </a:solidFill>
+                      <a:prstDash val="solid"/>
+                      <a:round/>
+                      <a:headEnd type="none" w="med" len="med"/>
+                      <a:tailEnd type="none" w="med" len="med"/>
+                    </a:lnL>
+                    <a:lnR w="6350" cap="flat" cmpd="sng" algn="ctr">
+                      <a:solidFill>
+                        <a:schemeClr val="tx1"/>
+                      </a:solidFill>
+                      <a:prstDash val="solid"/>
+                      <a:round/>
+                      <a:headEnd type="none" w="med" len="med"/>
+                      <a:tailEnd type="none" w="med" len="med"/>
+                    </a:lnR>
+                    <a:lnT w="6350" cap="flat" cmpd="sng" algn="ctr">
+                      <a:solidFill>
+                        <a:schemeClr val="tx1"/>
+                      </a:solidFill>
+                      <a:prstDash val="solid"/>
+                      <a:round/>
+                      <a:headEnd type="none" w="med" len="med"/>
+                      <a:tailEnd type="none" w="med" len="med"/>
+                    </a:lnT>
+                    <a:lnB w="6350" cap="flat" cmpd="sng" algn="ctr">
+                      <a:solidFill>
+                        <a:schemeClr val="tx1"/>
+                      </a:solidFill>
+                      <a:prstDash val="solid"/>
+                      <a:round/>
+                      <a:headEnd type="none" w="med" len="med"/>
+                      <a:tailEnd type="none" w="med" len="med"/>
+                    </a:lnB>
+                    <a:lnTlToBr w="12700" cmpd="sng">
+                      <a:noFill/>
+                      <a:prstDash val="solid"/>
+                    </a:lnTlToBr>
+                    <a:lnBlToTr w="12700" cmpd="sng">
+                      <a:noFill/>
+                      <a:prstDash val="solid"/>
+                    </a:lnBlToTr>
+                    <a:solidFill>
+                      <a:schemeClr val="accent5">
+                        <a:lumMod val="60000"/>
+                        <a:lumOff val="40000"/>
+                      </a:schemeClr>
+                    </a:solidFill>
+                  </a:tcPr>
                 </a:tc>
                 <a:tc>
                   <a:txBody>
@@ -3442,45 +6076,3567 @@
                     <a:lstStyle/>
                     <a:p>
                       <a:r>
-                        <a:rPr lang="en-US" altLang="zh-CN" dirty="0"/>
-                        <a:t>-0.002</a:t>
+                        <a:rPr lang="en-US" altLang="zh-CN" sz="900" b="0" i="0" dirty="0">
+                          <a:latin typeface="Arial" panose="020B0604020202090204" pitchFamily="34" charset="0"/>
+                          <a:ea typeface="宋体" panose="02010600030101010101" pitchFamily="2" charset="-122"/>
+                          <a:cs typeface="Arial" panose="020B0604020202090204" pitchFamily="34" charset="0"/>
+                        </a:rPr>
+                        <a:t>CMM</a:t>
                       </a:r>
-                      <a:endParaRPr lang="zh-CN" altLang="en-US" dirty="0"/>
+                      <a:endParaRPr lang="zh-CN" altLang="en-US" sz="900" b="0" i="0" dirty="0">
+                        <a:latin typeface="Arial" panose="020B0604020202090204" pitchFamily="34" charset="0"/>
+                        <a:ea typeface="宋体" panose="02010600030101010101" pitchFamily="2" charset="-122"/>
+                        <a:cs typeface="Arial" panose="020B0604020202090204" pitchFamily="34" charset="0"/>
+                      </a:endParaRPr>
                     </a:p>
                   </a:txBody>
-                  <a:tcPr/>
+                  <a:tcPr>
+                    <a:lnL w="6350" cap="flat" cmpd="sng" algn="ctr">
+                      <a:solidFill>
+                        <a:schemeClr val="tx1"/>
+                      </a:solidFill>
+                      <a:prstDash val="solid"/>
+                      <a:round/>
+                      <a:headEnd type="none" w="med" len="med"/>
+                      <a:tailEnd type="none" w="med" len="med"/>
+                    </a:lnL>
+                    <a:lnR w="6350" cap="flat" cmpd="sng" algn="ctr">
+                      <a:solidFill>
+                        <a:schemeClr val="tx1"/>
+                      </a:solidFill>
+                      <a:prstDash val="solid"/>
+                      <a:round/>
+                      <a:headEnd type="none" w="med" len="med"/>
+                      <a:tailEnd type="none" w="med" len="med"/>
+                    </a:lnR>
+                    <a:lnT w="6350" cap="flat" cmpd="sng" algn="ctr">
+                      <a:solidFill>
+                        <a:schemeClr val="tx1"/>
+                      </a:solidFill>
+                      <a:prstDash val="solid"/>
+                      <a:round/>
+                      <a:headEnd type="none" w="med" len="med"/>
+                      <a:tailEnd type="none" w="med" len="med"/>
+                    </a:lnT>
+                    <a:lnB w="6350" cap="flat" cmpd="sng" algn="ctr">
+                      <a:solidFill>
+                        <a:schemeClr val="tx1"/>
+                      </a:solidFill>
+                      <a:prstDash val="solid"/>
+                      <a:round/>
+                      <a:headEnd type="none" w="med" len="med"/>
+                      <a:tailEnd type="none" w="med" len="med"/>
+                    </a:lnB>
+                    <a:lnTlToBr w="12700" cmpd="sng">
+                      <a:noFill/>
+                      <a:prstDash val="solid"/>
+                    </a:lnTlToBr>
+                    <a:lnBlToTr w="12700" cmpd="sng">
+                      <a:noFill/>
+                      <a:prstDash val="solid"/>
+                    </a:lnBlToTr>
+                  </a:tcPr>
                 </a:tc>
               </a:tr>
-              <a:tr h="862495">
-                <a:tc gridSpan="2">
+              <a:tr h="365106">
+                <a:tc>
                   <a:txBody>
                     <a:bodyPr/>
                     <a:lstStyle/>
                     <a:p>
                       <a:r>
-                        <a:rPr lang="en-US" altLang="zh-CN" dirty="0"/>
-                        <a:t>Method:</a:t>
+                        <a:rPr lang="en-US" altLang="zh-CN" sz="900" b="0" i="0" dirty="0">
+                          <a:latin typeface="Arial" panose="020B0604020202090204" pitchFamily="34" charset="0"/>
+                          <a:ea typeface="宋体" panose="02010600030101010101" pitchFamily="2" charset="-122"/>
+                          <a:cs typeface="Arial" panose="020B0604020202090204" pitchFamily="34" charset="0"/>
+                        </a:rPr>
+                        <a:t>Fixture Positioning</a:t>
                       </a:r>
-                      <a:endParaRPr lang="en-US" altLang="zh-CN" dirty="0"/>
+                      <a:endParaRPr lang="zh-CN" altLang="en-US" sz="900" b="0" i="0" dirty="0">
+                        <a:latin typeface="Arial" panose="020B0604020202090204" pitchFamily="34" charset="0"/>
+                        <a:ea typeface="宋体" panose="02010600030101010101" pitchFamily="2" charset="-122"/>
+                        <a:cs typeface="Arial" panose="020B0604020202090204" pitchFamily="34" charset="0"/>
+                      </a:endParaRPr>
+                    </a:p>
+                  </a:txBody>
+                  <a:tcPr>
+                    <a:lnL w="6350" cap="flat" cmpd="sng" algn="ctr">
+                      <a:solidFill>
+                        <a:schemeClr val="tx1"/>
+                      </a:solidFill>
+                      <a:prstDash val="solid"/>
+                      <a:round/>
+                      <a:headEnd type="none" w="med" len="med"/>
+                      <a:tailEnd type="none" w="med" len="med"/>
+                    </a:lnL>
+                    <a:lnR w="6350" cap="flat" cmpd="sng" algn="ctr">
+                      <a:solidFill>
+                        <a:schemeClr val="tx1"/>
+                      </a:solidFill>
+                      <a:prstDash val="solid"/>
+                      <a:round/>
+                      <a:headEnd type="none" w="med" len="med"/>
+                      <a:tailEnd type="none" w="med" len="med"/>
+                    </a:lnR>
+                    <a:lnT w="6350" cap="flat" cmpd="sng" algn="ctr">
+                      <a:solidFill>
+                        <a:schemeClr val="tx1"/>
+                      </a:solidFill>
+                      <a:prstDash val="solid"/>
+                      <a:round/>
+                      <a:headEnd type="none" w="med" len="med"/>
+                      <a:tailEnd type="none" w="med" len="med"/>
+                    </a:lnT>
+                    <a:lnB w="6350" cap="flat" cmpd="sng" algn="ctr">
+                      <a:solidFill>
+                        <a:schemeClr val="tx1"/>
+                      </a:solidFill>
+                      <a:prstDash val="solid"/>
+                      <a:round/>
+                      <a:headEnd type="none" w="med" len="med"/>
+                      <a:tailEnd type="none" w="med" len="med"/>
+                    </a:lnB>
+                    <a:lnTlToBr w="12700" cmpd="sng">
+                      <a:noFill/>
+                      <a:prstDash val="solid"/>
+                    </a:lnTlToBr>
+                    <a:lnBlToTr w="12700" cmpd="sng">
+                      <a:noFill/>
+                      <a:prstDash val="solid"/>
+                    </a:lnBlToTr>
+                    <a:solidFill>
+                      <a:schemeClr val="accent5">
+                        <a:lumMod val="60000"/>
+                        <a:lumOff val="40000"/>
+                      </a:schemeClr>
+                    </a:solidFill>
+                  </a:tcPr>
+                </a:tc>
+                <a:tc>
+                  <a:txBody>
+                    <a:bodyPr/>
+                    <a:lstStyle/>
+                    <a:p>
+                      <a:r>
+                        <a:rPr lang="en-US" altLang="zh-CN" sz="900" b="0" i="0" dirty="0">
+                          <a:latin typeface="Arial" panose="020B0604020202090204" pitchFamily="34" charset="0"/>
+                          <a:ea typeface="宋体" panose="02010600030101010101" pitchFamily="2" charset="-122"/>
+                          <a:cs typeface="Arial" panose="020B0604020202090204" pitchFamily="34" charset="0"/>
+                        </a:rPr>
+                        <a:t>Vacuum adsorption</a:t>
+                      </a:r>
+                      <a:endParaRPr lang="zh-CN" altLang="en-US" sz="900" b="0" i="0" dirty="0">
+                        <a:latin typeface="Arial" panose="020B0604020202090204" pitchFamily="34" charset="0"/>
+                        <a:ea typeface="宋体" panose="02010600030101010101" pitchFamily="2" charset="-122"/>
+                        <a:cs typeface="Arial" panose="020B0604020202090204" pitchFamily="34" charset="0"/>
+                      </a:endParaRPr>
+                    </a:p>
+                  </a:txBody>
+                  <a:tcPr>
+                    <a:lnL w="6350" cap="flat" cmpd="sng" algn="ctr">
+                      <a:solidFill>
+                        <a:schemeClr val="tx1"/>
+                      </a:solidFill>
+                      <a:prstDash val="solid"/>
+                      <a:round/>
+                      <a:headEnd type="none" w="med" len="med"/>
+                      <a:tailEnd type="none" w="med" len="med"/>
+                    </a:lnL>
+                    <a:lnR w="6350" cap="flat" cmpd="sng" algn="ctr">
+                      <a:solidFill>
+                        <a:schemeClr val="tx1"/>
+                      </a:solidFill>
+                      <a:prstDash val="solid"/>
+                      <a:round/>
+                      <a:headEnd type="none" w="med" len="med"/>
+                      <a:tailEnd type="none" w="med" len="med"/>
+                    </a:lnR>
+                    <a:lnT w="6350" cap="flat" cmpd="sng" algn="ctr">
+                      <a:solidFill>
+                        <a:schemeClr val="tx1"/>
+                      </a:solidFill>
+                      <a:prstDash val="solid"/>
+                      <a:round/>
+                      <a:headEnd type="none" w="med" len="med"/>
+                      <a:tailEnd type="none" w="med" len="med"/>
+                    </a:lnT>
+                    <a:lnB w="6350" cap="flat" cmpd="sng" algn="ctr">
+                      <a:solidFill>
+                        <a:schemeClr val="tx1"/>
+                      </a:solidFill>
+                      <a:prstDash val="solid"/>
+                      <a:round/>
+                      <a:headEnd type="none" w="med" len="med"/>
+                      <a:tailEnd type="none" w="med" len="med"/>
+                    </a:lnB>
+                    <a:lnTlToBr w="12700" cmpd="sng">
+                      <a:noFill/>
+                      <a:prstDash val="solid"/>
+                    </a:lnTlToBr>
+                    <a:lnBlToTr w="12700" cmpd="sng">
+                      <a:noFill/>
+                      <a:prstDash val="solid"/>
+                    </a:lnBlToTr>
+                  </a:tcPr>
+                </a:tc>
+              </a:tr>
+              <a:tr h="365106">
+                <a:tc>
+                  <a:txBody>
+                    <a:bodyPr/>
+                    <a:lstStyle/>
+                    <a:p>
+                      <a:r>
+                        <a:rPr lang="en-US" altLang="zh-CN" sz="900" b="0" i="0" dirty="0">
+                          <a:latin typeface="Arial" panose="020B0604020202090204" pitchFamily="34" charset="0"/>
+                          <a:ea typeface="宋体" panose="02010600030101010101" pitchFamily="2" charset="-122"/>
+                          <a:cs typeface="Arial" panose="020B0604020202090204" pitchFamily="34" charset="0"/>
+                        </a:rPr>
+                        <a:t>Reference Datums</a:t>
+                      </a:r>
+                      <a:endParaRPr lang="zh-CN" altLang="en-US" sz="900" b="0" i="0" dirty="0">
+                        <a:latin typeface="Arial" panose="020B0604020202090204" pitchFamily="34" charset="0"/>
+                        <a:ea typeface="宋体" panose="02010600030101010101" pitchFamily="2" charset="-122"/>
+                        <a:cs typeface="Arial" panose="020B0604020202090204" pitchFamily="34" charset="0"/>
+                      </a:endParaRPr>
+                    </a:p>
+                  </a:txBody>
+                  <a:tcPr>
+                    <a:lnL w="6350" cap="flat" cmpd="sng" algn="ctr">
+                      <a:solidFill>
+                        <a:schemeClr val="tx1"/>
+                      </a:solidFill>
+                      <a:prstDash val="solid"/>
+                      <a:round/>
+                      <a:headEnd type="none" w="med" len="med"/>
+                      <a:tailEnd type="none" w="med" len="med"/>
+                    </a:lnL>
+                    <a:lnR w="6350" cap="flat" cmpd="sng" algn="ctr">
+                      <a:solidFill>
+                        <a:schemeClr val="tx1"/>
+                      </a:solidFill>
+                      <a:prstDash val="solid"/>
+                      <a:round/>
+                      <a:headEnd type="none" w="med" len="med"/>
+                      <a:tailEnd type="none" w="med" len="med"/>
+                    </a:lnR>
+                    <a:lnT w="6350" cap="flat" cmpd="sng" algn="ctr">
+                      <a:solidFill>
+                        <a:schemeClr val="tx1"/>
+                      </a:solidFill>
+                      <a:prstDash val="solid"/>
+                      <a:round/>
+                      <a:headEnd type="none" w="med" len="med"/>
+                      <a:tailEnd type="none" w="med" len="med"/>
+                    </a:lnT>
+                    <a:lnB w="6350" cap="flat" cmpd="sng" algn="ctr">
+                      <a:solidFill>
+                        <a:schemeClr val="tx1"/>
+                      </a:solidFill>
+                      <a:prstDash val="solid"/>
+                      <a:round/>
+                      <a:headEnd type="none" w="med" len="med"/>
+                      <a:tailEnd type="none" w="med" len="med"/>
+                    </a:lnB>
+                    <a:lnTlToBr w="12700" cmpd="sng">
+                      <a:noFill/>
+                      <a:prstDash val="solid"/>
+                    </a:lnTlToBr>
+                    <a:lnBlToTr w="12700" cmpd="sng">
+                      <a:noFill/>
+                      <a:prstDash val="solid"/>
+                    </a:lnBlToTr>
+                    <a:solidFill>
+                      <a:schemeClr val="accent5">
+                        <a:lumMod val="60000"/>
+                        <a:lumOff val="40000"/>
+                      </a:schemeClr>
+                    </a:solidFill>
+                  </a:tcPr>
+                </a:tc>
+                <a:tc>
+                  <a:txBody>
+                    <a:bodyPr/>
+                    <a:lstStyle/>
+                    <a:p>
+                      <a:r>
+                        <a:rPr lang="en-US" altLang="zh-CN" sz="900" b="0" i="0" dirty="0">
+                          <a:latin typeface="Arial" panose="020B0604020202090204" pitchFamily="34" charset="0"/>
+                          <a:ea typeface="宋体" panose="02010600030101010101" pitchFamily="2" charset="-122"/>
+                          <a:cs typeface="Arial" panose="020B0604020202090204" pitchFamily="34" charset="0"/>
+                        </a:rPr>
+                        <a:t>A+B+C</a:t>
+                      </a:r>
+                      <a:endParaRPr lang="zh-CN" altLang="en-US" sz="900" b="0" i="0" dirty="0">
+                        <a:latin typeface="Arial" panose="020B0604020202090204" pitchFamily="34" charset="0"/>
+                        <a:ea typeface="宋体" panose="02010600030101010101" pitchFamily="2" charset="-122"/>
+                        <a:cs typeface="Arial" panose="020B0604020202090204" pitchFamily="34" charset="0"/>
+                      </a:endParaRPr>
+                    </a:p>
+                  </a:txBody>
+                  <a:tcPr>
+                    <a:lnL w="6350" cap="flat" cmpd="sng" algn="ctr">
+                      <a:solidFill>
+                        <a:schemeClr val="tx1"/>
+                      </a:solidFill>
+                      <a:prstDash val="solid"/>
+                      <a:round/>
+                      <a:headEnd type="none" w="med" len="med"/>
+                      <a:tailEnd type="none" w="med" len="med"/>
+                    </a:lnL>
+                    <a:lnR w="6350" cap="flat" cmpd="sng" algn="ctr">
+                      <a:solidFill>
+                        <a:schemeClr val="tx1"/>
+                      </a:solidFill>
+                      <a:prstDash val="solid"/>
+                      <a:round/>
+                      <a:headEnd type="none" w="med" len="med"/>
+                      <a:tailEnd type="none" w="med" len="med"/>
+                    </a:lnR>
+                    <a:lnT w="6350" cap="flat" cmpd="sng" algn="ctr">
+                      <a:solidFill>
+                        <a:schemeClr val="tx1"/>
+                      </a:solidFill>
+                      <a:prstDash val="solid"/>
+                      <a:round/>
+                      <a:headEnd type="none" w="med" len="med"/>
+                      <a:tailEnd type="none" w="med" len="med"/>
+                    </a:lnT>
+                    <a:lnB w="6350" cap="flat" cmpd="sng" algn="ctr">
+                      <a:solidFill>
+                        <a:schemeClr val="tx1"/>
+                      </a:solidFill>
+                      <a:prstDash val="solid"/>
+                      <a:round/>
+                      <a:headEnd type="none" w="med" len="med"/>
+                      <a:tailEnd type="none" w="med" len="med"/>
+                    </a:lnB>
+                    <a:lnTlToBr w="12700" cmpd="sng">
+                      <a:noFill/>
+                      <a:prstDash val="solid"/>
+                    </a:lnTlToBr>
+                    <a:lnBlToTr w="12700" cmpd="sng">
+                      <a:noFill/>
+                      <a:prstDash val="solid"/>
+                    </a:lnBlToTr>
+                  </a:tcPr>
+                </a:tc>
+              </a:tr>
+              <a:tr h="365106">
+                <a:tc>
+                  <a:txBody>
+                    <a:bodyPr/>
+                    <a:lstStyle/>
+                    <a:p>
+                      <a:r>
+                        <a:rPr lang="en-US" altLang="zh-CN" sz="900" b="0" i="0" dirty="0">
+                          <a:latin typeface="Arial" panose="020B0604020202090204" pitchFamily="34" charset="0"/>
+                          <a:ea typeface="宋体" panose="02010600030101010101" pitchFamily="2" charset="-122"/>
+                          <a:cs typeface="Arial" panose="020B0604020202090204" pitchFamily="34" charset="0"/>
+                        </a:rPr>
+                        <a:t>Reporting Output</a:t>
+                      </a:r>
+                      <a:endParaRPr lang="zh-CN" altLang="en-US" sz="900" b="0" i="0" dirty="0">
+                        <a:latin typeface="Arial" panose="020B0604020202090204" pitchFamily="34" charset="0"/>
+                        <a:ea typeface="宋体" panose="02010600030101010101" pitchFamily="2" charset="-122"/>
+                        <a:cs typeface="Arial" panose="020B0604020202090204" pitchFamily="34" charset="0"/>
+                      </a:endParaRPr>
+                    </a:p>
+                  </a:txBody>
+                  <a:tcPr>
+                    <a:lnL w="6350" cap="flat" cmpd="sng" algn="ctr">
+                      <a:solidFill>
+                        <a:schemeClr val="tx1"/>
+                      </a:solidFill>
+                      <a:prstDash val="solid"/>
+                      <a:round/>
+                      <a:headEnd type="none" w="med" len="med"/>
+                      <a:tailEnd type="none" w="med" len="med"/>
+                    </a:lnL>
+                    <a:lnR w="6350" cap="flat" cmpd="sng" algn="ctr">
+                      <a:solidFill>
+                        <a:schemeClr val="tx1"/>
+                      </a:solidFill>
+                      <a:prstDash val="solid"/>
+                      <a:round/>
+                      <a:headEnd type="none" w="med" len="med"/>
+                      <a:tailEnd type="none" w="med" len="med"/>
+                    </a:lnR>
+                    <a:lnT w="6350" cap="flat" cmpd="sng" algn="ctr">
+                      <a:solidFill>
+                        <a:schemeClr val="tx1"/>
+                      </a:solidFill>
+                      <a:prstDash val="solid"/>
+                      <a:round/>
+                      <a:headEnd type="none" w="med" len="med"/>
+                      <a:tailEnd type="none" w="med" len="med"/>
+                    </a:lnT>
+                    <a:lnB w="6350" cap="flat" cmpd="sng" algn="ctr">
+                      <a:solidFill>
+                        <a:schemeClr val="tx1"/>
+                      </a:solidFill>
+                      <a:prstDash val="solid"/>
+                      <a:round/>
+                      <a:headEnd type="none" w="med" len="med"/>
+                      <a:tailEnd type="none" w="med" len="med"/>
+                    </a:lnB>
+                    <a:lnTlToBr w="12700" cmpd="sng">
+                      <a:noFill/>
+                      <a:prstDash val="solid"/>
+                    </a:lnTlToBr>
+                    <a:lnBlToTr w="12700" cmpd="sng">
+                      <a:noFill/>
+                      <a:prstDash val="solid"/>
+                    </a:lnBlToTr>
+                    <a:solidFill>
+                      <a:schemeClr val="accent5">
+                        <a:lumMod val="60000"/>
+                        <a:lumOff val="40000"/>
+                      </a:schemeClr>
+                    </a:solidFill>
+                  </a:tcPr>
+                </a:tc>
+                <a:tc>
+                  <a:txBody>
+                    <a:bodyPr/>
+                    <a:lstStyle/>
+                    <a:p>
+                      <a:r>
+                        <a:rPr lang="en-US" altLang="zh-CN" sz="900" b="0" i="0" dirty="0">
+                          <a:latin typeface="Arial" panose="020B0604020202090204" pitchFamily="34" charset="0"/>
+                          <a:ea typeface="宋体" panose="02010600030101010101" pitchFamily="2" charset="-122"/>
+                          <a:cs typeface="Arial" panose="020B0604020202090204" pitchFamily="34" charset="0"/>
+                        </a:rPr>
+                        <a:t>3x SPC</a:t>
+                      </a:r>
+                      <a:endParaRPr lang="en-US" altLang="zh-CN" sz="900" b="0" i="0" dirty="0">
+                        <a:latin typeface="Arial" panose="020B0604020202090204" pitchFamily="34" charset="0"/>
+                        <a:ea typeface="宋体" panose="02010600030101010101" pitchFamily="2" charset="-122"/>
+                        <a:cs typeface="Arial" panose="020B0604020202090204" pitchFamily="34" charset="0"/>
+                      </a:endParaRPr>
                     </a:p>
                     <a:p>
                       <a:r>
-                        <a:rPr lang="en-US" altLang="zh-CN" dirty="0"/>
-                        <a:t>xxxxxxxxxxxxxxxxxxxxxxxxxxxxxxxxxxxxxxxxxxxxxxxxxxxxxxxxxxxxxxxxxxxxxxxxxxxxxxxxx</a:t>
+                        <a:rPr lang="en-US" altLang="zh-CN" sz="900" b="0" i="0" dirty="0">
+                          <a:latin typeface="Arial" panose="020B0604020202090204" pitchFamily="34" charset="0"/>
+                          <a:ea typeface="宋体" panose="02010600030101010101" pitchFamily="2" charset="-122"/>
+                          <a:cs typeface="Arial" panose="020B0604020202090204" pitchFamily="34" charset="0"/>
+                        </a:rPr>
+                        <a:t>6x raw data</a:t>
                       </a:r>
-                      <a:endParaRPr lang="zh-CN" altLang="en-US" dirty="0"/>
+                      <a:endParaRPr lang="zh-CN" altLang="en-US" sz="900" b="0" i="0" dirty="0">
+                        <a:latin typeface="Arial" panose="020B0604020202090204" pitchFamily="34" charset="0"/>
+                        <a:ea typeface="宋体" panose="02010600030101010101" pitchFamily="2" charset="-122"/>
+                        <a:cs typeface="Arial" panose="020B0604020202090204" pitchFamily="34" charset="0"/>
+                      </a:endParaRPr>
                     </a:p>
                   </a:txBody>
-                  <a:tcPr/>
+                  <a:tcPr>
+                    <a:lnL w="6350" cap="flat" cmpd="sng" algn="ctr">
+                      <a:solidFill>
+                        <a:schemeClr val="tx1"/>
+                      </a:solidFill>
+                      <a:prstDash val="solid"/>
+                      <a:round/>
+                      <a:headEnd type="none" w="med" len="med"/>
+                      <a:tailEnd type="none" w="med" len="med"/>
+                    </a:lnL>
+                    <a:lnR w="6350" cap="flat" cmpd="sng" algn="ctr">
+                      <a:solidFill>
+                        <a:schemeClr val="tx1"/>
+                      </a:solidFill>
+                      <a:prstDash val="solid"/>
+                      <a:round/>
+                      <a:headEnd type="none" w="med" len="med"/>
+                      <a:tailEnd type="none" w="med" len="med"/>
+                    </a:lnR>
+                    <a:lnT w="6350" cap="flat" cmpd="sng" algn="ctr">
+                      <a:solidFill>
+                        <a:schemeClr val="tx1"/>
+                      </a:solidFill>
+                      <a:prstDash val="solid"/>
+                      <a:round/>
+                      <a:headEnd type="none" w="med" len="med"/>
+                      <a:tailEnd type="none" w="med" len="med"/>
+                    </a:lnT>
+                    <a:lnB w="6350" cap="flat" cmpd="sng" algn="ctr">
+                      <a:solidFill>
+                        <a:schemeClr val="tx1"/>
+                      </a:solidFill>
+                      <a:prstDash val="solid"/>
+                      <a:round/>
+                      <a:headEnd type="none" w="med" len="med"/>
+                      <a:tailEnd type="none" w="med" len="med"/>
+                    </a:lnB>
+                    <a:lnTlToBr w="12700" cmpd="sng">
+                      <a:noFill/>
+                      <a:prstDash val="solid"/>
+                    </a:lnTlToBr>
+                    <a:lnBlToTr w="12700" cmpd="sng">
+                      <a:noFill/>
+                      <a:prstDash val="solid"/>
+                    </a:lnBlToTr>
+                  </a:tcPr>
                 </a:tc>
-                <a:tc hMerge="1">
-                  <a:tcPr/>
+              </a:tr>
+              <a:tr h="1082637">
+                <a:tc>
+                  <a:txBody>
+                    <a:bodyPr/>
+                    <a:lstStyle/>
+                    <a:p>
+                      <a:r>
+                        <a:rPr lang="en-US" altLang="zh-CN" sz="900" b="0" i="0" dirty="0">
+                          <a:latin typeface="Arial" panose="020B0604020202090204" pitchFamily="34" charset="0"/>
+                          <a:ea typeface="宋体" panose="02010600030101010101" pitchFamily="2" charset="-122"/>
+                          <a:cs typeface="Arial" panose="020B0604020202090204" pitchFamily="34" charset="0"/>
+                        </a:rPr>
+                        <a:t>Measurement Procedure</a:t>
+                      </a:r>
+                      <a:endParaRPr lang="zh-CN" altLang="en-US" sz="900" b="0" i="0" dirty="0">
+                        <a:latin typeface="Arial" panose="020B0604020202090204" pitchFamily="34" charset="0"/>
+                        <a:ea typeface="宋体" panose="02010600030101010101" pitchFamily="2" charset="-122"/>
+                        <a:cs typeface="Arial" panose="020B0604020202090204" pitchFamily="34" charset="0"/>
+                      </a:endParaRPr>
+                    </a:p>
+                  </a:txBody>
+                  <a:tcPr>
+                    <a:lnL w="6350" cap="flat" cmpd="sng" algn="ctr">
+                      <a:solidFill>
+                        <a:schemeClr val="tx1"/>
+                      </a:solidFill>
+                      <a:prstDash val="solid"/>
+                      <a:round/>
+                      <a:headEnd type="none" w="med" len="med"/>
+                      <a:tailEnd type="none" w="med" len="med"/>
+                    </a:lnL>
+                    <a:lnR w="6350" cap="flat" cmpd="sng" algn="ctr">
+                      <a:solidFill>
+                        <a:schemeClr val="tx1"/>
+                      </a:solidFill>
+                      <a:prstDash val="solid"/>
+                      <a:round/>
+                      <a:headEnd type="none" w="med" len="med"/>
+                      <a:tailEnd type="none" w="med" len="med"/>
+                    </a:lnR>
+                    <a:lnT w="6350" cap="flat" cmpd="sng" algn="ctr">
+                      <a:solidFill>
+                        <a:schemeClr val="tx1"/>
+                      </a:solidFill>
+                      <a:prstDash val="solid"/>
+                      <a:round/>
+                      <a:headEnd type="none" w="med" len="med"/>
+                      <a:tailEnd type="none" w="med" len="med"/>
+                    </a:lnT>
+                    <a:lnB w="6350" cap="flat" cmpd="sng" algn="ctr">
+                      <a:solidFill>
+                        <a:schemeClr val="tx1"/>
+                      </a:solidFill>
+                      <a:prstDash val="solid"/>
+                      <a:round/>
+                      <a:headEnd type="none" w="med" len="med"/>
+                      <a:tailEnd type="none" w="med" len="med"/>
+                    </a:lnB>
+                    <a:lnTlToBr w="12700" cmpd="sng">
+                      <a:noFill/>
+                      <a:prstDash val="solid"/>
+                    </a:lnTlToBr>
+                    <a:lnBlToTr w="12700" cmpd="sng">
+                      <a:noFill/>
+                      <a:prstDash val="solid"/>
+                    </a:lnBlToTr>
+                    <a:solidFill>
+                      <a:schemeClr val="accent5">
+                        <a:lumMod val="60000"/>
+                        <a:lumOff val="40000"/>
+                      </a:schemeClr>
+                    </a:solidFill>
+                  </a:tcPr>
+                </a:tc>
+                <a:tc>
+                  <a:txBody>
+                    <a:bodyPr/>
+                    <a:lstStyle/>
+                    <a:p>
+                      <a:r>
+                        <a:rPr lang="en-US" altLang="zh-CN" sz="900" b="0" i="0" dirty="0">
+                          <a:latin typeface="Arial" panose="020B0604020202090204" pitchFamily="34" charset="0"/>
+                          <a:ea typeface="宋体" panose="02010600030101010101" pitchFamily="2" charset="-122"/>
+                          <a:cs typeface="Arial" panose="020B0604020202090204" pitchFamily="34" charset="0"/>
+                        </a:rPr>
+                        <a:t>1. Capture 2 points (S1&amp;S2) as picture right</a:t>
+                      </a:r>
+                      <a:endParaRPr lang="en-US" altLang="zh-CN" sz="900" b="0" i="0" dirty="0">
+                        <a:latin typeface="Arial" panose="020B0604020202090204" pitchFamily="34" charset="0"/>
+                        <a:ea typeface="宋体" panose="02010600030101010101" pitchFamily="2" charset="-122"/>
+                        <a:cs typeface="Arial" panose="020B0604020202090204" pitchFamily="34" charset="0"/>
+                      </a:endParaRPr>
+                    </a:p>
+                  </a:txBody>
+                  <a:tcPr>
+                    <a:lnL w="6350" cap="flat" cmpd="sng" algn="ctr">
+                      <a:solidFill>
+                        <a:schemeClr val="tx1"/>
+                      </a:solidFill>
+                      <a:prstDash val="solid"/>
+                      <a:round/>
+                      <a:headEnd type="none" w="med" len="med"/>
+                      <a:tailEnd type="none" w="med" len="med"/>
+                    </a:lnL>
+                    <a:lnR w="6350" cap="flat" cmpd="sng" algn="ctr">
+                      <a:solidFill>
+                        <a:schemeClr val="tx1"/>
+                      </a:solidFill>
+                      <a:prstDash val="solid"/>
+                      <a:round/>
+                      <a:headEnd type="none" w="med" len="med"/>
+                      <a:tailEnd type="none" w="med" len="med"/>
+                    </a:lnR>
+                    <a:lnT w="6350" cap="flat" cmpd="sng" algn="ctr">
+                      <a:solidFill>
+                        <a:schemeClr val="tx1"/>
+                      </a:solidFill>
+                      <a:prstDash val="solid"/>
+                      <a:round/>
+                      <a:headEnd type="none" w="med" len="med"/>
+                      <a:tailEnd type="none" w="med" len="med"/>
+                    </a:lnT>
+                    <a:lnB w="6350" cap="flat" cmpd="sng" algn="ctr">
+                      <a:solidFill>
+                        <a:schemeClr val="tx1"/>
+                      </a:solidFill>
+                      <a:prstDash val="solid"/>
+                      <a:round/>
+                      <a:headEnd type="none" w="med" len="med"/>
+                      <a:tailEnd type="none" w="med" len="med"/>
+                    </a:lnB>
+                    <a:lnTlToBr w="12700" cmpd="sng">
+                      <a:noFill/>
+                      <a:prstDash val="solid"/>
+                    </a:lnTlToBr>
+                    <a:lnBlToTr w="12700" cmpd="sng">
+                      <a:noFill/>
+                      <a:prstDash val="solid"/>
+                    </a:lnBlToTr>
+                  </a:tcPr>
+                </a:tc>
+              </a:tr>
+              <a:tr h="1103523">
+                <a:tc>
+                  <a:txBody>
+                    <a:bodyPr/>
+                    <a:lstStyle/>
+                    <a:p>
+                      <a:r>
+                        <a:rPr lang="en-US" altLang="zh-CN" sz="900" b="0" i="0" dirty="0">
+                          <a:latin typeface="Arial" panose="020B0604020202090204" pitchFamily="34" charset="0"/>
+                          <a:ea typeface="宋体" panose="02010600030101010101" pitchFamily="2" charset="-122"/>
+                          <a:cs typeface="Arial" panose="020B0604020202090204" pitchFamily="34" charset="0"/>
+                        </a:rPr>
+                        <a:t>Calculation Method</a:t>
+                      </a:r>
+                      <a:endParaRPr lang="zh-CN" altLang="en-US" sz="900" b="0" i="0" dirty="0">
+                        <a:latin typeface="Arial" panose="020B0604020202090204" pitchFamily="34" charset="0"/>
+                        <a:ea typeface="宋体" panose="02010600030101010101" pitchFamily="2" charset="-122"/>
+                        <a:cs typeface="Arial" panose="020B0604020202090204" pitchFamily="34" charset="0"/>
+                      </a:endParaRPr>
+                    </a:p>
+                  </a:txBody>
+                  <a:tcPr>
+                    <a:lnL w="6350" cap="flat" cmpd="sng" algn="ctr">
+                      <a:solidFill>
+                        <a:schemeClr val="tx1"/>
+                      </a:solidFill>
+                      <a:prstDash val="solid"/>
+                      <a:round/>
+                      <a:headEnd type="none" w="med" len="med"/>
+                      <a:tailEnd type="none" w="med" len="med"/>
+                    </a:lnL>
+                    <a:lnR w="6350" cap="flat" cmpd="sng" algn="ctr">
+                      <a:solidFill>
+                        <a:schemeClr val="tx1"/>
+                      </a:solidFill>
+                      <a:prstDash val="solid"/>
+                      <a:round/>
+                      <a:headEnd type="none" w="med" len="med"/>
+                      <a:tailEnd type="none" w="med" len="med"/>
+                    </a:lnR>
+                    <a:lnT w="6350" cap="flat" cmpd="sng" algn="ctr">
+                      <a:solidFill>
+                        <a:schemeClr val="tx1"/>
+                      </a:solidFill>
+                      <a:prstDash val="solid"/>
+                      <a:round/>
+                      <a:headEnd type="none" w="med" len="med"/>
+                      <a:tailEnd type="none" w="med" len="med"/>
+                    </a:lnT>
+                    <a:lnB w="6350" cap="flat" cmpd="sng" algn="ctr">
+                      <a:solidFill>
+                        <a:schemeClr val="tx1"/>
+                      </a:solidFill>
+                      <a:prstDash val="solid"/>
+                      <a:round/>
+                      <a:headEnd type="none" w="med" len="med"/>
+                      <a:tailEnd type="none" w="med" len="med"/>
+                    </a:lnB>
+                    <a:lnTlToBr w="12700" cmpd="sng">
+                      <a:noFill/>
+                      <a:prstDash val="solid"/>
+                    </a:lnTlToBr>
+                    <a:lnBlToTr w="12700" cmpd="sng">
+                      <a:noFill/>
+                      <a:prstDash val="solid"/>
+                    </a:lnBlToTr>
+                    <a:solidFill>
+                      <a:schemeClr val="accent5">
+                        <a:lumMod val="60000"/>
+                        <a:lumOff val="40000"/>
+                      </a:schemeClr>
+                    </a:solidFill>
+                  </a:tcPr>
+                </a:tc>
+                <a:tc>
+                  <a:txBody>
+                    <a:bodyPr/>
+                    <a:lstStyle/>
+                    <a:p>
+                      <a:r>
+                        <a:rPr lang="en-US" altLang="zh-CN" sz="900" b="0" i="0" dirty="0">
+                          <a:latin typeface="Arial" panose="020B0604020202090204" pitchFamily="34" charset="0"/>
+                          <a:ea typeface="宋体" panose="02010600030101010101" pitchFamily="2" charset="-122"/>
+                          <a:cs typeface="Arial" panose="020B0604020202090204" pitchFamily="34" charset="0"/>
+                        </a:rPr>
+                        <a:t>1. SPC EW_IXY_1 : Calculate the distance from S1 to S2 in orientation X.</a:t>
+                      </a:r>
+                      <a:endParaRPr lang="en-US" altLang="zh-CN" sz="900" b="0" i="0" dirty="0">
+                        <a:latin typeface="Arial" panose="020B0604020202090204" pitchFamily="34" charset="0"/>
+                        <a:ea typeface="宋体" panose="02010600030101010101" pitchFamily="2" charset="-122"/>
+                        <a:cs typeface="Arial" panose="020B0604020202090204" pitchFamily="34" charset="0"/>
+                      </a:endParaRPr>
+                    </a:p>
+                    <a:p>
+                      <a:r>
+                        <a:rPr lang="en-US" altLang="zh-CN" sz="900" b="0" i="0" dirty="0">
+                          <a:latin typeface="Arial" panose="020B0604020202090204" pitchFamily="34" charset="0"/>
+                          <a:ea typeface="宋体" panose="02010600030101010101" pitchFamily="2" charset="-122"/>
+                          <a:cs typeface="Arial" panose="020B0604020202090204" pitchFamily="34" charset="0"/>
+                        </a:rPr>
+                        <a:t>2. The same method for other locations(IXY_2,IXY_3).</a:t>
+                      </a:r>
+                      <a:endParaRPr lang="en-US" altLang="zh-CN" sz="900" b="0" i="0" dirty="0">
+                        <a:latin typeface="Arial" panose="020B0604020202090204" pitchFamily="34" charset="0"/>
+                        <a:ea typeface="宋体" panose="02010600030101010101" pitchFamily="2" charset="-122"/>
+                        <a:cs typeface="Arial" panose="020B0604020202090204" pitchFamily="34" charset="0"/>
+                      </a:endParaRPr>
+                    </a:p>
+                  </a:txBody>
+                  <a:tcPr>
+                    <a:lnL w="6350" cap="flat" cmpd="sng" algn="ctr">
+                      <a:solidFill>
+                        <a:schemeClr val="tx1"/>
+                      </a:solidFill>
+                      <a:prstDash val="solid"/>
+                      <a:round/>
+                      <a:headEnd type="none" w="med" len="med"/>
+                      <a:tailEnd type="none" w="med" len="med"/>
+                    </a:lnL>
+                    <a:lnR w="6350" cap="flat" cmpd="sng" algn="ctr">
+                      <a:solidFill>
+                        <a:schemeClr val="tx1"/>
+                      </a:solidFill>
+                      <a:prstDash val="solid"/>
+                      <a:round/>
+                      <a:headEnd type="none" w="med" len="med"/>
+                      <a:tailEnd type="none" w="med" len="med"/>
+                    </a:lnR>
+                    <a:lnT w="6350" cap="flat" cmpd="sng" algn="ctr">
+                      <a:solidFill>
+                        <a:schemeClr val="tx1"/>
+                      </a:solidFill>
+                      <a:prstDash val="solid"/>
+                      <a:round/>
+                      <a:headEnd type="none" w="med" len="med"/>
+                      <a:tailEnd type="none" w="med" len="med"/>
+                    </a:lnT>
+                    <a:lnB w="6350" cap="flat" cmpd="sng" algn="ctr">
+                      <a:solidFill>
+                        <a:schemeClr val="tx1"/>
+                      </a:solidFill>
+                      <a:prstDash val="solid"/>
+                      <a:round/>
+                      <a:headEnd type="none" w="med" len="med"/>
+                      <a:tailEnd type="none" w="med" len="med"/>
+                    </a:lnB>
+                    <a:lnTlToBr w="12700" cmpd="sng">
+                      <a:noFill/>
+                      <a:prstDash val="solid"/>
+                    </a:lnTlToBr>
+                    <a:lnBlToTr w="12700" cmpd="sng">
+                      <a:noFill/>
+                      <a:prstDash val="solid"/>
+                    </a:lnBlToTr>
+                  </a:tcPr>
                 </a:tc>
               </a:tr>
             </a:tbl>
           </a:graphicData>
         </a:graphic>
       </p:graphicFrame>
+      <p:sp>
+        <p:nvSpPr>
+          <p:cNvPr id="7" name="文本框 6"/>
+          <p:cNvSpPr txBox="1"/>
+          <p:nvPr/>
+        </p:nvSpPr>
+        <p:spPr>
+          <a:xfrm>
+            <a:off x="93918" y="105559"/>
+            <a:ext cx="6096000" cy="369332"/>
+          </a:xfrm>
+          <a:prstGeom prst="rect">
+            <a:avLst/>
+          </a:prstGeom>
+          <a:noFill/>
+        </p:spPr>
+        <p:txBody>
+          <a:bodyPr wrap="square">
+            <a:spAutoFit/>
+          </a:bodyPr>
+          <a:lstStyle/>
+          <a:p>
+            <a:r>
+              <a:rPr lang="zh-CN" altLang="en-US" dirty="0">
+                <a:solidFill>
+                  <a:srgbClr val="0070C0"/>
+                </a:solidFill>
+                <a:latin typeface="Arial" panose="020B0604020202090204" pitchFamily="34" charset="0"/>
+                <a:cs typeface="Arial" panose="020B0604020202090204" pitchFamily="34" charset="0"/>
+              </a:rPr>
+              <a:t>J5</a:t>
+            </a:r>
+            <a:r>
+              <a:rPr lang="en-US" altLang="zh-CN" dirty="0">
+                <a:solidFill>
+                  <a:srgbClr val="0070C0"/>
+                </a:solidFill>
+                <a:latin typeface="Arial" panose="020B0604020202090204" pitchFamily="34" charset="0"/>
+                <a:cs typeface="Arial" panose="020B0604020202090204" pitchFamily="34" charset="0"/>
+              </a:rPr>
+              <a:t>0</a:t>
+            </a:r>
+            <a:r>
+              <a:rPr lang="zh-CN" altLang="en-US" dirty="0">
+                <a:solidFill>
+                  <a:srgbClr val="0070C0"/>
+                </a:solidFill>
+                <a:latin typeface="Arial" panose="020B0604020202090204" pitchFamily="34" charset="0"/>
+                <a:cs typeface="Arial" panose="020B0604020202090204" pitchFamily="34" charset="0"/>
+              </a:rPr>
+              <a:t>7</a:t>
+            </a:r>
+            <a:r>
+              <a:rPr lang="zh-CN" altLang="en-US" dirty="0">
+                <a:latin typeface="Arial" panose="020B0604020202090204" pitchFamily="34" charset="0"/>
+                <a:cs typeface="Arial" panose="020B0604020202090204" pitchFamily="34" charset="0"/>
+              </a:rPr>
+              <a:t> </a:t>
+            </a:r>
+            <a:r>
+              <a:rPr lang="en-US" altLang="zh-CN" dirty="0">
+                <a:latin typeface="Arial" panose="020B0604020202090204" pitchFamily="34" charset="0"/>
+                <a:cs typeface="Arial" panose="020B0604020202090204" pitchFamily="34" charset="0"/>
+              </a:rPr>
+              <a:t>MTD </a:t>
+            </a:r>
+            <a:r>
+              <a:rPr lang="zh-CN" altLang="en-US" dirty="0">
+                <a:latin typeface="Arial" panose="020B0604020202090204" pitchFamily="34" charset="0"/>
+                <a:cs typeface="Arial" panose="020B0604020202090204" pitchFamily="34" charset="0"/>
+              </a:rPr>
+              <a:t>|</a:t>
+            </a:r>
+            <a:r>
+              <a:rPr lang="en-US" altLang="zh-CN" dirty="0">
+                <a:latin typeface="Arial" panose="020B0604020202090204" pitchFamily="34" charset="0"/>
+                <a:cs typeface="Arial" panose="020B0604020202090204" pitchFamily="34" charset="0"/>
+              </a:rPr>
+              <a:t> Details For SPCs</a:t>
+            </a:r>
+            <a:endParaRPr lang="zh-CN" altLang="en-US" dirty="0">
+              <a:latin typeface="Arial" panose="020B0604020202090204" pitchFamily="34" charset="0"/>
+              <a:cs typeface="Arial" panose="020B0604020202090204" pitchFamily="34" charset="0"/>
+            </a:endParaRPr>
+          </a:p>
+        </p:txBody>
+      </p:sp>
+      <p:sp>
+        <p:nvSpPr>
+          <p:cNvPr id="8" name="文本框 7"/>
+          <p:cNvSpPr txBox="1"/>
+          <p:nvPr/>
+        </p:nvSpPr>
+        <p:spPr>
+          <a:xfrm>
+            <a:off x="8902688" y="740689"/>
+            <a:ext cx="1238081" cy="246221"/>
+          </a:xfrm>
+          <a:prstGeom prst="rect">
+            <a:avLst/>
+          </a:prstGeom>
+          <a:noFill/>
+        </p:spPr>
+        <p:txBody>
+          <a:bodyPr wrap="square" rtlCol="0">
+            <a:spAutoFit/>
+          </a:bodyPr>
+          <a:lstStyle/>
+          <a:p>
+            <a:r>
+              <a:rPr kumimoji="1" lang="en-US" altLang="zh-CN" sz="1000" dirty="0">
+                <a:latin typeface="Arial" panose="020B0604020202090204" pitchFamily="34" charset="0"/>
+                <a:cs typeface="Arial" panose="020B0604020202090204" pitchFamily="34" charset="0"/>
+              </a:rPr>
+              <a:t>Fixture</a:t>
+            </a:r>
+            <a:endParaRPr kumimoji="1" lang="zh-CN" altLang="en-US" sz="1000" dirty="0">
+              <a:latin typeface="Arial" panose="020B0604020202090204" pitchFamily="34" charset="0"/>
+              <a:cs typeface="Arial" panose="020B0604020202090204" pitchFamily="34" charset="0"/>
+            </a:endParaRPr>
+          </a:p>
+        </p:txBody>
+      </p:sp>
+      <p:sp>
+        <p:nvSpPr>
+          <p:cNvPr id="9" name="文本框 8"/>
+          <p:cNvSpPr txBox="1"/>
+          <p:nvPr/>
+        </p:nvSpPr>
+        <p:spPr>
+          <a:xfrm>
+            <a:off x="4259177" y="662814"/>
+            <a:ext cx="1238081" cy="246221"/>
+          </a:xfrm>
+          <a:prstGeom prst="rect">
+            <a:avLst/>
+          </a:prstGeom>
+          <a:noFill/>
+        </p:spPr>
+        <p:txBody>
+          <a:bodyPr wrap="square" rtlCol="0">
+            <a:spAutoFit/>
+          </a:bodyPr>
+          <a:lstStyle/>
+          <a:p>
+            <a:r>
+              <a:rPr kumimoji="1" lang="en-US" altLang="zh-CN" sz="1000" dirty="0">
+                <a:latin typeface="Arial" panose="020B0604020202090204" pitchFamily="34" charset="0"/>
+                <a:cs typeface="Arial" panose="020B0604020202090204" pitchFamily="34" charset="0"/>
+              </a:rPr>
+              <a:t>Drawing Callout</a:t>
+            </a:r>
+            <a:endParaRPr kumimoji="1" lang="zh-CN" altLang="en-US" sz="1000" dirty="0">
+              <a:latin typeface="Arial" panose="020B0604020202090204" pitchFamily="34" charset="0"/>
+              <a:cs typeface="Arial" panose="020B0604020202090204" pitchFamily="34" charset="0"/>
+            </a:endParaRPr>
+          </a:p>
+        </p:txBody>
+      </p:sp>
+      <p:sp>
+        <p:nvSpPr>
+          <p:cNvPr id="10" name="文本框 9"/>
+          <p:cNvSpPr txBox="1"/>
+          <p:nvPr/>
+        </p:nvSpPr>
+        <p:spPr>
+          <a:xfrm>
+            <a:off x="4324443" y="3102238"/>
+            <a:ext cx="2016171" cy="246221"/>
+          </a:xfrm>
+          <a:prstGeom prst="rect">
+            <a:avLst/>
+          </a:prstGeom>
+          <a:noFill/>
+        </p:spPr>
+        <p:txBody>
+          <a:bodyPr wrap="square" rtlCol="0">
+            <a:spAutoFit/>
+          </a:bodyPr>
+          <a:lstStyle/>
+          <a:p>
+            <a:r>
+              <a:rPr kumimoji="1" lang="en-US" altLang="zh-CN" sz="1000" dirty="0">
+                <a:latin typeface="Arial" panose="020B0604020202090204" pitchFamily="34" charset="0"/>
+                <a:cs typeface="Arial" panose="020B0604020202090204" pitchFamily="34" charset="0"/>
+              </a:rPr>
+              <a:t>Measurement Description </a:t>
+            </a:r>
+            <a:endParaRPr kumimoji="1" lang="zh-CN" altLang="en-US" sz="1000" dirty="0">
+              <a:latin typeface="Arial" panose="020B0604020202090204" pitchFamily="34" charset="0"/>
+              <a:cs typeface="Arial" panose="020B0604020202090204" pitchFamily="34" charset="0"/>
+            </a:endParaRPr>
+          </a:p>
+        </p:txBody>
+      </p:sp>
+      <p:sp>
+        <p:nvSpPr>
+          <p:cNvPr id="11" name="矩形 10"/>
+          <p:cNvSpPr/>
+          <p:nvPr/>
+        </p:nvSpPr>
+        <p:spPr>
+          <a:xfrm>
+            <a:off x="4160550" y="598342"/>
+            <a:ext cx="7866693" cy="6057831"/>
+          </a:xfrm>
+          <a:prstGeom prst="rect">
+            <a:avLst/>
+          </a:prstGeom>
+          <a:noFill/>
+          <a:ln w="6350">
+            <a:solidFill>
+              <a:schemeClr val="tx1"/>
+            </a:solidFill>
+          </a:ln>
+        </p:spPr>
+        <p:style>
+          <a:lnRef idx="2">
+            <a:schemeClr val="accent1">
+              <a:shade val="50000"/>
+            </a:schemeClr>
+          </a:lnRef>
+          <a:fillRef idx="1">
+            <a:schemeClr val="accent1"/>
+          </a:fillRef>
+          <a:effectRef idx="0">
+            <a:schemeClr val="accent1"/>
+          </a:effectRef>
+          <a:fontRef idx="minor">
+            <a:schemeClr val="lt1"/>
+          </a:fontRef>
+        </p:style>
+        <p:txBody>
+          <a:bodyPr rtlCol="0" anchor="ctr"/>
+          <a:lstStyle/>
+          <a:p>
+            <a:pPr algn="ctr"/>
+            <a:endParaRPr kumimoji="1" lang="zh-CN" altLang="en-US"/>
+          </a:p>
+        </p:txBody>
+      </p:sp>
+      <p:pic>
+        <p:nvPicPr>
+          <p:cNvPr id="2" name="Picture 2"/>
+          <p:cNvPicPr>
+            <a:picLocks noChangeAspect="1" noChangeArrowheads="1"/>
+          </p:cNvPicPr>
+          <p:nvPr/>
+        </p:nvPicPr>
+        <p:blipFill>
+          <a:blip r:embed="rId2">
+            <a:extLst>
+              <a:ext uri="{28A0092B-C50C-407E-A947-70E740481C1C}">
+                <a14:useLocalDpi xmlns:a14="http://schemas.microsoft.com/office/drawing/2010/main" val="0"/>
+              </a:ext>
+            </a:extLst>
+          </a:blip>
+          <a:srcRect/>
+          <a:stretch>
+            <a:fillRect/>
+          </a:stretch>
+        </p:blipFill>
+        <p:spPr bwMode="auto">
+          <a:xfrm>
+            <a:off x="9008906" y="1072390"/>
+            <a:ext cx="2356022" cy="1555425"/>
+          </a:xfrm>
+          <a:prstGeom prst="rect">
+            <a:avLst/>
+          </a:prstGeom>
+          <a:noFill/>
+          <a:ln>
+            <a:noFill/>
+          </a:ln>
+          <a:effectLst/>
+          <a:extLst>
+            <a:ext uri="{909E8E84-426E-40DD-AFC4-6F175D3DCCD1}">
+              <a14:hiddenFill xmlns:a14="http://schemas.microsoft.com/office/drawing/2010/main">
+                <a:solidFill>
+                  <a:schemeClr val="accent1"/>
+                </a:solidFill>
+              </a14:hiddenFill>
+            </a:ext>
+            <a:ext uri="{91240B29-F687-4F45-9708-019B960494DF}">
+              <a14:hiddenLine xmlns:a14="http://schemas.microsoft.com/office/drawing/2010/main" w="9525">
+                <a:solidFill>
+                  <a:schemeClr val="tx1"/>
+                </a:solidFill>
+                <a:miter lim="800000"/>
+                <a:headEnd/>
+                <a:tailEnd/>
+              </a14:hiddenLine>
+            </a:ext>
+            <a:ext uri="{AF507438-7753-43E0-B8FC-AC1667EBCBE1}">
+              <a14:hiddenEffects xmlns:a14="http://schemas.microsoft.com/office/drawing/2010/main">
+                <a:effectLst>
+                  <a:outerShdw dist="35921" dir="2700000" algn="ctr" rotWithShape="0">
+                    <a:schemeClr val="bg2"/>
+                  </a:outerShdw>
+                </a:effectLst>
+              </a14:hiddenEffects>
+            </a:ext>
+          </a:extLst>
+        </p:spPr>
+      </p:pic>
+      <p:pic>
+        <p:nvPicPr>
+          <p:cNvPr id="24" name="图片 23"/>
+          <p:cNvPicPr>
+            <a:picLocks noChangeAspect="1"/>
+          </p:cNvPicPr>
+          <p:nvPr/>
+        </p:nvPicPr>
+        <p:blipFill>
+          <a:blip r:embed="rId3"/>
+          <a:stretch>
+            <a:fillRect/>
+          </a:stretch>
+        </p:blipFill>
+        <p:spPr>
+          <a:xfrm>
+            <a:off x="5669233" y="3607069"/>
+            <a:ext cx="2515204" cy="1002113"/>
+          </a:xfrm>
+          <a:prstGeom prst="rect">
+            <a:avLst/>
+          </a:prstGeom>
+        </p:spPr>
+      </p:pic>
+      <p:pic>
+        <p:nvPicPr>
+          <p:cNvPr id="1025" name="Picture 1" descr="page250image3878896"/>
+          <p:cNvPicPr>
+            <a:picLocks noChangeAspect="1" noChangeArrowheads="1"/>
+          </p:cNvPicPr>
+          <p:nvPr/>
+        </p:nvPicPr>
+        <p:blipFill>
+          <a:blip r:embed="rId4">
+            <a:extLst>
+              <a:ext uri="{28A0092B-C50C-407E-A947-70E740481C1C}">
+                <a14:useLocalDpi xmlns:a14="http://schemas.microsoft.com/office/drawing/2010/main" val="0"/>
+              </a:ext>
+            </a:extLst>
+          </a:blip>
+          <a:srcRect/>
+          <a:stretch>
+            <a:fillRect/>
+          </a:stretch>
+        </p:blipFill>
+        <p:spPr bwMode="auto">
+          <a:xfrm>
+            <a:off x="4492200" y="5172705"/>
+            <a:ext cx="5017551" cy="1086953"/>
+          </a:xfrm>
+          <a:prstGeom prst="rect">
+            <a:avLst/>
+          </a:prstGeom>
+          <a:noFill/>
+          <a:extLst>
+            <a:ext uri="{909E8E84-426E-40DD-AFC4-6F175D3DCCD1}">
+              <a14:hiddenFill xmlns:a14="http://schemas.microsoft.com/office/drawing/2010/main">
+                <a:solidFill>
+                  <a:srgbClr val="FFFFFF"/>
+                </a:solidFill>
+              </a14:hiddenFill>
+            </a:ext>
+          </a:extLst>
+        </p:spPr>
+      </p:pic>
+      <p:pic>
+        <p:nvPicPr>
+          <p:cNvPr id="25" name="图片 24"/>
+          <p:cNvPicPr>
+            <a:picLocks noChangeAspect="1"/>
+          </p:cNvPicPr>
+          <p:nvPr/>
+        </p:nvPicPr>
+        <p:blipFill>
+          <a:blip r:embed="rId5"/>
+          <a:stretch>
+            <a:fillRect/>
+          </a:stretch>
+        </p:blipFill>
+        <p:spPr>
+          <a:xfrm>
+            <a:off x="9906181" y="4075747"/>
+            <a:ext cx="1981201" cy="1640434"/>
+          </a:xfrm>
+          <a:prstGeom prst="rect">
+            <a:avLst/>
+          </a:prstGeom>
+        </p:spPr>
+      </p:pic>
+      <p:sp>
+        <p:nvSpPr>
+          <p:cNvPr id="26" name="橢圓 15"/>
+          <p:cNvSpPr/>
+          <p:nvPr/>
+        </p:nvSpPr>
+        <p:spPr>
+          <a:xfrm>
+            <a:off x="4337790" y="5513565"/>
+            <a:ext cx="428628" cy="642942"/>
+          </a:xfrm>
+          <a:prstGeom prst="ellipse">
+            <a:avLst/>
+          </a:prstGeom>
+          <a:noFill/>
+          <a:ln w="9525">
+            <a:solidFill>
+              <a:srgbClr val="FF0000"/>
+            </a:solidFill>
+            <a:prstDash val="sysDot"/>
+          </a:ln>
+        </p:spPr>
+        <p:style>
+          <a:lnRef idx="2">
+            <a:schemeClr val="accent1">
+              <a:shade val="50000"/>
+            </a:schemeClr>
+          </a:lnRef>
+          <a:fillRef idx="1">
+            <a:schemeClr val="accent1"/>
+          </a:fillRef>
+          <a:effectRef idx="0">
+            <a:schemeClr val="accent1"/>
+          </a:effectRef>
+          <a:fontRef idx="minor">
+            <a:schemeClr val="lt1"/>
+          </a:fontRef>
+        </p:style>
+        <p:txBody>
+          <a:bodyPr rtlCol="0" anchor="ctr"/>
+          <a:lstStyle/>
+          <a:p>
+            <a:pPr algn="ctr"/>
+            <a:endParaRPr lang="zh-TW" altLang="en-US" dirty="0"/>
+          </a:p>
+        </p:txBody>
+      </p:sp>
+      <p:cxnSp>
+        <p:nvCxnSpPr>
+          <p:cNvPr id="27" name="直線單箭頭接點 20"/>
+          <p:cNvCxnSpPr/>
+          <p:nvPr/>
+        </p:nvCxnSpPr>
+        <p:spPr>
+          <a:xfrm flipV="1">
+            <a:off x="4643437" y="4609182"/>
+            <a:ext cx="1025796" cy="945572"/>
+          </a:xfrm>
+          <a:prstGeom prst="straightConnector1">
+            <a:avLst/>
+          </a:prstGeom>
+          <a:ln>
+            <a:solidFill>
+              <a:srgbClr val="FF0000"/>
+            </a:solidFill>
+            <a:prstDash val="sysDot"/>
+            <a:tailEnd type="arrow"/>
+          </a:ln>
+        </p:spPr>
+        <p:style>
+          <a:lnRef idx="1">
+            <a:schemeClr val="accent1"/>
+          </a:lnRef>
+          <a:fillRef idx="0">
+            <a:schemeClr val="accent1"/>
+          </a:fillRef>
+          <a:effectRef idx="0">
+            <a:schemeClr val="accent1"/>
+          </a:effectRef>
+          <a:fontRef idx="minor">
+            <a:schemeClr val="tx1"/>
+          </a:fontRef>
+        </p:style>
+      </p:cxnSp>
+      <p:sp>
+        <p:nvSpPr>
+          <p:cNvPr id="29" name="橢圓 15"/>
+          <p:cNvSpPr/>
+          <p:nvPr/>
+        </p:nvSpPr>
+        <p:spPr>
+          <a:xfrm>
+            <a:off x="9181638" y="5480613"/>
+            <a:ext cx="428628" cy="642942"/>
+          </a:xfrm>
+          <a:prstGeom prst="ellipse">
+            <a:avLst/>
+          </a:prstGeom>
+          <a:noFill/>
+          <a:ln w="9525">
+            <a:solidFill>
+              <a:srgbClr val="FF0000"/>
+            </a:solidFill>
+            <a:prstDash val="sysDot"/>
+          </a:ln>
+        </p:spPr>
+        <p:style>
+          <a:lnRef idx="2">
+            <a:schemeClr val="accent1">
+              <a:shade val="50000"/>
+            </a:schemeClr>
+          </a:lnRef>
+          <a:fillRef idx="1">
+            <a:schemeClr val="accent1"/>
+          </a:fillRef>
+          <a:effectRef idx="0">
+            <a:schemeClr val="accent1"/>
+          </a:effectRef>
+          <a:fontRef idx="minor">
+            <a:schemeClr val="lt1"/>
+          </a:fontRef>
+        </p:style>
+        <p:txBody>
+          <a:bodyPr rtlCol="0" anchor="ctr"/>
+          <a:lstStyle/>
+          <a:p>
+            <a:pPr algn="ctr"/>
+            <a:endParaRPr lang="zh-TW" altLang="en-US" dirty="0"/>
+          </a:p>
+        </p:txBody>
+      </p:sp>
+      <p:cxnSp>
+        <p:nvCxnSpPr>
+          <p:cNvPr id="30" name="直線單箭頭接點 20"/>
+          <p:cNvCxnSpPr/>
+          <p:nvPr/>
+        </p:nvCxnSpPr>
+        <p:spPr>
+          <a:xfrm flipH="1" flipV="1">
+            <a:off x="8258532" y="4595909"/>
+            <a:ext cx="994650" cy="917656"/>
+          </a:xfrm>
+          <a:prstGeom prst="straightConnector1">
+            <a:avLst/>
+          </a:prstGeom>
+          <a:ln>
+            <a:solidFill>
+              <a:srgbClr val="FF0000"/>
+            </a:solidFill>
+            <a:prstDash val="sysDot"/>
+            <a:tailEnd type="arrow"/>
+          </a:ln>
+        </p:spPr>
+        <p:style>
+          <a:lnRef idx="1">
+            <a:schemeClr val="accent1"/>
+          </a:lnRef>
+          <a:fillRef idx="0">
+            <a:schemeClr val="accent1"/>
+          </a:fillRef>
+          <a:effectRef idx="0">
+            <a:schemeClr val="accent1"/>
+          </a:effectRef>
+          <a:fontRef idx="minor">
+            <a:schemeClr val="tx1"/>
+          </a:fontRef>
+        </p:style>
+      </p:cxnSp>
+      <p:pic>
+        <p:nvPicPr>
+          <p:cNvPr id="3" name="图片 2"/>
+          <p:cNvPicPr>
+            <a:picLocks noChangeAspect="1"/>
+          </p:cNvPicPr>
+          <p:nvPr/>
+        </p:nvPicPr>
+        <p:blipFill rotWithShape="1">
+          <a:blip r:embed="rId6"/>
+          <a:srcRect t="7805"/>
+          <a:stretch>
+            <a:fillRect/>
+          </a:stretch>
+        </p:blipFill>
+        <p:spPr>
+          <a:xfrm>
+            <a:off x="4324442" y="1429274"/>
+            <a:ext cx="4246316" cy="1004400"/>
+          </a:xfrm>
+          <a:prstGeom prst="rect">
+            <a:avLst/>
+          </a:prstGeom>
+        </p:spPr>
+      </p:pic>
+    </p:spTree>
+  </p:cSld>
+  <p:clrMapOvr>
+    <a:masterClrMapping/>
+  </p:clrMapOvr>
+</p:sld>
+</file>
+
+<file path=ppt/slides/slide3.xml><?xml version="1.0" encoding="utf-8"?>
+<p:sld xmlns:a="http://schemas.openxmlformats.org/drawingml/2006/main" xmlns:r="http://schemas.openxmlformats.org/officeDocument/2006/relationships" xmlns:p="http://schemas.openxmlformats.org/presentationml/2006/main">
+  <p:cSld>
+    <p:spTree>
+      <p:nvGrpSpPr>
+        <p:cNvPr id="1" name=""/>
+        <p:cNvGrpSpPr/>
+        <p:nvPr/>
+      </p:nvGrpSpPr>
+      <p:grpSpPr>
+        <a:xfrm>
+          <a:off x="0" y="0"/>
+          <a:ext cx="0" cy="0"/>
+          <a:chOff x="0" y="0"/>
+          <a:chExt cx="0" cy="0"/>
+        </a:xfrm>
+      </p:grpSpPr>
+      <p:graphicFrame>
+        <p:nvGraphicFramePr>
+          <p:cNvPr id="4" name="表格 4"/>
+          <p:cNvGraphicFramePr>
+            <a:graphicFrameLocks noGrp="1"/>
+          </p:cNvGraphicFramePr>
+          <p:nvPr>
+            <p:ph idx="1"/>
+            <p:custDataLst>
+              <p:tags r:id="rId1"/>
+            </p:custDataLst>
+          </p:nvPr>
+        </p:nvGraphicFramePr>
+        <p:xfrm>
+          <a:off x="166618" y="596267"/>
+          <a:ext cx="3993932" cy="6061798"/>
+        </p:xfrm>
+        <a:graphic>
+          <a:graphicData uri="http://schemas.openxmlformats.org/drawingml/2006/table">
+            <a:tbl>
+              <a:tblPr firstRow="1" bandRow="1">
+                <a:tableStyleId>{2D5ABB26-0587-4C30-8999-92F81FD0307C}</a:tableStyleId>
+              </a:tblPr>
+              <a:tblGrid>
+                <a:gridCol w="962935"/>
+                <a:gridCol w="3030997"/>
+              </a:tblGrid>
+              <a:tr h="320791">
+                <a:tc>
+                  <a:txBody>
+                    <a:bodyPr/>
+                    <a:lstStyle/>
+                    <a:p>
+                      <a:r>
+                        <a:rPr lang="en-US" altLang="zh-CN" sz="900" b="0" i="0" dirty="0">
+                          <a:latin typeface="Arial" panose="020B0604020202090204" pitchFamily="34" charset="0"/>
+                          <a:ea typeface="宋体" panose="02010600030101010101" pitchFamily="2" charset="-122"/>
+                          <a:cs typeface="Arial" panose="020B0604020202090204" pitchFamily="34" charset="0"/>
+                        </a:rPr>
+                        <a:t>SPC</a:t>
+                      </a:r>
+                      <a:endParaRPr lang="zh-CN" altLang="en-US" sz="900" b="0" i="0" dirty="0">
+                        <a:latin typeface="Arial" panose="020B0604020202090204" pitchFamily="34" charset="0"/>
+                        <a:ea typeface="宋体" panose="02010600030101010101" pitchFamily="2" charset="-122"/>
+                        <a:cs typeface="Arial" panose="020B0604020202090204" pitchFamily="34" charset="0"/>
+                      </a:endParaRPr>
+                    </a:p>
+                  </a:txBody>
+                  <a:tcPr>
+                    <a:lnL w="6350" cap="flat" cmpd="sng" algn="ctr">
+                      <a:solidFill>
+                        <a:schemeClr val="tx1"/>
+                      </a:solidFill>
+                      <a:prstDash val="solid"/>
+                      <a:round/>
+                      <a:headEnd type="none" w="med" len="med"/>
+                      <a:tailEnd type="none" w="med" len="med"/>
+                    </a:lnL>
+                    <a:lnR w="6350" cap="flat" cmpd="sng" algn="ctr">
+                      <a:solidFill>
+                        <a:schemeClr val="tx1"/>
+                      </a:solidFill>
+                      <a:prstDash val="solid"/>
+                      <a:round/>
+                      <a:headEnd type="none" w="med" len="med"/>
+                      <a:tailEnd type="none" w="med" len="med"/>
+                    </a:lnR>
+                    <a:lnT w="6350" cap="flat" cmpd="sng" algn="ctr">
+                      <a:solidFill>
+                        <a:schemeClr val="tx1"/>
+                      </a:solidFill>
+                      <a:prstDash val="solid"/>
+                      <a:round/>
+                      <a:headEnd type="none" w="med" len="med"/>
+                      <a:tailEnd type="none" w="med" len="med"/>
+                    </a:lnT>
+                    <a:lnB w="6350" cap="flat" cmpd="sng" algn="ctr">
+                      <a:solidFill>
+                        <a:schemeClr val="tx1"/>
+                      </a:solidFill>
+                      <a:prstDash val="solid"/>
+                      <a:round/>
+                      <a:headEnd type="none" w="med" len="med"/>
+                      <a:tailEnd type="none" w="med" len="med"/>
+                    </a:lnB>
+                    <a:lnTlToBr w="12700" cmpd="sng">
+                      <a:noFill/>
+                      <a:prstDash val="solid"/>
+                    </a:lnTlToBr>
+                    <a:lnBlToTr w="12700" cmpd="sng">
+                      <a:noFill/>
+                      <a:prstDash val="solid"/>
+                    </a:lnBlToTr>
+                    <a:solidFill>
+                      <a:schemeClr val="accent5">
+                        <a:lumMod val="60000"/>
+                        <a:lumOff val="40000"/>
+                      </a:schemeClr>
+                    </a:solidFill>
+                  </a:tcPr>
+                </a:tc>
+                <a:tc>
+                  <a:txBody>
+                    <a:bodyPr/>
+                    <a:lstStyle/>
+                    <a:p>
+                      <a:r>
+                        <a:rPr lang="en-US" altLang="zh-CN" sz="900" b="0" i="0" dirty="0">
+                          <a:latin typeface="Arial" panose="020B0604020202090204" pitchFamily="34" charset="0"/>
+                          <a:ea typeface="宋体" panose="02010600030101010101" pitchFamily="2" charset="-122"/>
+                          <a:cs typeface="Arial" panose="020B0604020202090204" pitchFamily="34" charset="0"/>
+                        </a:rPr>
+                        <a:t>EX</a:t>
+                      </a:r>
+                      <a:endParaRPr lang="en-US" altLang="zh-CN" sz="900" b="0" i="0" dirty="0">
+                        <a:latin typeface="Arial" panose="020B0604020202090204" pitchFamily="34" charset="0"/>
+                        <a:ea typeface="宋体" panose="02010600030101010101" pitchFamily="2" charset="-122"/>
+                        <a:cs typeface="Arial" panose="020B0604020202090204" pitchFamily="34" charset="0"/>
+                      </a:endParaRPr>
+                    </a:p>
+                  </a:txBody>
+                  <a:tcPr>
+                    <a:lnL w="6350" cap="flat" cmpd="sng" algn="ctr">
+                      <a:solidFill>
+                        <a:schemeClr val="tx1"/>
+                      </a:solidFill>
+                      <a:prstDash val="solid"/>
+                      <a:round/>
+                      <a:headEnd type="none" w="med" len="med"/>
+                      <a:tailEnd type="none" w="med" len="med"/>
+                    </a:lnL>
+                    <a:lnR w="6350" cap="flat" cmpd="sng" algn="ctr">
+                      <a:solidFill>
+                        <a:schemeClr val="tx1"/>
+                      </a:solidFill>
+                      <a:prstDash val="solid"/>
+                      <a:round/>
+                      <a:headEnd type="none" w="med" len="med"/>
+                      <a:tailEnd type="none" w="med" len="med"/>
+                    </a:lnR>
+                    <a:lnT w="6350" cap="flat" cmpd="sng" algn="ctr">
+                      <a:solidFill>
+                        <a:schemeClr val="tx1"/>
+                      </a:solidFill>
+                      <a:prstDash val="solid"/>
+                      <a:round/>
+                      <a:headEnd type="none" w="med" len="med"/>
+                      <a:tailEnd type="none" w="med" len="med"/>
+                    </a:lnT>
+                    <a:lnB w="6350" cap="flat" cmpd="sng" algn="ctr">
+                      <a:solidFill>
+                        <a:schemeClr val="tx1"/>
+                      </a:solidFill>
+                      <a:prstDash val="solid"/>
+                      <a:round/>
+                      <a:headEnd type="none" w="med" len="med"/>
+                      <a:tailEnd type="none" w="med" len="med"/>
+                    </a:lnB>
+                    <a:lnTlToBr w="12700" cmpd="sng">
+                      <a:noFill/>
+                      <a:prstDash val="solid"/>
+                    </a:lnTlToBr>
+                    <a:lnBlToTr w="12700" cmpd="sng">
+                      <a:noFill/>
+                      <a:prstDash val="solid"/>
+                    </a:lnBlToTr>
+                  </a:tcPr>
+                </a:tc>
+              </a:tr>
+              <a:tr h="320791">
+                <a:tc>
+                  <a:txBody>
+                    <a:bodyPr/>
+                    <a:lstStyle/>
+                    <a:p>
+                      <a:r>
+                        <a:rPr lang="en-US" altLang="zh-CN" sz="900" b="0" i="0" dirty="0">
+                          <a:latin typeface="Arial" panose="020B0604020202090204" pitchFamily="34" charset="0"/>
+                          <a:ea typeface="宋体" panose="02010600030101010101" pitchFamily="2" charset="-122"/>
+                          <a:cs typeface="Arial" panose="020B0604020202090204" pitchFamily="34" charset="0"/>
+                        </a:rPr>
+                        <a:t>FAI</a:t>
+                      </a:r>
+                      <a:endParaRPr lang="zh-CN" altLang="en-US" sz="900" b="0" i="0" dirty="0">
+                        <a:latin typeface="Arial" panose="020B0604020202090204" pitchFamily="34" charset="0"/>
+                        <a:ea typeface="宋体" panose="02010600030101010101" pitchFamily="2" charset="-122"/>
+                        <a:cs typeface="Arial" panose="020B0604020202090204" pitchFamily="34" charset="0"/>
+                      </a:endParaRPr>
+                    </a:p>
+                  </a:txBody>
+                  <a:tcPr>
+                    <a:lnL w="6350" cap="flat" cmpd="sng" algn="ctr">
+                      <a:solidFill>
+                        <a:schemeClr val="tx1"/>
+                      </a:solidFill>
+                      <a:prstDash val="solid"/>
+                      <a:round/>
+                      <a:headEnd type="none" w="med" len="med"/>
+                      <a:tailEnd type="none" w="med" len="med"/>
+                    </a:lnL>
+                    <a:lnR w="6350" cap="flat" cmpd="sng" algn="ctr">
+                      <a:solidFill>
+                        <a:schemeClr val="tx1"/>
+                      </a:solidFill>
+                      <a:prstDash val="solid"/>
+                      <a:round/>
+                      <a:headEnd type="none" w="med" len="med"/>
+                      <a:tailEnd type="none" w="med" len="med"/>
+                    </a:lnR>
+                    <a:lnT w="6350" cap="flat" cmpd="sng" algn="ctr">
+                      <a:solidFill>
+                        <a:schemeClr val="tx1"/>
+                      </a:solidFill>
+                      <a:prstDash val="solid"/>
+                      <a:round/>
+                      <a:headEnd type="none" w="med" len="med"/>
+                      <a:tailEnd type="none" w="med" len="med"/>
+                    </a:lnT>
+                    <a:lnB w="6350" cap="flat" cmpd="sng" algn="ctr">
+                      <a:solidFill>
+                        <a:schemeClr val="tx1"/>
+                      </a:solidFill>
+                      <a:prstDash val="solid"/>
+                      <a:round/>
+                      <a:headEnd type="none" w="med" len="med"/>
+                      <a:tailEnd type="none" w="med" len="med"/>
+                    </a:lnB>
+                    <a:lnTlToBr w="12700" cmpd="sng">
+                      <a:noFill/>
+                      <a:prstDash val="solid"/>
+                    </a:lnTlToBr>
+                    <a:lnBlToTr w="12700" cmpd="sng">
+                      <a:noFill/>
+                      <a:prstDash val="solid"/>
+                    </a:lnBlToTr>
+                    <a:solidFill>
+                      <a:schemeClr val="accent5">
+                        <a:lumMod val="60000"/>
+                        <a:lumOff val="40000"/>
+                      </a:schemeClr>
+                    </a:solidFill>
+                  </a:tcPr>
+                </a:tc>
+                <a:tc>
+                  <a:txBody>
+                    <a:bodyPr/>
+                    <a:lstStyle/>
+                    <a:p>
+                      <a:r>
+                        <a:rPr lang="en-US" altLang="zh-CN" sz="900" b="0" i="0" dirty="0">
+                          <a:latin typeface="Arial" panose="020B0604020202090204" pitchFamily="34" charset="0"/>
+                          <a:ea typeface="宋体" panose="02010600030101010101" pitchFamily="2" charset="-122"/>
+                          <a:cs typeface="Arial" panose="020B0604020202090204" pitchFamily="34" charset="0"/>
+                        </a:rPr>
+                        <a:t>95</a:t>
+                      </a:r>
+                      <a:endParaRPr lang="en-US" altLang="zh-CN" sz="900" b="0" i="0" dirty="0">
+                        <a:latin typeface="Arial" panose="020B0604020202090204" pitchFamily="34" charset="0"/>
+                        <a:ea typeface="宋体" panose="02010600030101010101" pitchFamily="2" charset="-122"/>
+                        <a:cs typeface="Arial" panose="020B0604020202090204" pitchFamily="34" charset="0"/>
+                      </a:endParaRPr>
+                    </a:p>
+                  </a:txBody>
+                  <a:tcPr>
+                    <a:lnL w="6350" cap="flat" cmpd="sng" algn="ctr">
+                      <a:solidFill>
+                        <a:schemeClr val="tx1"/>
+                      </a:solidFill>
+                      <a:prstDash val="solid"/>
+                      <a:round/>
+                      <a:headEnd type="none" w="med" len="med"/>
+                      <a:tailEnd type="none" w="med" len="med"/>
+                    </a:lnL>
+                    <a:lnR w="6350" cap="flat" cmpd="sng" algn="ctr">
+                      <a:solidFill>
+                        <a:schemeClr val="tx1"/>
+                      </a:solidFill>
+                      <a:prstDash val="solid"/>
+                      <a:round/>
+                      <a:headEnd type="none" w="med" len="med"/>
+                      <a:tailEnd type="none" w="med" len="med"/>
+                    </a:lnR>
+                    <a:lnT w="6350" cap="flat" cmpd="sng" algn="ctr">
+                      <a:solidFill>
+                        <a:schemeClr val="tx1"/>
+                      </a:solidFill>
+                      <a:prstDash val="solid"/>
+                      <a:round/>
+                      <a:headEnd type="none" w="med" len="med"/>
+                      <a:tailEnd type="none" w="med" len="med"/>
+                    </a:lnT>
+                    <a:lnB w="6350" cap="flat" cmpd="sng" algn="ctr">
+                      <a:solidFill>
+                        <a:schemeClr val="tx1"/>
+                      </a:solidFill>
+                      <a:prstDash val="solid"/>
+                      <a:round/>
+                      <a:headEnd type="none" w="med" len="med"/>
+                      <a:tailEnd type="none" w="med" len="med"/>
+                    </a:lnB>
+                    <a:lnTlToBr w="12700" cmpd="sng">
+                      <a:noFill/>
+                      <a:prstDash val="solid"/>
+                    </a:lnTlToBr>
+                    <a:lnBlToTr w="12700" cmpd="sng">
+                      <a:noFill/>
+                      <a:prstDash val="solid"/>
+                    </a:lnBlToTr>
+                  </a:tcPr>
+                </a:tc>
+              </a:tr>
+              <a:tr h="531936">
+                <a:tc>
+                  <a:txBody>
+                    <a:bodyPr/>
+                    <a:lstStyle/>
+                    <a:p>
+                      <a:r>
+                        <a:rPr lang="en-US" altLang="zh-CN" sz="900" b="0" i="0" dirty="0">
+                          <a:latin typeface="Arial" panose="020B0604020202090204" pitchFamily="34" charset="0"/>
+                          <a:ea typeface="宋体" panose="02010600030101010101" pitchFamily="2" charset="-122"/>
+                          <a:cs typeface="Arial" panose="020B0604020202090204" pitchFamily="34" charset="0"/>
+                        </a:rPr>
+                        <a:t>Description</a:t>
+                      </a:r>
+                      <a:endParaRPr lang="zh-CN" altLang="en-US" sz="900" b="0" i="0" dirty="0">
+                        <a:latin typeface="Arial" panose="020B0604020202090204" pitchFamily="34" charset="0"/>
+                        <a:ea typeface="宋体" panose="02010600030101010101" pitchFamily="2" charset="-122"/>
+                        <a:cs typeface="Arial" panose="020B0604020202090204" pitchFamily="34" charset="0"/>
+                      </a:endParaRPr>
+                    </a:p>
+                  </a:txBody>
+                  <a:tcPr>
+                    <a:lnL w="6350" cap="flat" cmpd="sng" algn="ctr">
+                      <a:solidFill>
+                        <a:schemeClr val="tx1"/>
+                      </a:solidFill>
+                      <a:prstDash val="solid"/>
+                      <a:round/>
+                      <a:headEnd type="none" w="med" len="med"/>
+                      <a:tailEnd type="none" w="med" len="med"/>
+                    </a:lnL>
+                    <a:lnR w="6350" cap="flat" cmpd="sng" algn="ctr">
+                      <a:solidFill>
+                        <a:schemeClr val="tx1"/>
+                      </a:solidFill>
+                      <a:prstDash val="solid"/>
+                      <a:round/>
+                      <a:headEnd type="none" w="med" len="med"/>
+                      <a:tailEnd type="none" w="med" len="med"/>
+                    </a:lnR>
+                    <a:lnT w="6350" cap="flat" cmpd="sng" algn="ctr">
+                      <a:solidFill>
+                        <a:schemeClr val="tx1"/>
+                      </a:solidFill>
+                      <a:prstDash val="solid"/>
+                      <a:round/>
+                      <a:headEnd type="none" w="med" len="med"/>
+                      <a:tailEnd type="none" w="med" len="med"/>
+                    </a:lnT>
+                    <a:lnB w="6350" cap="flat" cmpd="sng" algn="ctr">
+                      <a:solidFill>
+                        <a:schemeClr val="tx1"/>
+                      </a:solidFill>
+                      <a:prstDash val="solid"/>
+                      <a:round/>
+                      <a:headEnd type="none" w="med" len="med"/>
+                      <a:tailEnd type="none" w="med" len="med"/>
+                    </a:lnB>
+                    <a:lnTlToBr w="12700" cmpd="sng">
+                      <a:noFill/>
+                      <a:prstDash val="solid"/>
+                    </a:lnTlToBr>
+                    <a:lnBlToTr w="12700" cmpd="sng">
+                      <a:noFill/>
+                      <a:prstDash val="solid"/>
+                    </a:lnBlToTr>
+                    <a:solidFill>
+                      <a:schemeClr val="accent5">
+                        <a:lumMod val="60000"/>
+                        <a:lumOff val="40000"/>
+                      </a:schemeClr>
+                    </a:solidFill>
+                  </a:tcPr>
+                </a:tc>
+                <a:tc>
+                  <a:txBody>
+                    <a:bodyPr/>
+                    <a:lstStyle/>
+                    <a:p>
+                      <a:r>
+                        <a:rPr lang="en-US" altLang="zh-CN" sz="900" b="0" i="0" dirty="0">
+                          <a:latin typeface="Arial" panose="020B0604020202090204" pitchFamily="34" charset="0"/>
+                          <a:ea typeface="宋体" panose="02010600030101010101" pitchFamily="2" charset="-122"/>
+                          <a:cs typeface="Arial" panose="020B0604020202090204" pitchFamily="34" charset="0"/>
+                        </a:rPr>
+                        <a:t>HSG inner length</a:t>
+                      </a:r>
+                      <a:endParaRPr lang="en-US" altLang="zh-CN" sz="900" b="0" i="0" dirty="0">
+                        <a:latin typeface="Arial" panose="020B0604020202090204" pitchFamily="34" charset="0"/>
+                        <a:ea typeface="宋体" panose="02010600030101010101" pitchFamily="2" charset="-122"/>
+                        <a:cs typeface="Arial" panose="020B0604020202090204" pitchFamily="34" charset="0"/>
+                      </a:endParaRPr>
+                    </a:p>
+                  </a:txBody>
+                  <a:tcPr>
+                    <a:lnL w="6350" cap="flat" cmpd="sng" algn="ctr">
+                      <a:solidFill>
+                        <a:schemeClr val="tx1"/>
+                      </a:solidFill>
+                      <a:prstDash val="solid"/>
+                      <a:round/>
+                      <a:headEnd type="none" w="med" len="med"/>
+                      <a:tailEnd type="none" w="med" len="med"/>
+                    </a:lnL>
+                    <a:lnR w="6350" cap="flat" cmpd="sng" algn="ctr">
+                      <a:solidFill>
+                        <a:schemeClr val="tx1"/>
+                      </a:solidFill>
+                      <a:prstDash val="solid"/>
+                      <a:round/>
+                      <a:headEnd type="none" w="med" len="med"/>
+                      <a:tailEnd type="none" w="med" len="med"/>
+                    </a:lnR>
+                    <a:lnT w="6350" cap="flat" cmpd="sng" algn="ctr">
+                      <a:solidFill>
+                        <a:schemeClr val="tx1"/>
+                      </a:solidFill>
+                      <a:prstDash val="solid"/>
+                      <a:round/>
+                      <a:headEnd type="none" w="med" len="med"/>
+                      <a:tailEnd type="none" w="med" len="med"/>
+                    </a:lnT>
+                    <a:lnB w="6350" cap="flat" cmpd="sng" algn="ctr">
+                      <a:solidFill>
+                        <a:schemeClr val="tx1"/>
+                      </a:solidFill>
+                      <a:prstDash val="solid"/>
+                      <a:round/>
+                      <a:headEnd type="none" w="med" len="med"/>
+                      <a:tailEnd type="none" w="med" len="med"/>
+                    </a:lnB>
+                    <a:lnTlToBr w="12700" cmpd="sng">
+                      <a:noFill/>
+                      <a:prstDash val="solid"/>
+                    </a:lnTlToBr>
+                    <a:lnBlToTr w="12700" cmpd="sng">
+                      <a:noFill/>
+                      <a:prstDash val="solid"/>
+                    </a:lnBlToTr>
+                  </a:tcPr>
+                </a:tc>
+              </a:tr>
+              <a:tr h="320791">
+                <a:tc>
+                  <a:txBody>
+                    <a:bodyPr/>
+                    <a:lstStyle/>
+                    <a:p>
+                      <a:r>
+                        <a:rPr lang="en-US" altLang="zh-CN" sz="900" b="0" i="0" dirty="0">
+                          <a:latin typeface="Arial" panose="020B0604020202090204" pitchFamily="34" charset="0"/>
+                          <a:ea typeface="宋体" panose="02010600030101010101" pitchFamily="2" charset="-122"/>
+                          <a:cs typeface="Arial" panose="020B0604020202090204" pitchFamily="34" charset="0"/>
+                        </a:rPr>
+                        <a:t>Nominal</a:t>
+                      </a:r>
+                      <a:endParaRPr lang="zh-CN" altLang="en-US" sz="900" b="0" i="0" dirty="0">
+                        <a:latin typeface="Arial" panose="020B0604020202090204" pitchFamily="34" charset="0"/>
+                        <a:ea typeface="宋体" panose="02010600030101010101" pitchFamily="2" charset="-122"/>
+                        <a:cs typeface="Arial" panose="020B0604020202090204" pitchFamily="34" charset="0"/>
+                      </a:endParaRPr>
+                    </a:p>
+                  </a:txBody>
+                  <a:tcPr>
+                    <a:lnL w="6350" cap="flat" cmpd="sng" algn="ctr">
+                      <a:solidFill>
+                        <a:schemeClr val="tx1"/>
+                      </a:solidFill>
+                      <a:prstDash val="solid"/>
+                      <a:round/>
+                      <a:headEnd type="none" w="med" len="med"/>
+                      <a:tailEnd type="none" w="med" len="med"/>
+                    </a:lnL>
+                    <a:lnR w="6350" cap="flat" cmpd="sng" algn="ctr">
+                      <a:solidFill>
+                        <a:schemeClr val="tx1"/>
+                      </a:solidFill>
+                      <a:prstDash val="solid"/>
+                      <a:round/>
+                      <a:headEnd type="none" w="med" len="med"/>
+                      <a:tailEnd type="none" w="med" len="med"/>
+                    </a:lnR>
+                    <a:lnT w="6350" cap="flat" cmpd="sng" algn="ctr">
+                      <a:solidFill>
+                        <a:schemeClr val="tx1"/>
+                      </a:solidFill>
+                      <a:prstDash val="solid"/>
+                      <a:round/>
+                      <a:headEnd type="none" w="med" len="med"/>
+                      <a:tailEnd type="none" w="med" len="med"/>
+                    </a:lnT>
+                    <a:lnB w="6350" cap="flat" cmpd="sng" algn="ctr">
+                      <a:solidFill>
+                        <a:schemeClr val="tx1"/>
+                      </a:solidFill>
+                      <a:prstDash val="solid"/>
+                      <a:round/>
+                      <a:headEnd type="none" w="med" len="med"/>
+                      <a:tailEnd type="none" w="med" len="med"/>
+                    </a:lnB>
+                    <a:lnTlToBr w="12700" cmpd="sng">
+                      <a:noFill/>
+                      <a:prstDash val="solid"/>
+                    </a:lnTlToBr>
+                    <a:lnBlToTr w="12700" cmpd="sng">
+                      <a:noFill/>
+                      <a:prstDash val="solid"/>
+                    </a:lnBlToTr>
+                    <a:solidFill>
+                      <a:schemeClr val="accent5">
+                        <a:lumMod val="60000"/>
+                        <a:lumOff val="40000"/>
+                      </a:schemeClr>
+                    </a:solidFill>
+                  </a:tcPr>
+                </a:tc>
+                <a:tc>
+                  <a:txBody>
+                    <a:bodyPr/>
+                    <a:lstStyle/>
+                    <a:p>
+                      <a:r>
+                        <a:rPr lang="en-US" altLang="zh-CN" sz="900" b="0" i="0" dirty="0">
+                          <a:latin typeface="Arial" panose="020B0604020202090204" pitchFamily="34" charset="0"/>
+                          <a:ea typeface="宋体" panose="02010600030101010101" pitchFamily="2" charset="-122"/>
+                          <a:cs typeface="Arial" panose="020B0604020202090204" pitchFamily="34" charset="0"/>
+                        </a:rPr>
+                        <a:t>245.728</a:t>
+                      </a:r>
+                      <a:endParaRPr lang="zh-CN" altLang="en-US" sz="900" b="0" i="0" dirty="0">
+                        <a:latin typeface="Arial" panose="020B0604020202090204" pitchFamily="34" charset="0"/>
+                        <a:ea typeface="宋体" panose="02010600030101010101" pitchFamily="2" charset="-122"/>
+                        <a:cs typeface="Arial" panose="020B0604020202090204" pitchFamily="34" charset="0"/>
+                      </a:endParaRPr>
+                    </a:p>
+                  </a:txBody>
+                  <a:tcPr>
+                    <a:lnL w="6350" cap="flat" cmpd="sng" algn="ctr">
+                      <a:solidFill>
+                        <a:schemeClr val="tx1"/>
+                      </a:solidFill>
+                      <a:prstDash val="solid"/>
+                      <a:round/>
+                      <a:headEnd type="none" w="med" len="med"/>
+                      <a:tailEnd type="none" w="med" len="med"/>
+                    </a:lnL>
+                    <a:lnR w="6350" cap="flat" cmpd="sng" algn="ctr">
+                      <a:solidFill>
+                        <a:schemeClr val="tx1"/>
+                      </a:solidFill>
+                      <a:prstDash val="solid"/>
+                      <a:round/>
+                      <a:headEnd type="none" w="med" len="med"/>
+                      <a:tailEnd type="none" w="med" len="med"/>
+                    </a:lnR>
+                    <a:lnT w="6350" cap="flat" cmpd="sng" algn="ctr">
+                      <a:solidFill>
+                        <a:schemeClr val="tx1"/>
+                      </a:solidFill>
+                      <a:prstDash val="solid"/>
+                      <a:round/>
+                      <a:headEnd type="none" w="med" len="med"/>
+                      <a:tailEnd type="none" w="med" len="med"/>
+                    </a:lnT>
+                    <a:lnB w="6350" cap="flat" cmpd="sng" algn="ctr">
+                      <a:solidFill>
+                        <a:schemeClr val="tx1"/>
+                      </a:solidFill>
+                      <a:prstDash val="solid"/>
+                      <a:round/>
+                      <a:headEnd type="none" w="med" len="med"/>
+                      <a:tailEnd type="none" w="med" len="med"/>
+                    </a:lnB>
+                    <a:lnTlToBr w="12700" cmpd="sng">
+                      <a:noFill/>
+                      <a:prstDash val="solid"/>
+                    </a:lnTlToBr>
+                    <a:lnBlToTr w="12700" cmpd="sng">
+                      <a:noFill/>
+                      <a:prstDash val="solid"/>
+                    </a:lnBlToTr>
+                  </a:tcPr>
+                </a:tc>
+              </a:tr>
+              <a:tr h="320791">
+                <a:tc>
+                  <a:txBody>
+                    <a:bodyPr/>
+                    <a:lstStyle/>
+                    <a:p>
+                      <a:r>
+                        <a:rPr lang="en-US" altLang="zh-CN" sz="900" b="0" i="0" dirty="0">
+                          <a:latin typeface="Arial" panose="020B0604020202090204" pitchFamily="34" charset="0"/>
+                          <a:ea typeface="宋体" panose="02010600030101010101" pitchFamily="2" charset="-122"/>
+                          <a:cs typeface="Arial" panose="020B0604020202090204" pitchFamily="34" charset="0"/>
+                        </a:rPr>
+                        <a:t>Tol+</a:t>
+                      </a:r>
+                      <a:endParaRPr lang="zh-CN" altLang="en-US" sz="900" b="0" i="0" dirty="0">
+                        <a:latin typeface="Arial" panose="020B0604020202090204" pitchFamily="34" charset="0"/>
+                        <a:ea typeface="宋体" panose="02010600030101010101" pitchFamily="2" charset="-122"/>
+                        <a:cs typeface="Arial" panose="020B0604020202090204" pitchFamily="34" charset="0"/>
+                      </a:endParaRPr>
+                    </a:p>
+                  </a:txBody>
+                  <a:tcPr>
+                    <a:lnL w="6350" cap="flat" cmpd="sng" algn="ctr">
+                      <a:solidFill>
+                        <a:schemeClr val="tx1"/>
+                      </a:solidFill>
+                      <a:prstDash val="solid"/>
+                      <a:round/>
+                      <a:headEnd type="none" w="med" len="med"/>
+                      <a:tailEnd type="none" w="med" len="med"/>
+                    </a:lnL>
+                    <a:lnR w="6350" cap="flat" cmpd="sng" algn="ctr">
+                      <a:solidFill>
+                        <a:schemeClr val="tx1"/>
+                      </a:solidFill>
+                      <a:prstDash val="solid"/>
+                      <a:round/>
+                      <a:headEnd type="none" w="med" len="med"/>
+                      <a:tailEnd type="none" w="med" len="med"/>
+                    </a:lnR>
+                    <a:lnT w="6350" cap="flat" cmpd="sng" algn="ctr">
+                      <a:solidFill>
+                        <a:schemeClr val="tx1"/>
+                      </a:solidFill>
+                      <a:prstDash val="solid"/>
+                      <a:round/>
+                      <a:headEnd type="none" w="med" len="med"/>
+                      <a:tailEnd type="none" w="med" len="med"/>
+                    </a:lnT>
+                    <a:lnB w="6350" cap="flat" cmpd="sng" algn="ctr">
+                      <a:solidFill>
+                        <a:schemeClr val="tx1"/>
+                      </a:solidFill>
+                      <a:prstDash val="solid"/>
+                      <a:round/>
+                      <a:headEnd type="none" w="med" len="med"/>
+                      <a:tailEnd type="none" w="med" len="med"/>
+                    </a:lnB>
+                    <a:lnTlToBr w="12700" cmpd="sng">
+                      <a:noFill/>
+                      <a:prstDash val="solid"/>
+                    </a:lnTlToBr>
+                    <a:lnBlToTr w="12700" cmpd="sng">
+                      <a:noFill/>
+                      <a:prstDash val="solid"/>
+                    </a:lnBlToTr>
+                    <a:solidFill>
+                      <a:schemeClr val="accent5">
+                        <a:lumMod val="60000"/>
+                        <a:lumOff val="40000"/>
+                      </a:schemeClr>
+                    </a:solidFill>
+                  </a:tcPr>
+                </a:tc>
+                <a:tc>
+                  <a:txBody>
+                    <a:bodyPr/>
+                    <a:lstStyle/>
+                    <a:p>
+                      <a:r>
+                        <a:rPr lang="en-US" altLang="zh-CN" sz="900" b="0" i="0" dirty="0">
+                          <a:latin typeface="Arial" panose="020B0604020202090204" pitchFamily="34" charset="0"/>
+                          <a:ea typeface="宋体" panose="02010600030101010101" pitchFamily="2" charset="-122"/>
+                          <a:cs typeface="Arial" panose="020B0604020202090204" pitchFamily="34" charset="0"/>
+                        </a:rPr>
+                        <a:t>+0.15</a:t>
+                      </a:r>
+                      <a:endParaRPr lang="zh-CN" altLang="en-US" sz="900" b="0" i="0" dirty="0">
+                        <a:latin typeface="Arial" panose="020B0604020202090204" pitchFamily="34" charset="0"/>
+                        <a:ea typeface="宋体" panose="02010600030101010101" pitchFamily="2" charset="-122"/>
+                        <a:cs typeface="Arial" panose="020B0604020202090204" pitchFamily="34" charset="0"/>
+                      </a:endParaRPr>
+                    </a:p>
+                  </a:txBody>
+                  <a:tcPr>
+                    <a:lnL w="6350" cap="flat" cmpd="sng" algn="ctr">
+                      <a:solidFill>
+                        <a:schemeClr val="tx1"/>
+                      </a:solidFill>
+                      <a:prstDash val="solid"/>
+                      <a:round/>
+                      <a:headEnd type="none" w="med" len="med"/>
+                      <a:tailEnd type="none" w="med" len="med"/>
+                    </a:lnL>
+                    <a:lnR w="6350" cap="flat" cmpd="sng" algn="ctr">
+                      <a:solidFill>
+                        <a:schemeClr val="tx1"/>
+                      </a:solidFill>
+                      <a:prstDash val="solid"/>
+                      <a:round/>
+                      <a:headEnd type="none" w="med" len="med"/>
+                      <a:tailEnd type="none" w="med" len="med"/>
+                    </a:lnR>
+                    <a:lnT w="6350" cap="flat" cmpd="sng" algn="ctr">
+                      <a:solidFill>
+                        <a:schemeClr val="tx1"/>
+                      </a:solidFill>
+                      <a:prstDash val="solid"/>
+                      <a:round/>
+                      <a:headEnd type="none" w="med" len="med"/>
+                      <a:tailEnd type="none" w="med" len="med"/>
+                    </a:lnT>
+                    <a:lnB w="6350" cap="flat" cmpd="sng" algn="ctr">
+                      <a:solidFill>
+                        <a:schemeClr val="tx1"/>
+                      </a:solidFill>
+                      <a:prstDash val="solid"/>
+                      <a:round/>
+                      <a:headEnd type="none" w="med" len="med"/>
+                      <a:tailEnd type="none" w="med" len="med"/>
+                    </a:lnB>
+                    <a:lnTlToBr w="12700" cmpd="sng">
+                      <a:noFill/>
+                      <a:prstDash val="solid"/>
+                    </a:lnTlToBr>
+                    <a:lnBlToTr w="12700" cmpd="sng">
+                      <a:noFill/>
+                      <a:prstDash val="solid"/>
+                    </a:lnBlToTr>
+                  </a:tcPr>
+                </a:tc>
+              </a:tr>
+              <a:tr h="320791">
+                <a:tc>
+                  <a:txBody>
+                    <a:bodyPr/>
+                    <a:lstStyle/>
+                    <a:p>
+                      <a:r>
+                        <a:rPr lang="en-US" altLang="zh-CN" sz="900" b="0" i="0" dirty="0">
+                          <a:latin typeface="Arial" panose="020B0604020202090204" pitchFamily="34" charset="0"/>
+                          <a:ea typeface="宋体" panose="02010600030101010101" pitchFamily="2" charset="-122"/>
+                          <a:cs typeface="Arial" panose="020B0604020202090204" pitchFamily="34" charset="0"/>
+                        </a:rPr>
+                        <a:t>Tol-</a:t>
+                      </a:r>
+                      <a:endParaRPr lang="zh-CN" altLang="en-US" sz="900" b="0" i="0" dirty="0">
+                        <a:latin typeface="Arial" panose="020B0604020202090204" pitchFamily="34" charset="0"/>
+                        <a:ea typeface="宋体" panose="02010600030101010101" pitchFamily="2" charset="-122"/>
+                        <a:cs typeface="Arial" panose="020B0604020202090204" pitchFamily="34" charset="0"/>
+                      </a:endParaRPr>
+                    </a:p>
+                  </a:txBody>
+                  <a:tcPr>
+                    <a:lnL w="6350" cap="flat" cmpd="sng" algn="ctr">
+                      <a:solidFill>
+                        <a:schemeClr val="tx1"/>
+                      </a:solidFill>
+                      <a:prstDash val="solid"/>
+                      <a:round/>
+                      <a:headEnd type="none" w="med" len="med"/>
+                      <a:tailEnd type="none" w="med" len="med"/>
+                    </a:lnL>
+                    <a:lnR w="6350" cap="flat" cmpd="sng" algn="ctr">
+                      <a:solidFill>
+                        <a:schemeClr val="tx1"/>
+                      </a:solidFill>
+                      <a:prstDash val="solid"/>
+                      <a:round/>
+                      <a:headEnd type="none" w="med" len="med"/>
+                      <a:tailEnd type="none" w="med" len="med"/>
+                    </a:lnR>
+                    <a:lnT w="6350" cap="flat" cmpd="sng" algn="ctr">
+                      <a:solidFill>
+                        <a:schemeClr val="tx1"/>
+                      </a:solidFill>
+                      <a:prstDash val="solid"/>
+                      <a:round/>
+                      <a:headEnd type="none" w="med" len="med"/>
+                      <a:tailEnd type="none" w="med" len="med"/>
+                    </a:lnT>
+                    <a:lnB w="6350" cap="flat" cmpd="sng" algn="ctr">
+                      <a:solidFill>
+                        <a:schemeClr val="tx1"/>
+                      </a:solidFill>
+                      <a:prstDash val="solid"/>
+                      <a:round/>
+                      <a:headEnd type="none" w="med" len="med"/>
+                      <a:tailEnd type="none" w="med" len="med"/>
+                    </a:lnB>
+                    <a:lnTlToBr w="12700" cmpd="sng">
+                      <a:noFill/>
+                      <a:prstDash val="solid"/>
+                    </a:lnTlToBr>
+                    <a:lnBlToTr w="12700" cmpd="sng">
+                      <a:noFill/>
+                      <a:prstDash val="solid"/>
+                    </a:lnBlToTr>
+                    <a:solidFill>
+                      <a:schemeClr val="accent5">
+                        <a:lumMod val="60000"/>
+                        <a:lumOff val="40000"/>
+                      </a:schemeClr>
+                    </a:solidFill>
+                  </a:tcPr>
+                </a:tc>
+                <a:tc>
+                  <a:txBody>
+                    <a:bodyPr/>
+                    <a:lstStyle/>
+                    <a:p>
+                      <a:r>
+                        <a:rPr lang="en-US" altLang="zh-CN" sz="900" b="0" i="0" dirty="0">
+                          <a:latin typeface="Arial" panose="020B0604020202090204" pitchFamily="34" charset="0"/>
+                          <a:ea typeface="宋体" panose="02010600030101010101" pitchFamily="2" charset="-122"/>
+                          <a:cs typeface="Arial" panose="020B0604020202090204" pitchFamily="34" charset="0"/>
+                        </a:rPr>
+                        <a:t>-0.05</a:t>
+                      </a:r>
+                      <a:endParaRPr lang="en-US" altLang="zh-CN" sz="900" b="0" i="0" dirty="0">
+                        <a:latin typeface="Arial" panose="020B0604020202090204" pitchFamily="34" charset="0"/>
+                        <a:ea typeface="宋体" panose="02010600030101010101" pitchFamily="2" charset="-122"/>
+                        <a:cs typeface="Arial" panose="020B0604020202090204" pitchFamily="34" charset="0"/>
+                      </a:endParaRPr>
+                    </a:p>
+                  </a:txBody>
+                  <a:tcPr>
+                    <a:lnL w="6350" cap="flat" cmpd="sng" algn="ctr">
+                      <a:solidFill>
+                        <a:schemeClr val="tx1"/>
+                      </a:solidFill>
+                      <a:prstDash val="solid"/>
+                      <a:round/>
+                      <a:headEnd type="none" w="med" len="med"/>
+                      <a:tailEnd type="none" w="med" len="med"/>
+                    </a:lnL>
+                    <a:lnR w="6350" cap="flat" cmpd="sng" algn="ctr">
+                      <a:solidFill>
+                        <a:schemeClr val="tx1"/>
+                      </a:solidFill>
+                      <a:prstDash val="solid"/>
+                      <a:round/>
+                      <a:headEnd type="none" w="med" len="med"/>
+                      <a:tailEnd type="none" w="med" len="med"/>
+                    </a:lnR>
+                    <a:lnT w="6350" cap="flat" cmpd="sng" algn="ctr">
+                      <a:solidFill>
+                        <a:schemeClr val="tx1"/>
+                      </a:solidFill>
+                      <a:prstDash val="solid"/>
+                      <a:round/>
+                      <a:headEnd type="none" w="med" len="med"/>
+                      <a:tailEnd type="none" w="med" len="med"/>
+                    </a:lnT>
+                    <a:lnB w="6350" cap="flat" cmpd="sng" algn="ctr">
+                      <a:solidFill>
+                        <a:schemeClr val="tx1"/>
+                      </a:solidFill>
+                      <a:prstDash val="solid"/>
+                      <a:round/>
+                      <a:headEnd type="none" w="med" len="med"/>
+                      <a:tailEnd type="none" w="med" len="med"/>
+                    </a:lnB>
+                    <a:lnTlToBr w="12700" cmpd="sng">
+                      <a:noFill/>
+                      <a:prstDash val="solid"/>
+                    </a:lnTlToBr>
+                    <a:lnBlToTr w="12700" cmpd="sng">
+                      <a:noFill/>
+                      <a:prstDash val="solid"/>
+                    </a:lnBlToTr>
+                  </a:tcPr>
+                </a:tc>
+              </a:tr>
+              <a:tr h="320791">
+                <a:tc>
+                  <a:txBody>
+                    <a:bodyPr/>
+                    <a:lstStyle/>
+                    <a:p>
+                      <a:r>
+                        <a:rPr lang="en-US" altLang="zh-CN" sz="900" b="0" i="0" dirty="0">
+                          <a:latin typeface="Arial" panose="020B0604020202090204" pitchFamily="34" charset="0"/>
+                          <a:ea typeface="宋体" panose="02010600030101010101" pitchFamily="2" charset="-122"/>
+                          <a:cs typeface="Arial" panose="020B0604020202090204" pitchFamily="34" charset="0"/>
+                        </a:rPr>
+                        <a:t>Equipment</a:t>
+                      </a:r>
+                      <a:endParaRPr lang="zh-CN" altLang="en-US" sz="900" b="0" i="0" dirty="0">
+                        <a:latin typeface="Arial" panose="020B0604020202090204" pitchFamily="34" charset="0"/>
+                        <a:ea typeface="宋体" panose="02010600030101010101" pitchFamily="2" charset="-122"/>
+                        <a:cs typeface="Arial" panose="020B0604020202090204" pitchFamily="34" charset="0"/>
+                      </a:endParaRPr>
+                    </a:p>
+                  </a:txBody>
+                  <a:tcPr>
+                    <a:lnL w="6350" cap="flat" cmpd="sng" algn="ctr">
+                      <a:solidFill>
+                        <a:schemeClr val="tx1"/>
+                      </a:solidFill>
+                      <a:prstDash val="solid"/>
+                      <a:round/>
+                      <a:headEnd type="none" w="med" len="med"/>
+                      <a:tailEnd type="none" w="med" len="med"/>
+                    </a:lnL>
+                    <a:lnR w="6350" cap="flat" cmpd="sng" algn="ctr">
+                      <a:solidFill>
+                        <a:schemeClr val="tx1"/>
+                      </a:solidFill>
+                      <a:prstDash val="solid"/>
+                      <a:round/>
+                      <a:headEnd type="none" w="med" len="med"/>
+                      <a:tailEnd type="none" w="med" len="med"/>
+                    </a:lnR>
+                    <a:lnT w="6350" cap="flat" cmpd="sng" algn="ctr">
+                      <a:solidFill>
+                        <a:schemeClr val="tx1"/>
+                      </a:solidFill>
+                      <a:prstDash val="solid"/>
+                      <a:round/>
+                      <a:headEnd type="none" w="med" len="med"/>
+                      <a:tailEnd type="none" w="med" len="med"/>
+                    </a:lnT>
+                    <a:lnB w="6350" cap="flat" cmpd="sng" algn="ctr">
+                      <a:solidFill>
+                        <a:schemeClr val="tx1"/>
+                      </a:solidFill>
+                      <a:prstDash val="solid"/>
+                      <a:round/>
+                      <a:headEnd type="none" w="med" len="med"/>
+                      <a:tailEnd type="none" w="med" len="med"/>
+                    </a:lnB>
+                    <a:lnTlToBr w="12700" cmpd="sng">
+                      <a:noFill/>
+                      <a:prstDash val="solid"/>
+                    </a:lnTlToBr>
+                    <a:lnBlToTr w="12700" cmpd="sng">
+                      <a:noFill/>
+                      <a:prstDash val="solid"/>
+                    </a:lnBlToTr>
+                    <a:solidFill>
+                      <a:schemeClr val="accent5">
+                        <a:lumMod val="60000"/>
+                        <a:lumOff val="40000"/>
+                      </a:schemeClr>
+                    </a:solidFill>
+                  </a:tcPr>
+                </a:tc>
+                <a:tc>
+                  <a:txBody>
+                    <a:bodyPr/>
+                    <a:lstStyle/>
+                    <a:p>
+                      <a:r>
+                        <a:rPr lang="en-US" altLang="zh-CN" sz="900" b="0" i="0" dirty="0">
+                          <a:latin typeface="Arial" panose="020B0604020202090204" pitchFamily="34" charset="0"/>
+                          <a:ea typeface="宋体" panose="02010600030101010101" pitchFamily="2" charset="-122"/>
+                          <a:cs typeface="Arial" panose="020B0604020202090204" pitchFamily="34" charset="0"/>
+                        </a:rPr>
+                        <a:t>CMM</a:t>
+                      </a:r>
+                      <a:endParaRPr lang="zh-CN" altLang="en-US" sz="900" b="0" i="0" dirty="0">
+                        <a:latin typeface="Arial" panose="020B0604020202090204" pitchFamily="34" charset="0"/>
+                        <a:ea typeface="宋体" panose="02010600030101010101" pitchFamily="2" charset="-122"/>
+                        <a:cs typeface="Arial" panose="020B0604020202090204" pitchFamily="34" charset="0"/>
+                      </a:endParaRPr>
+                    </a:p>
+                  </a:txBody>
+                  <a:tcPr>
+                    <a:lnL w="6350" cap="flat" cmpd="sng" algn="ctr">
+                      <a:solidFill>
+                        <a:schemeClr val="tx1"/>
+                      </a:solidFill>
+                      <a:prstDash val="solid"/>
+                      <a:round/>
+                      <a:headEnd type="none" w="med" len="med"/>
+                      <a:tailEnd type="none" w="med" len="med"/>
+                    </a:lnL>
+                    <a:lnR w="6350" cap="flat" cmpd="sng" algn="ctr">
+                      <a:solidFill>
+                        <a:schemeClr val="tx1"/>
+                      </a:solidFill>
+                      <a:prstDash val="solid"/>
+                      <a:round/>
+                      <a:headEnd type="none" w="med" len="med"/>
+                      <a:tailEnd type="none" w="med" len="med"/>
+                    </a:lnR>
+                    <a:lnT w="6350" cap="flat" cmpd="sng" algn="ctr">
+                      <a:solidFill>
+                        <a:schemeClr val="tx1"/>
+                      </a:solidFill>
+                      <a:prstDash val="solid"/>
+                      <a:round/>
+                      <a:headEnd type="none" w="med" len="med"/>
+                      <a:tailEnd type="none" w="med" len="med"/>
+                    </a:lnT>
+                    <a:lnB w="6350" cap="flat" cmpd="sng" algn="ctr">
+                      <a:solidFill>
+                        <a:schemeClr val="tx1"/>
+                      </a:solidFill>
+                      <a:prstDash val="solid"/>
+                      <a:round/>
+                      <a:headEnd type="none" w="med" len="med"/>
+                      <a:tailEnd type="none" w="med" len="med"/>
+                    </a:lnB>
+                    <a:lnTlToBr w="12700" cmpd="sng">
+                      <a:noFill/>
+                      <a:prstDash val="solid"/>
+                    </a:lnTlToBr>
+                    <a:lnBlToTr w="12700" cmpd="sng">
+                      <a:noFill/>
+                      <a:prstDash val="solid"/>
+                    </a:lnBlToTr>
+                  </a:tcPr>
+                </a:tc>
+              </a:tr>
+              <a:tr h="365129">
+                <a:tc>
+                  <a:txBody>
+                    <a:bodyPr/>
+                    <a:lstStyle/>
+                    <a:p>
+                      <a:r>
+                        <a:rPr lang="en-US" altLang="zh-CN" sz="900" b="0" i="0" dirty="0">
+                          <a:latin typeface="Arial" panose="020B0604020202090204" pitchFamily="34" charset="0"/>
+                          <a:ea typeface="宋体" panose="02010600030101010101" pitchFamily="2" charset="-122"/>
+                          <a:cs typeface="Arial" panose="020B0604020202090204" pitchFamily="34" charset="0"/>
+                        </a:rPr>
+                        <a:t>Fixture Positioning</a:t>
+                      </a:r>
+                      <a:endParaRPr lang="zh-CN" altLang="en-US" sz="900" b="0" i="0" dirty="0">
+                        <a:latin typeface="Arial" panose="020B0604020202090204" pitchFamily="34" charset="0"/>
+                        <a:ea typeface="宋体" panose="02010600030101010101" pitchFamily="2" charset="-122"/>
+                        <a:cs typeface="Arial" panose="020B0604020202090204" pitchFamily="34" charset="0"/>
+                      </a:endParaRPr>
+                    </a:p>
+                  </a:txBody>
+                  <a:tcPr>
+                    <a:lnL w="6350" cap="flat" cmpd="sng" algn="ctr">
+                      <a:solidFill>
+                        <a:schemeClr val="tx1"/>
+                      </a:solidFill>
+                      <a:prstDash val="solid"/>
+                      <a:round/>
+                      <a:headEnd type="none" w="med" len="med"/>
+                      <a:tailEnd type="none" w="med" len="med"/>
+                    </a:lnL>
+                    <a:lnR w="6350" cap="flat" cmpd="sng" algn="ctr">
+                      <a:solidFill>
+                        <a:schemeClr val="tx1"/>
+                      </a:solidFill>
+                      <a:prstDash val="solid"/>
+                      <a:round/>
+                      <a:headEnd type="none" w="med" len="med"/>
+                      <a:tailEnd type="none" w="med" len="med"/>
+                    </a:lnR>
+                    <a:lnT w="6350" cap="flat" cmpd="sng" algn="ctr">
+                      <a:solidFill>
+                        <a:schemeClr val="tx1"/>
+                      </a:solidFill>
+                      <a:prstDash val="solid"/>
+                      <a:round/>
+                      <a:headEnd type="none" w="med" len="med"/>
+                      <a:tailEnd type="none" w="med" len="med"/>
+                    </a:lnT>
+                    <a:lnB w="6350" cap="flat" cmpd="sng" algn="ctr">
+                      <a:solidFill>
+                        <a:schemeClr val="tx1"/>
+                      </a:solidFill>
+                      <a:prstDash val="solid"/>
+                      <a:round/>
+                      <a:headEnd type="none" w="med" len="med"/>
+                      <a:tailEnd type="none" w="med" len="med"/>
+                    </a:lnB>
+                    <a:lnTlToBr w="12700" cmpd="sng">
+                      <a:noFill/>
+                      <a:prstDash val="solid"/>
+                    </a:lnTlToBr>
+                    <a:lnBlToTr w="12700" cmpd="sng">
+                      <a:noFill/>
+                      <a:prstDash val="solid"/>
+                    </a:lnBlToTr>
+                    <a:solidFill>
+                      <a:schemeClr val="accent5">
+                        <a:lumMod val="60000"/>
+                        <a:lumOff val="40000"/>
+                      </a:schemeClr>
+                    </a:solidFill>
+                  </a:tcPr>
+                </a:tc>
+                <a:tc>
+                  <a:txBody>
+                    <a:bodyPr/>
+                    <a:lstStyle/>
+                    <a:p>
+                      <a:r>
+                        <a:rPr lang="en-US" altLang="zh-CN" sz="900" b="0" i="0" dirty="0">
+                          <a:latin typeface="Arial" panose="020B0604020202090204" pitchFamily="34" charset="0"/>
+                          <a:ea typeface="宋体" panose="02010600030101010101" pitchFamily="2" charset="-122"/>
+                          <a:cs typeface="Arial" panose="020B0604020202090204" pitchFamily="34" charset="0"/>
+                        </a:rPr>
+                        <a:t>Vacuum adsorption</a:t>
+                      </a:r>
+                      <a:endParaRPr lang="zh-CN" altLang="en-US" sz="900" b="0" i="0" dirty="0">
+                        <a:latin typeface="Arial" panose="020B0604020202090204" pitchFamily="34" charset="0"/>
+                        <a:ea typeface="宋体" panose="02010600030101010101" pitchFamily="2" charset="-122"/>
+                        <a:cs typeface="Arial" panose="020B0604020202090204" pitchFamily="34" charset="0"/>
+                      </a:endParaRPr>
+                    </a:p>
+                  </a:txBody>
+                  <a:tcPr>
+                    <a:lnL w="6350" cap="flat" cmpd="sng" algn="ctr">
+                      <a:solidFill>
+                        <a:schemeClr val="tx1"/>
+                      </a:solidFill>
+                      <a:prstDash val="solid"/>
+                      <a:round/>
+                      <a:headEnd type="none" w="med" len="med"/>
+                      <a:tailEnd type="none" w="med" len="med"/>
+                    </a:lnL>
+                    <a:lnR w="6350" cap="flat" cmpd="sng" algn="ctr">
+                      <a:solidFill>
+                        <a:schemeClr val="tx1"/>
+                      </a:solidFill>
+                      <a:prstDash val="solid"/>
+                      <a:round/>
+                      <a:headEnd type="none" w="med" len="med"/>
+                      <a:tailEnd type="none" w="med" len="med"/>
+                    </a:lnR>
+                    <a:lnT w="6350" cap="flat" cmpd="sng" algn="ctr">
+                      <a:solidFill>
+                        <a:schemeClr val="tx1"/>
+                      </a:solidFill>
+                      <a:prstDash val="solid"/>
+                      <a:round/>
+                      <a:headEnd type="none" w="med" len="med"/>
+                      <a:tailEnd type="none" w="med" len="med"/>
+                    </a:lnT>
+                    <a:lnB w="6350" cap="flat" cmpd="sng" algn="ctr">
+                      <a:solidFill>
+                        <a:schemeClr val="tx1"/>
+                      </a:solidFill>
+                      <a:prstDash val="solid"/>
+                      <a:round/>
+                      <a:headEnd type="none" w="med" len="med"/>
+                      <a:tailEnd type="none" w="med" len="med"/>
+                    </a:lnB>
+                    <a:lnTlToBr w="12700" cmpd="sng">
+                      <a:noFill/>
+                      <a:prstDash val="solid"/>
+                    </a:lnTlToBr>
+                    <a:lnBlToTr w="12700" cmpd="sng">
+                      <a:noFill/>
+                      <a:prstDash val="solid"/>
+                    </a:lnBlToTr>
+                  </a:tcPr>
+                </a:tc>
+              </a:tr>
+              <a:tr h="365129">
+                <a:tc>
+                  <a:txBody>
+                    <a:bodyPr/>
+                    <a:lstStyle/>
+                    <a:p>
+                      <a:r>
+                        <a:rPr lang="en-US" altLang="zh-CN" sz="900" b="0" i="0" dirty="0">
+                          <a:latin typeface="Arial" panose="020B0604020202090204" pitchFamily="34" charset="0"/>
+                          <a:ea typeface="宋体" panose="02010600030101010101" pitchFamily="2" charset="-122"/>
+                          <a:cs typeface="Arial" panose="020B0604020202090204" pitchFamily="34" charset="0"/>
+                        </a:rPr>
+                        <a:t>Reference Datums</a:t>
+                      </a:r>
+                      <a:endParaRPr lang="zh-CN" altLang="en-US" sz="900" b="0" i="0" dirty="0">
+                        <a:latin typeface="Arial" panose="020B0604020202090204" pitchFamily="34" charset="0"/>
+                        <a:ea typeface="宋体" panose="02010600030101010101" pitchFamily="2" charset="-122"/>
+                        <a:cs typeface="Arial" panose="020B0604020202090204" pitchFamily="34" charset="0"/>
+                      </a:endParaRPr>
+                    </a:p>
+                  </a:txBody>
+                  <a:tcPr>
+                    <a:lnL w="6350" cap="flat" cmpd="sng" algn="ctr">
+                      <a:solidFill>
+                        <a:schemeClr val="tx1"/>
+                      </a:solidFill>
+                      <a:prstDash val="solid"/>
+                      <a:round/>
+                      <a:headEnd type="none" w="med" len="med"/>
+                      <a:tailEnd type="none" w="med" len="med"/>
+                    </a:lnL>
+                    <a:lnR w="6350" cap="flat" cmpd="sng" algn="ctr">
+                      <a:solidFill>
+                        <a:schemeClr val="tx1"/>
+                      </a:solidFill>
+                      <a:prstDash val="solid"/>
+                      <a:round/>
+                      <a:headEnd type="none" w="med" len="med"/>
+                      <a:tailEnd type="none" w="med" len="med"/>
+                    </a:lnR>
+                    <a:lnT w="6350" cap="flat" cmpd="sng" algn="ctr">
+                      <a:solidFill>
+                        <a:schemeClr val="tx1"/>
+                      </a:solidFill>
+                      <a:prstDash val="solid"/>
+                      <a:round/>
+                      <a:headEnd type="none" w="med" len="med"/>
+                      <a:tailEnd type="none" w="med" len="med"/>
+                    </a:lnT>
+                    <a:lnB w="6350" cap="flat" cmpd="sng" algn="ctr">
+                      <a:solidFill>
+                        <a:schemeClr val="tx1"/>
+                      </a:solidFill>
+                      <a:prstDash val="solid"/>
+                      <a:round/>
+                      <a:headEnd type="none" w="med" len="med"/>
+                      <a:tailEnd type="none" w="med" len="med"/>
+                    </a:lnB>
+                    <a:lnTlToBr w="12700" cmpd="sng">
+                      <a:noFill/>
+                      <a:prstDash val="solid"/>
+                    </a:lnTlToBr>
+                    <a:lnBlToTr w="12700" cmpd="sng">
+                      <a:noFill/>
+                      <a:prstDash val="solid"/>
+                    </a:lnBlToTr>
+                    <a:solidFill>
+                      <a:schemeClr val="accent5">
+                        <a:lumMod val="60000"/>
+                        <a:lumOff val="40000"/>
+                      </a:schemeClr>
+                    </a:solidFill>
+                  </a:tcPr>
+                </a:tc>
+                <a:tc>
+                  <a:txBody>
+                    <a:bodyPr/>
+                    <a:lstStyle/>
+                    <a:p>
+                      <a:r>
+                        <a:rPr lang="en-US" altLang="zh-CN" sz="900" b="0" i="0" dirty="0">
+                          <a:latin typeface="Arial" panose="020B0604020202090204" pitchFamily="34" charset="0"/>
+                          <a:ea typeface="宋体" panose="02010600030101010101" pitchFamily="2" charset="-122"/>
+                          <a:cs typeface="Arial" panose="020B0604020202090204" pitchFamily="34" charset="0"/>
+                        </a:rPr>
+                        <a:t>A+B+C</a:t>
+                      </a:r>
+                      <a:endParaRPr lang="zh-CN" altLang="en-US" sz="900" b="0" i="0" dirty="0">
+                        <a:latin typeface="Arial" panose="020B0604020202090204" pitchFamily="34" charset="0"/>
+                        <a:ea typeface="宋体" panose="02010600030101010101" pitchFamily="2" charset="-122"/>
+                        <a:cs typeface="Arial" panose="020B0604020202090204" pitchFamily="34" charset="0"/>
+                      </a:endParaRPr>
+                    </a:p>
+                  </a:txBody>
+                  <a:tcPr>
+                    <a:lnL w="6350" cap="flat" cmpd="sng" algn="ctr">
+                      <a:solidFill>
+                        <a:schemeClr val="tx1"/>
+                      </a:solidFill>
+                      <a:prstDash val="solid"/>
+                      <a:round/>
+                      <a:headEnd type="none" w="med" len="med"/>
+                      <a:tailEnd type="none" w="med" len="med"/>
+                    </a:lnL>
+                    <a:lnR w="6350" cap="flat" cmpd="sng" algn="ctr">
+                      <a:solidFill>
+                        <a:schemeClr val="tx1"/>
+                      </a:solidFill>
+                      <a:prstDash val="solid"/>
+                      <a:round/>
+                      <a:headEnd type="none" w="med" len="med"/>
+                      <a:tailEnd type="none" w="med" len="med"/>
+                    </a:lnR>
+                    <a:lnT w="6350" cap="flat" cmpd="sng" algn="ctr">
+                      <a:solidFill>
+                        <a:schemeClr val="tx1"/>
+                      </a:solidFill>
+                      <a:prstDash val="solid"/>
+                      <a:round/>
+                      <a:headEnd type="none" w="med" len="med"/>
+                      <a:tailEnd type="none" w="med" len="med"/>
+                    </a:lnT>
+                    <a:lnB w="6350" cap="flat" cmpd="sng" algn="ctr">
+                      <a:solidFill>
+                        <a:schemeClr val="tx1"/>
+                      </a:solidFill>
+                      <a:prstDash val="solid"/>
+                      <a:round/>
+                      <a:headEnd type="none" w="med" len="med"/>
+                      <a:tailEnd type="none" w="med" len="med"/>
+                    </a:lnB>
+                    <a:lnTlToBr w="12700" cmpd="sng">
+                      <a:noFill/>
+                      <a:prstDash val="solid"/>
+                    </a:lnTlToBr>
+                    <a:lnBlToTr w="12700" cmpd="sng">
+                      <a:noFill/>
+                      <a:prstDash val="solid"/>
+                    </a:lnBlToTr>
+                  </a:tcPr>
+                </a:tc>
+              </a:tr>
+              <a:tr h="365129">
+                <a:tc>
+                  <a:txBody>
+                    <a:bodyPr/>
+                    <a:lstStyle/>
+                    <a:p>
+                      <a:r>
+                        <a:rPr lang="en-US" altLang="zh-CN" sz="900" b="0" i="0" dirty="0">
+                          <a:latin typeface="Arial" panose="020B0604020202090204" pitchFamily="34" charset="0"/>
+                          <a:ea typeface="宋体" panose="02010600030101010101" pitchFamily="2" charset="-122"/>
+                          <a:cs typeface="Arial" panose="020B0604020202090204" pitchFamily="34" charset="0"/>
+                        </a:rPr>
+                        <a:t>Reporting Output</a:t>
+                      </a:r>
+                      <a:endParaRPr lang="zh-CN" altLang="en-US" sz="900" b="0" i="0" dirty="0">
+                        <a:latin typeface="Arial" panose="020B0604020202090204" pitchFamily="34" charset="0"/>
+                        <a:ea typeface="宋体" panose="02010600030101010101" pitchFamily="2" charset="-122"/>
+                        <a:cs typeface="Arial" panose="020B0604020202090204" pitchFamily="34" charset="0"/>
+                      </a:endParaRPr>
+                    </a:p>
+                  </a:txBody>
+                  <a:tcPr>
+                    <a:lnL w="6350" cap="flat" cmpd="sng" algn="ctr">
+                      <a:solidFill>
+                        <a:schemeClr val="tx1"/>
+                      </a:solidFill>
+                      <a:prstDash val="solid"/>
+                      <a:round/>
+                      <a:headEnd type="none" w="med" len="med"/>
+                      <a:tailEnd type="none" w="med" len="med"/>
+                    </a:lnL>
+                    <a:lnR w="6350" cap="flat" cmpd="sng" algn="ctr">
+                      <a:solidFill>
+                        <a:schemeClr val="tx1"/>
+                      </a:solidFill>
+                      <a:prstDash val="solid"/>
+                      <a:round/>
+                      <a:headEnd type="none" w="med" len="med"/>
+                      <a:tailEnd type="none" w="med" len="med"/>
+                    </a:lnR>
+                    <a:lnT w="6350" cap="flat" cmpd="sng" algn="ctr">
+                      <a:solidFill>
+                        <a:schemeClr val="tx1"/>
+                      </a:solidFill>
+                      <a:prstDash val="solid"/>
+                      <a:round/>
+                      <a:headEnd type="none" w="med" len="med"/>
+                      <a:tailEnd type="none" w="med" len="med"/>
+                    </a:lnT>
+                    <a:lnB w="6350" cap="flat" cmpd="sng" algn="ctr">
+                      <a:solidFill>
+                        <a:schemeClr val="tx1"/>
+                      </a:solidFill>
+                      <a:prstDash val="solid"/>
+                      <a:round/>
+                      <a:headEnd type="none" w="med" len="med"/>
+                      <a:tailEnd type="none" w="med" len="med"/>
+                    </a:lnB>
+                    <a:lnTlToBr w="12700" cmpd="sng">
+                      <a:noFill/>
+                      <a:prstDash val="solid"/>
+                    </a:lnTlToBr>
+                    <a:lnBlToTr w="12700" cmpd="sng">
+                      <a:noFill/>
+                      <a:prstDash val="solid"/>
+                    </a:lnBlToTr>
+                    <a:solidFill>
+                      <a:schemeClr val="accent5">
+                        <a:lumMod val="60000"/>
+                        <a:lumOff val="40000"/>
+                      </a:schemeClr>
+                    </a:solidFill>
+                  </a:tcPr>
+                </a:tc>
+                <a:tc>
+                  <a:txBody>
+                    <a:bodyPr/>
+                    <a:lstStyle/>
+                    <a:p>
+                      <a:r>
+                        <a:rPr lang="en-US" altLang="zh-CN" sz="900" b="0" i="0" dirty="0">
+                          <a:latin typeface="Arial" panose="020B0604020202090204" pitchFamily="34" charset="0"/>
+                          <a:ea typeface="宋体" panose="02010600030101010101" pitchFamily="2" charset="-122"/>
+                          <a:cs typeface="Arial" panose="020B0604020202090204" pitchFamily="34" charset="0"/>
+                        </a:rPr>
+                        <a:t>3x SPC</a:t>
+                      </a:r>
+                      <a:endParaRPr lang="en-US" altLang="zh-CN" sz="900" b="0" i="0" dirty="0">
+                        <a:latin typeface="Arial" panose="020B0604020202090204" pitchFamily="34" charset="0"/>
+                        <a:ea typeface="宋体" panose="02010600030101010101" pitchFamily="2" charset="-122"/>
+                        <a:cs typeface="Arial" panose="020B0604020202090204" pitchFamily="34" charset="0"/>
+                      </a:endParaRPr>
+                    </a:p>
+                    <a:p>
+                      <a:r>
+                        <a:rPr lang="en-US" altLang="zh-CN" sz="900" b="0" i="0" dirty="0">
+                          <a:latin typeface="Arial" panose="020B0604020202090204" pitchFamily="34" charset="0"/>
+                          <a:ea typeface="宋体" panose="02010600030101010101" pitchFamily="2" charset="-122"/>
+                          <a:cs typeface="Arial" panose="020B0604020202090204" pitchFamily="34" charset="0"/>
+                        </a:rPr>
+                        <a:t>6x raw data</a:t>
+                      </a:r>
+                      <a:endParaRPr lang="zh-CN" altLang="en-US" sz="900" b="0" i="0" dirty="0">
+                        <a:latin typeface="Arial" panose="020B0604020202090204" pitchFamily="34" charset="0"/>
+                        <a:ea typeface="宋体" panose="02010600030101010101" pitchFamily="2" charset="-122"/>
+                        <a:cs typeface="Arial" panose="020B0604020202090204" pitchFamily="34" charset="0"/>
+                      </a:endParaRPr>
+                    </a:p>
+                  </a:txBody>
+                  <a:tcPr>
+                    <a:lnL w="6350" cap="flat" cmpd="sng" algn="ctr">
+                      <a:solidFill>
+                        <a:schemeClr val="tx1"/>
+                      </a:solidFill>
+                      <a:prstDash val="solid"/>
+                      <a:round/>
+                      <a:headEnd type="none" w="med" len="med"/>
+                      <a:tailEnd type="none" w="med" len="med"/>
+                    </a:lnL>
+                    <a:lnR w="6350" cap="flat" cmpd="sng" algn="ctr">
+                      <a:solidFill>
+                        <a:schemeClr val="tx1"/>
+                      </a:solidFill>
+                      <a:prstDash val="solid"/>
+                      <a:round/>
+                      <a:headEnd type="none" w="med" len="med"/>
+                      <a:tailEnd type="none" w="med" len="med"/>
+                    </a:lnR>
+                    <a:lnT w="6350" cap="flat" cmpd="sng" algn="ctr">
+                      <a:solidFill>
+                        <a:schemeClr val="tx1"/>
+                      </a:solidFill>
+                      <a:prstDash val="solid"/>
+                      <a:round/>
+                      <a:headEnd type="none" w="med" len="med"/>
+                      <a:tailEnd type="none" w="med" len="med"/>
+                    </a:lnT>
+                    <a:lnB w="6350" cap="flat" cmpd="sng" algn="ctr">
+                      <a:solidFill>
+                        <a:schemeClr val="tx1"/>
+                      </a:solidFill>
+                      <a:prstDash val="solid"/>
+                      <a:round/>
+                      <a:headEnd type="none" w="med" len="med"/>
+                      <a:tailEnd type="none" w="med" len="med"/>
+                    </a:lnB>
+                    <a:lnTlToBr w="12700" cmpd="sng">
+                      <a:noFill/>
+                      <a:prstDash val="solid"/>
+                    </a:lnTlToBr>
+                    <a:lnBlToTr w="12700" cmpd="sng">
+                      <a:noFill/>
+                      <a:prstDash val="solid"/>
+                    </a:lnBlToTr>
+                  </a:tcPr>
+                </a:tc>
+              </a:tr>
+              <a:tr h="1083075">
+                <a:tc>
+                  <a:txBody>
+                    <a:bodyPr/>
+                    <a:lstStyle/>
+                    <a:p>
+                      <a:r>
+                        <a:rPr lang="en-US" altLang="zh-CN" sz="900" b="0" i="0" dirty="0">
+                          <a:latin typeface="Arial" panose="020B0604020202090204" pitchFamily="34" charset="0"/>
+                          <a:ea typeface="宋体" panose="02010600030101010101" pitchFamily="2" charset="-122"/>
+                          <a:cs typeface="Arial" panose="020B0604020202090204" pitchFamily="34" charset="0"/>
+                        </a:rPr>
+                        <a:t>Measurement Procedure</a:t>
+                      </a:r>
+                      <a:endParaRPr lang="zh-CN" altLang="en-US" sz="900" b="0" i="0" dirty="0">
+                        <a:latin typeface="Arial" panose="020B0604020202090204" pitchFamily="34" charset="0"/>
+                        <a:ea typeface="宋体" panose="02010600030101010101" pitchFamily="2" charset="-122"/>
+                        <a:cs typeface="Arial" panose="020B0604020202090204" pitchFamily="34" charset="0"/>
+                      </a:endParaRPr>
+                    </a:p>
+                  </a:txBody>
+                  <a:tcPr>
+                    <a:lnL w="6350" cap="flat" cmpd="sng" algn="ctr">
+                      <a:solidFill>
+                        <a:schemeClr val="tx1"/>
+                      </a:solidFill>
+                      <a:prstDash val="solid"/>
+                      <a:round/>
+                      <a:headEnd type="none" w="med" len="med"/>
+                      <a:tailEnd type="none" w="med" len="med"/>
+                    </a:lnL>
+                    <a:lnR w="6350" cap="flat" cmpd="sng" algn="ctr">
+                      <a:solidFill>
+                        <a:schemeClr val="tx1"/>
+                      </a:solidFill>
+                      <a:prstDash val="solid"/>
+                      <a:round/>
+                      <a:headEnd type="none" w="med" len="med"/>
+                      <a:tailEnd type="none" w="med" len="med"/>
+                    </a:lnR>
+                    <a:lnT w="6350" cap="flat" cmpd="sng" algn="ctr">
+                      <a:solidFill>
+                        <a:schemeClr val="tx1"/>
+                      </a:solidFill>
+                      <a:prstDash val="solid"/>
+                      <a:round/>
+                      <a:headEnd type="none" w="med" len="med"/>
+                      <a:tailEnd type="none" w="med" len="med"/>
+                    </a:lnT>
+                    <a:lnB w="6350" cap="flat" cmpd="sng" algn="ctr">
+                      <a:solidFill>
+                        <a:schemeClr val="tx1"/>
+                      </a:solidFill>
+                      <a:prstDash val="solid"/>
+                      <a:round/>
+                      <a:headEnd type="none" w="med" len="med"/>
+                      <a:tailEnd type="none" w="med" len="med"/>
+                    </a:lnB>
+                    <a:lnTlToBr w="12700" cmpd="sng">
+                      <a:noFill/>
+                      <a:prstDash val="solid"/>
+                    </a:lnTlToBr>
+                    <a:lnBlToTr w="12700" cmpd="sng">
+                      <a:noFill/>
+                      <a:prstDash val="solid"/>
+                    </a:lnBlToTr>
+                    <a:solidFill>
+                      <a:schemeClr val="accent5">
+                        <a:lumMod val="60000"/>
+                        <a:lumOff val="40000"/>
+                      </a:schemeClr>
+                    </a:solidFill>
+                  </a:tcPr>
+                </a:tc>
+                <a:tc>
+                  <a:txBody>
+                    <a:bodyPr/>
+                    <a:lstStyle/>
+                    <a:p>
+                      <a:r>
+                        <a:rPr lang="en-US" altLang="zh-CN" sz="900" b="0" i="0" dirty="0">
+                          <a:latin typeface="Arial" panose="020B0604020202090204" pitchFamily="34" charset="0"/>
+                          <a:ea typeface="宋体" panose="02010600030101010101" pitchFamily="2" charset="-122"/>
+                          <a:cs typeface="Arial" panose="020B0604020202090204" pitchFamily="34" charset="0"/>
+                        </a:rPr>
+                        <a:t>1. Capture 2 points (S1&amp;S2) as picture right</a:t>
+                      </a:r>
+                      <a:endParaRPr lang="en-US" altLang="zh-CN" sz="900" b="0" i="0" dirty="0">
+                        <a:latin typeface="Arial" panose="020B0604020202090204" pitchFamily="34" charset="0"/>
+                        <a:ea typeface="宋体" panose="02010600030101010101" pitchFamily="2" charset="-122"/>
+                        <a:cs typeface="Arial" panose="020B0604020202090204" pitchFamily="34" charset="0"/>
+                      </a:endParaRPr>
+                    </a:p>
+                  </a:txBody>
+                  <a:tcPr>
+                    <a:lnL w="6350" cap="flat" cmpd="sng" algn="ctr">
+                      <a:solidFill>
+                        <a:schemeClr val="tx1"/>
+                      </a:solidFill>
+                      <a:prstDash val="solid"/>
+                      <a:round/>
+                      <a:headEnd type="none" w="med" len="med"/>
+                      <a:tailEnd type="none" w="med" len="med"/>
+                    </a:lnL>
+                    <a:lnR w="6350" cap="flat" cmpd="sng" algn="ctr">
+                      <a:solidFill>
+                        <a:schemeClr val="tx1"/>
+                      </a:solidFill>
+                      <a:prstDash val="solid"/>
+                      <a:round/>
+                      <a:headEnd type="none" w="med" len="med"/>
+                      <a:tailEnd type="none" w="med" len="med"/>
+                    </a:lnR>
+                    <a:lnT w="6350" cap="flat" cmpd="sng" algn="ctr">
+                      <a:solidFill>
+                        <a:schemeClr val="tx1"/>
+                      </a:solidFill>
+                      <a:prstDash val="solid"/>
+                      <a:round/>
+                      <a:headEnd type="none" w="med" len="med"/>
+                      <a:tailEnd type="none" w="med" len="med"/>
+                    </a:lnT>
+                    <a:lnB w="6350" cap="flat" cmpd="sng" algn="ctr">
+                      <a:solidFill>
+                        <a:schemeClr val="tx1"/>
+                      </a:solidFill>
+                      <a:prstDash val="solid"/>
+                      <a:round/>
+                      <a:headEnd type="none" w="med" len="med"/>
+                      <a:tailEnd type="none" w="med" len="med"/>
+                    </a:lnB>
+                    <a:lnTlToBr w="12700" cmpd="sng">
+                      <a:noFill/>
+                      <a:prstDash val="solid"/>
+                    </a:lnTlToBr>
+                    <a:lnBlToTr w="12700" cmpd="sng">
+                      <a:noFill/>
+                      <a:prstDash val="solid"/>
+                    </a:lnBlToTr>
+                  </a:tcPr>
+                </a:tc>
+              </a:tr>
+              <a:tr h="1103970">
+                <a:tc>
+                  <a:txBody>
+                    <a:bodyPr/>
+                    <a:lstStyle/>
+                    <a:p>
+                      <a:r>
+                        <a:rPr lang="en-US" altLang="zh-CN" sz="900" b="0" i="0" dirty="0">
+                          <a:latin typeface="Arial" panose="020B0604020202090204" pitchFamily="34" charset="0"/>
+                          <a:ea typeface="宋体" panose="02010600030101010101" pitchFamily="2" charset="-122"/>
+                          <a:cs typeface="Arial" panose="020B0604020202090204" pitchFamily="34" charset="0"/>
+                        </a:rPr>
+                        <a:t>Calculation Method</a:t>
+                      </a:r>
+                      <a:endParaRPr lang="zh-CN" altLang="en-US" sz="900" b="0" i="0" dirty="0">
+                        <a:latin typeface="Arial" panose="020B0604020202090204" pitchFamily="34" charset="0"/>
+                        <a:ea typeface="宋体" panose="02010600030101010101" pitchFamily="2" charset="-122"/>
+                        <a:cs typeface="Arial" panose="020B0604020202090204" pitchFamily="34" charset="0"/>
+                      </a:endParaRPr>
+                    </a:p>
+                  </a:txBody>
+                  <a:tcPr>
+                    <a:lnL w="6350" cap="flat" cmpd="sng" algn="ctr">
+                      <a:solidFill>
+                        <a:schemeClr val="tx1"/>
+                      </a:solidFill>
+                      <a:prstDash val="solid"/>
+                      <a:round/>
+                      <a:headEnd type="none" w="med" len="med"/>
+                      <a:tailEnd type="none" w="med" len="med"/>
+                    </a:lnL>
+                    <a:lnR w="6350" cap="flat" cmpd="sng" algn="ctr">
+                      <a:solidFill>
+                        <a:schemeClr val="tx1"/>
+                      </a:solidFill>
+                      <a:prstDash val="solid"/>
+                      <a:round/>
+                      <a:headEnd type="none" w="med" len="med"/>
+                      <a:tailEnd type="none" w="med" len="med"/>
+                    </a:lnR>
+                    <a:lnT w="6350" cap="flat" cmpd="sng" algn="ctr">
+                      <a:solidFill>
+                        <a:schemeClr val="tx1"/>
+                      </a:solidFill>
+                      <a:prstDash val="solid"/>
+                      <a:round/>
+                      <a:headEnd type="none" w="med" len="med"/>
+                      <a:tailEnd type="none" w="med" len="med"/>
+                    </a:lnT>
+                    <a:lnB w="6350" cap="flat" cmpd="sng" algn="ctr">
+                      <a:solidFill>
+                        <a:schemeClr val="tx1"/>
+                      </a:solidFill>
+                      <a:prstDash val="solid"/>
+                      <a:round/>
+                      <a:headEnd type="none" w="med" len="med"/>
+                      <a:tailEnd type="none" w="med" len="med"/>
+                    </a:lnB>
+                    <a:lnTlToBr w="12700" cmpd="sng">
+                      <a:noFill/>
+                      <a:prstDash val="solid"/>
+                    </a:lnTlToBr>
+                    <a:lnBlToTr w="12700" cmpd="sng">
+                      <a:noFill/>
+                      <a:prstDash val="solid"/>
+                    </a:lnBlToTr>
+                    <a:solidFill>
+                      <a:schemeClr val="accent5">
+                        <a:lumMod val="60000"/>
+                        <a:lumOff val="40000"/>
+                      </a:schemeClr>
+                    </a:solidFill>
+                  </a:tcPr>
+                </a:tc>
+                <a:tc>
+                  <a:txBody>
+                    <a:bodyPr/>
+                    <a:lstStyle/>
+                    <a:p>
+                      <a:r>
+                        <a:rPr lang="en-US" altLang="zh-CN" sz="900" b="0" i="0" dirty="0">
+                          <a:latin typeface="Arial" panose="020B0604020202090204" pitchFamily="34" charset="0"/>
+                          <a:ea typeface="宋体" panose="02010600030101010101" pitchFamily="2" charset="-122"/>
+                          <a:cs typeface="Arial" panose="020B0604020202090204" pitchFamily="34" charset="0"/>
+                        </a:rPr>
+                        <a:t>1. SPC EX_IXY_5 : Calculate the distance from S1 to S2 in orientation X.</a:t>
+                      </a:r>
+                      <a:endParaRPr lang="en-US" altLang="zh-CN" sz="900" b="0" i="0" dirty="0">
+                        <a:latin typeface="Arial" panose="020B0604020202090204" pitchFamily="34" charset="0"/>
+                        <a:ea typeface="宋体" panose="02010600030101010101" pitchFamily="2" charset="-122"/>
+                        <a:cs typeface="Arial" panose="020B0604020202090204" pitchFamily="34" charset="0"/>
+                      </a:endParaRPr>
+                    </a:p>
+                    <a:p>
+                      <a:r>
+                        <a:rPr lang="en-US" altLang="zh-CN" sz="900" b="0" i="0" dirty="0">
+                          <a:latin typeface="Arial" panose="020B0604020202090204" pitchFamily="34" charset="0"/>
+                          <a:ea typeface="宋体" panose="02010600030101010101" pitchFamily="2" charset="-122"/>
+                          <a:cs typeface="Arial" panose="020B0604020202090204" pitchFamily="34" charset="0"/>
+                        </a:rPr>
+                        <a:t>2. The same method for other locations(IXY_7,IXY_9).</a:t>
+                      </a:r>
+                      <a:endParaRPr lang="en-US" altLang="zh-CN" sz="900" b="0" i="0" dirty="0">
+                        <a:latin typeface="Arial" panose="020B0604020202090204" pitchFamily="34" charset="0"/>
+                        <a:ea typeface="宋体" panose="02010600030101010101" pitchFamily="2" charset="-122"/>
+                        <a:cs typeface="Arial" panose="020B0604020202090204" pitchFamily="34" charset="0"/>
+                      </a:endParaRPr>
+                    </a:p>
+                  </a:txBody>
+                  <a:tcPr>
+                    <a:lnL w="6350" cap="flat" cmpd="sng" algn="ctr">
+                      <a:solidFill>
+                        <a:schemeClr val="tx1"/>
+                      </a:solidFill>
+                      <a:prstDash val="solid"/>
+                      <a:round/>
+                      <a:headEnd type="none" w="med" len="med"/>
+                      <a:tailEnd type="none" w="med" len="med"/>
+                    </a:lnL>
+                    <a:lnR w="6350" cap="flat" cmpd="sng" algn="ctr">
+                      <a:solidFill>
+                        <a:schemeClr val="tx1"/>
+                      </a:solidFill>
+                      <a:prstDash val="solid"/>
+                      <a:round/>
+                      <a:headEnd type="none" w="med" len="med"/>
+                      <a:tailEnd type="none" w="med" len="med"/>
+                    </a:lnR>
+                    <a:lnT w="6350" cap="flat" cmpd="sng" algn="ctr">
+                      <a:solidFill>
+                        <a:schemeClr val="tx1"/>
+                      </a:solidFill>
+                      <a:prstDash val="solid"/>
+                      <a:round/>
+                      <a:headEnd type="none" w="med" len="med"/>
+                      <a:tailEnd type="none" w="med" len="med"/>
+                    </a:lnT>
+                    <a:lnB w="6350" cap="flat" cmpd="sng" algn="ctr">
+                      <a:solidFill>
+                        <a:schemeClr val="tx1"/>
+                      </a:solidFill>
+                      <a:prstDash val="solid"/>
+                      <a:round/>
+                      <a:headEnd type="none" w="med" len="med"/>
+                      <a:tailEnd type="none" w="med" len="med"/>
+                    </a:lnB>
+                    <a:lnTlToBr w="12700" cmpd="sng">
+                      <a:noFill/>
+                      <a:prstDash val="solid"/>
+                    </a:lnTlToBr>
+                    <a:lnBlToTr w="12700" cmpd="sng">
+                      <a:noFill/>
+                      <a:prstDash val="solid"/>
+                    </a:lnBlToTr>
+                  </a:tcPr>
+                </a:tc>
+              </a:tr>
+            </a:tbl>
+          </a:graphicData>
+        </a:graphic>
+      </p:graphicFrame>
+      <p:sp>
+        <p:nvSpPr>
+          <p:cNvPr id="7" name="文本框 6"/>
+          <p:cNvSpPr txBox="1"/>
+          <p:nvPr/>
+        </p:nvSpPr>
+        <p:spPr>
+          <a:xfrm>
+            <a:off x="93918" y="105559"/>
+            <a:ext cx="6096000" cy="369332"/>
+          </a:xfrm>
+          <a:prstGeom prst="rect">
+            <a:avLst/>
+          </a:prstGeom>
+          <a:noFill/>
+        </p:spPr>
+        <p:txBody>
+          <a:bodyPr wrap="square">
+            <a:spAutoFit/>
+          </a:bodyPr>
+          <a:lstStyle/>
+          <a:p>
+            <a:r>
+              <a:rPr lang="zh-CN" altLang="en-US" dirty="0">
+                <a:solidFill>
+                  <a:srgbClr val="0070C0"/>
+                </a:solidFill>
+                <a:latin typeface="Arial" panose="020B0604020202090204" pitchFamily="34" charset="0"/>
+                <a:cs typeface="Arial" panose="020B0604020202090204" pitchFamily="34" charset="0"/>
+              </a:rPr>
+              <a:t>J5</a:t>
+            </a:r>
+            <a:r>
+              <a:rPr lang="en-US" altLang="zh-CN" dirty="0">
+                <a:solidFill>
+                  <a:srgbClr val="0070C0"/>
+                </a:solidFill>
+                <a:latin typeface="Arial" panose="020B0604020202090204" pitchFamily="34" charset="0"/>
+                <a:cs typeface="Arial" panose="020B0604020202090204" pitchFamily="34" charset="0"/>
+              </a:rPr>
+              <a:t>0</a:t>
+            </a:r>
+            <a:r>
+              <a:rPr lang="zh-CN" altLang="en-US" dirty="0">
+                <a:solidFill>
+                  <a:srgbClr val="0070C0"/>
+                </a:solidFill>
+                <a:latin typeface="Arial" panose="020B0604020202090204" pitchFamily="34" charset="0"/>
+                <a:cs typeface="Arial" panose="020B0604020202090204" pitchFamily="34" charset="0"/>
+              </a:rPr>
+              <a:t>7</a:t>
+            </a:r>
+            <a:r>
+              <a:rPr lang="zh-CN" altLang="en-US" dirty="0">
+                <a:latin typeface="Arial" panose="020B0604020202090204" pitchFamily="34" charset="0"/>
+                <a:cs typeface="Arial" panose="020B0604020202090204" pitchFamily="34" charset="0"/>
+              </a:rPr>
+              <a:t> </a:t>
+            </a:r>
+            <a:r>
+              <a:rPr lang="en-US" altLang="zh-CN" dirty="0">
+                <a:latin typeface="Arial" panose="020B0604020202090204" pitchFamily="34" charset="0"/>
+                <a:cs typeface="Arial" panose="020B0604020202090204" pitchFamily="34" charset="0"/>
+              </a:rPr>
+              <a:t>MTD </a:t>
+            </a:r>
+            <a:r>
+              <a:rPr lang="zh-CN" altLang="en-US" dirty="0">
+                <a:latin typeface="Arial" panose="020B0604020202090204" pitchFamily="34" charset="0"/>
+                <a:cs typeface="Arial" panose="020B0604020202090204" pitchFamily="34" charset="0"/>
+              </a:rPr>
+              <a:t>|</a:t>
+            </a:r>
+            <a:r>
+              <a:rPr lang="en-US" altLang="zh-CN" dirty="0">
+                <a:latin typeface="Arial" panose="020B0604020202090204" pitchFamily="34" charset="0"/>
+                <a:cs typeface="Arial" panose="020B0604020202090204" pitchFamily="34" charset="0"/>
+              </a:rPr>
+              <a:t> Details For SPCs</a:t>
+            </a:r>
+            <a:endParaRPr lang="zh-CN" altLang="en-US" dirty="0">
+              <a:latin typeface="Arial" panose="020B0604020202090204" pitchFamily="34" charset="0"/>
+              <a:cs typeface="Arial" panose="020B0604020202090204" pitchFamily="34" charset="0"/>
+            </a:endParaRPr>
+          </a:p>
+        </p:txBody>
+      </p:sp>
+      <p:sp>
+        <p:nvSpPr>
+          <p:cNvPr id="8" name="文本框 7"/>
+          <p:cNvSpPr txBox="1"/>
+          <p:nvPr/>
+        </p:nvSpPr>
+        <p:spPr>
+          <a:xfrm>
+            <a:off x="8902688" y="740689"/>
+            <a:ext cx="1238081" cy="246221"/>
+          </a:xfrm>
+          <a:prstGeom prst="rect">
+            <a:avLst/>
+          </a:prstGeom>
+          <a:noFill/>
+        </p:spPr>
+        <p:txBody>
+          <a:bodyPr wrap="square" rtlCol="0">
+            <a:spAutoFit/>
+          </a:bodyPr>
+          <a:lstStyle/>
+          <a:p>
+            <a:r>
+              <a:rPr kumimoji="1" lang="en-US" altLang="zh-CN" sz="1000" dirty="0">
+                <a:latin typeface="Arial" panose="020B0604020202090204" pitchFamily="34" charset="0"/>
+                <a:cs typeface="Arial" panose="020B0604020202090204" pitchFamily="34" charset="0"/>
+              </a:rPr>
+              <a:t>Fixture</a:t>
+            </a:r>
+            <a:endParaRPr kumimoji="1" lang="zh-CN" altLang="en-US" sz="1000" dirty="0">
+              <a:latin typeface="Arial" panose="020B0604020202090204" pitchFamily="34" charset="0"/>
+              <a:cs typeface="Arial" panose="020B0604020202090204" pitchFamily="34" charset="0"/>
+            </a:endParaRPr>
+          </a:p>
+        </p:txBody>
+      </p:sp>
+      <p:sp>
+        <p:nvSpPr>
+          <p:cNvPr id="9" name="文本框 8"/>
+          <p:cNvSpPr txBox="1"/>
+          <p:nvPr/>
+        </p:nvSpPr>
+        <p:spPr>
+          <a:xfrm>
+            <a:off x="4259177" y="662814"/>
+            <a:ext cx="1238081" cy="246221"/>
+          </a:xfrm>
+          <a:prstGeom prst="rect">
+            <a:avLst/>
+          </a:prstGeom>
+          <a:noFill/>
+        </p:spPr>
+        <p:txBody>
+          <a:bodyPr wrap="square" rtlCol="0">
+            <a:spAutoFit/>
+          </a:bodyPr>
+          <a:lstStyle/>
+          <a:p>
+            <a:r>
+              <a:rPr kumimoji="1" lang="en-US" altLang="zh-CN" sz="1000" dirty="0">
+                <a:latin typeface="Arial" panose="020B0604020202090204" pitchFamily="34" charset="0"/>
+                <a:cs typeface="Arial" panose="020B0604020202090204" pitchFamily="34" charset="0"/>
+              </a:rPr>
+              <a:t>Drawing Callout</a:t>
+            </a:r>
+            <a:endParaRPr kumimoji="1" lang="zh-CN" altLang="en-US" sz="1000" dirty="0">
+              <a:latin typeface="Arial" panose="020B0604020202090204" pitchFamily="34" charset="0"/>
+              <a:cs typeface="Arial" panose="020B0604020202090204" pitchFamily="34" charset="0"/>
+            </a:endParaRPr>
+          </a:p>
+        </p:txBody>
+      </p:sp>
+      <p:sp>
+        <p:nvSpPr>
+          <p:cNvPr id="10" name="文本框 9"/>
+          <p:cNvSpPr txBox="1"/>
+          <p:nvPr/>
+        </p:nvSpPr>
+        <p:spPr>
+          <a:xfrm>
+            <a:off x="4366485" y="2871745"/>
+            <a:ext cx="2016171" cy="246221"/>
+          </a:xfrm>
+          <a:prstGeom prst="rect">
+            <a:avLst/>
+          </a:prstGeom>
+          <a:noFill/>
+        </p:spPr>
+        <p:txBody>
+          <a:bodyPr wrap="square" rtlCol="0">
+            <a:spAutoFit/>
+          </a:bodyPr>
+          <a:lstStyle/>
+          <a:p>
+            <a:r>
+              <a:rPr kumimoji="1" lang="en-US" altLang="zh-CN" sz="1000" dirty="0">
+                <a:latin typeface="Arial" panose="020B0604020202090204" pitchFamily="34" charset="0"/>
+                <a:cs typeface="Arial" panose="020B0604020202090204" pitchFamily="34" charset="0"/>
+              </a:rPr>
+              <a:t>Measurement Description </a:t>
+            </a:r>
+            <a:endParaRPr kumimoji="1" lang="zh-CN" altLang="en-US" sz="1000" dirty="0">
+              <a:latin typeface="Arial" panose="020B0604020202090204" pitchFamily="34" charset="0"/>
+              <a:cs typeface="Arial" panose="020B0604020202090204" pitchFamily="34" charset="0"/>
+            </a:endParaRPr>
+          </a:p>
+        </p:txBody>
+      </p:sp>
+      <p:sp>
+        <p:nvSpPr>
+          <p:cNvPr id="11" name="矩形 10"/>
+          <p:cNvSpPr/>
+          <p:nvPr/>
+        </p:nvSpPr>
+        <p:spPr>
+          <a:xfrm>
+            <a:off x="4160550" y="596268"/>
+            <a:ext cx="7866693" cy="6059906"/>
+          </a:xfrm>
+          <a:prstGeom prst="rect">
+            <a:avLst/>
+          </a:prstGeom>
+          <a:noFill/>
+          <a:ln w="6350">
+            <a:solidFill>
+              <a:schemeClr val="tx1"/>
+            </a:solidFill>
+          </a:ln>
+        </p:spPr>
+        <p:style>
+          <a:lnRef idx="2">
+            <a:schemeClr val="accent1">
+              <a:shade val="50000"/>
+            </a:schemeClr>
+          </a:lnRef>
+          <a:fillRef idx="1">
+            <a:schemeClr val="accent1"/>
+          </a:fillRef>
+          <a:effectRef idx="0">
+            <a:schemeClr val="accent1"/>
+          </a:effectRef>
+          <a:fontRef idx="minor">
+            <a:schemeClr val="lt1"/>
+          </a:fontRef>
+        </p:style>
+        <p:txBody>
+          <a:bodyPr rtlCol="0" anchor="ctr"/>
+          <a:lstStyle/>
+          <a:p>
+            <a:pPr algn="ctr"/>
+            <a:endParaRPr kumimoji="1" lang="zh-CN" altLang="en-US"/>
+          </a:p>
+        </p:txBody>
+      </p:sp>
+      <p:pic>
+        <p:nvPicPr>
+          <p:cNvPr id="2" name="Picture 2"/>
+          <p:cNvPicPr>
+            <a:picLocks noChangeAspect="1" noChangeArrowheads="1"/>
+          </p:cNvPicPr>
+          <p:nvPr/>
+        </p:nvPicPr>
+        <p:blipFill>
+          <a:blip r:embed="rId2">
+            <a:extLst>
+              <a:ext uri="{28A0092B-C50C-407E-A947-70E740481C1C}">
+                <a14:useLocalDpi xmlns:a14="http://schemas.microsoft.com/office/drawing/2010/main" val="0"/>
+              </a:ext>
+            </a:extLst>
+          </a:blip>
+          <a:srcRect/>
+          <a:stretch>
+            <a:fillRect/>
+          </a:stretch>
+        </p:blipFill>
+        <p:spPr bwMode="auto">
+          <a:xfrm>
+            <a:off x="9008906" y="1072390"/>
+            <a:ext cx="2356022" cy="1555425"/>
+          </a:xfrm>
+          <a:prstGeom prst="rect">
+            <a:avLst/>
+          </a:prstGeom>
+          <a:noFill/>
+          <a:ln>
+            <a:noFill/>
+          </a:ln>
+          <a:effectLst/>
+          <a:extLst>
+            <a:ext uri="{909E8E84-426E-40DD-AFC4-6F175D3DCCD1}">
+              <a14:hiddenFill xmlns:a14="http://schemas.microsoft.com/office/drawing/2010/main">
+                <a:solidFill>
+                  <a:schemeClr val="accent1"/>
+                </a:solidFill>
+              </a14:hiddenFill>
+            </a:ext>
+            <a:ext uri="{91240B29-F687-4F45-9708-019B960494DF}">
+              <a14:hiddenLine xmlns:a14="http://schemas.microsoft.com/office/drawing/2010/main" w="9525">
+                <a:solidFill>
+                  <a:schemeClr val="tx1"/>
+                </a:solidFill>
+                <a:miter lim="800000"/>
+                <a:headEnd/>
+                <a:tailEnd/>
+              </a14:hiddenLine>
+            </a:ext>
+            <a:ext uri="{AF507438-7753-43E0-B8FC-AC1667EBCBE1}">
+              <a14:hiddenEffects xmlns:a14="http://schemas.microsoft.com/office/drawing/2010/main">
+                <a:effectLst>
+                  <a:outerShdw dist="35921" dir="2700000" algn="ctr" rotWithShape="0">
+                    <a:schemeClr val="bg2"/>
+                  </a:outerShdw>
+                </a:effectLst>
+              </a14:hiddenEffects>
+            </a:ext>
+          </a:extLst>
+        </p:spPr>
+      </p:pic>
+      <p:pic>
+        <p:nvPicPr>
+          <p:cNvPr id="3" name="图片 2"/>
+          <p:cNvPicPr>
+            <a:picLocks noChangeAspect="1"/>
+          </p:cNvPicPr>
+          <p:nvPr/>
+        </p:nvPicPr>
+        <p:blipFill>
+          <a:blip r:embed="rId3"/>
+          <a:stretch>
+            <a:fillRect/>
+          </a:stretch>
+        </p:blipFill>
+        <p:spPr>
+          <a:xfrm>
+            <a:off x="4559368" y="3117966"/>
+            <a:ext cx="1876762" cy="3430800"/>
+          </a:xfrm>
+          <a:prstGeom prst="rect">
+            <a:avLst/>
+          </a:prstGeom>
+        </p:spPr>
+      </p:pic>
+      <p:pic>
+        <p:nvPicPr>
+          <p:cNvPr id="5" name="图片 4"/>
+          <p:cNvPicPr>
+            <a:picLocks noChangeAspect="1"/>
+          </p:cNvPicPr>
+          <p:nvPr/>
+        </p:nvPicPr>
+        <p:blipFill>
+          <a:blip r:embed="rId4"/>
+          <a:stretch>
+            <a:fillRect/>
+          </a:stretch>
+        </p:blipFill>
+        <p:spPr>
+          <a:xfrm>
+            <a:off x="7416157" y="3274545"/>
+            <a:ext cx="2356022" cy="3225047"/>
+          </a:xfrm>
+          <a:prstGeom prst="rect">
+            <a:avLst/>
+          </a:prstGeom>
+        </p:spPr>
+      </p:pic>
+      <p:pic>
+        <p:nvPicPr>
+          <p:cNvPr id="12" name="图片 11"/>
+          <p:cNvPicPr>
+            <a:picLocks noChangeAspect="1"/>
+          </p:cNvPicPr>
+          <p:nvPr/>
+        </p:nvPicPr>
+        <p:blipFill rotWithShape="1">
+          <a:blip r:embed="rId3"/>
+          <a:srcRect l="44875"/>
+          <a:stretch>
+            <a:fillRect/>
+          </a:stretch>
+        </p:blipFill>
+        <p:spPr>
+          <a:xfrm>
+            <a:off x="5700855" y="780929"/>
+            <a:ext cx="597557" cy="1981609"/>
+          </a:xfrm>
+          <a:prstGeom prst="rect">
+            <a:avLst/>
+          </a:prstGeom>
+        </p:spPr>
+      </p:pic>
     </p:spTree>
   </p:cSld>
   <p:clrMapOvr>
@@ -3497,7 +9653,13 @@
 
 <file path=ppt/tags/tag2.xml><?xml version="1.0" encoding="utf-8"?>
 <p:tagLst xmlns:p="http://schemas.openxmlformats.org/presentationml/2006/main">
-  <p:tag name="KSO_WM_UNIT_TABLE_BEAUTIFY" val="smartTable{d46f1eef-2855-4cf1-86f7-b165e6489287}"/>
+  <p:tag name="KSO_WM_UNIT_TABLE_BEAUTIFY" val="smartTable{23ab6606-8e45-4e4a-b7bb-0798d2f6b6e5}"/>
+</p:tagLst>
+</file>
+
+<file path=ppt/tags/tag3.xml><?xml version="1.0" encoding="utf-8"?>
+<p:tagLst xmlns:p="http://schemas.openxmlformats.org/presentationml/2006/main">
+  <p:tag name="KSO_WM_UNIT_TABLE_BEAUTIFY" val="smartTable{23ab6606-8e45-4e4a-b7bb-0798d2f6b6e5}"/>
 </p:tagLst>
 </file>
 
